--- a/story/project1_presentation.pptx
+++ b/story/project1_presentation.pptx
@@ -2,7 +2,7 @@
 <file path=ppt/presentation.xml><?xml version="1.0" encoding="utf-8"?>
 <p:presentation xmlns:a="http://schemas.openxmlformats.org/drawingml/2006/main" xmlns:r="http://schemas.openxmlformats.org/officeDocument/2006/relationships" xmlns:p="http://schemas.openxmlformats.org/presentationml/2006/main" saveSubsetFonts="1">
   <p:sldMasterIdLst>
-    <p:sldMasterId id="2147483648" r:id="rId1"/>
+    <p:sldMasterId id="2147483660" r:id="rId1"/>
   </p:sldMasterIdLst>
   <p:sldIdLst>
     <p:sldId id="256" r:id="rId2"/>
@@ -10,8 +10,9 @@
     <p:sldId id="258" r:id="rId4"/>
     <p:sldId id="262" r:id="rId5"/>
     <p:sldId id="259" r:id="rId6"/>
-    <p:sldId id="261" r:id="rId7"/>
-    <p:sldId id="260" r:id="rId8"/>
+    <p:sldId id="263" r:id="rId7"/>
+    <p:sldId id="261" r:id="rId8"/>
+    <p:sldId id="260" r:id="rId9"/>
   </p:sldIdLst>
   <p:sldSz cx="12192000" cy="6858000"/>
   <p:notesSz cx="6858000" cy="9144000"/>
@@ -19,7 +20,7 @@
     <a:defPPr>
       <a:defRPr lang="en-US"/>
     </a:defPPr>
-    <a:lvl1pPr marL="0" algn="l" defTabSz="914400" rtl="0" eaLnBrk="1" latinLnBrk="0" hangingPunct="1">
+    <a:lvl1pPr marL="0" algn="l" defTabSz="457200" rtl="0" eaLnBrk="1" latinLnBrk="0" hangingPunct="1">
       <a:defRPr sz="1800" kern="1200">
         <a:solidFill>
           <a:schemeClr val="tx1"/>
@@ -29,7 +30,7 @@
         <a:cs typeface="+mn-cs"/>
       </a:defRPr>
     </a:lvl1pPr>
-    <a:lvl2pPr marL="457200" algn="l" defTabSz="914400" rtl="0" eaLnBrk="1" latinLnBrk="0" hangingPunct="1">
+    <a:lvl2pPr marL="457200" algn="l" defTabSz="457200" rtl="0" eaLnBrk="1" latinLnBrk="0" hangingPunct="1">
       <a:defRPr sz="1800" kern="1200">
         <a:solidFill>
           <a:schemeClr val="tx1"/>
@@ -39,7 +40,7 @@
         <a:cs typeface="+mn-cs"/>
       </a:defRPr>
     </a:lvl2pPr>
-    <a:lvl3pPr marL="914400" algn="l" defTabSz="914400" rtl="0" eaLnBrk="1" latinLnBrk="0" hangingPunct="1">
+    <a:lvl3pPr marL="914400" algn="l" defTabSz="457200" rtl="0" eaLnBrk="1" latinLnBrk="0" hangingPunct="1">
       <a:defRPr sz="1800" kern="1200">
         <a:solidFill>
           <a:schemeClr val="tx1"/>
@@ -49,7 +50,7 @@
         <a:cs typeface="+mn-cs"/>
       </a:defRPr>
     </a:lvl3pPr>
-    <a:lvl4pPr marL="1371600" algn="l" defTabSz="914400" rtl="0" eaLnBrk="1" latinLnBrk="0" hangingPunct="1">
+    <a:lvl4pPr marL="1371600" algn="l" defTabSz="457200" rtl="0" eaLnBrk="1" latinLnBrk="0" hangingPunct="1">
       <a:defRPr sz="1800" kern="1200">
         <a:solidFill>
           <a:schemeClr val="tx1"/>
@@ -59,7 +60,7 @@
         <a:cs typeface="+mn-cs"/>
       </a:defRPr>
     </a:lvl4pPr>
-    <a:lvl5pPr marL="1828800" algn="l" defTabSz="914400" rtl="0" eaLnBrk="1" latinLnBrk="0" hangingPunct="1">
+    <a:lvl5pPr marL="1828800" algn="l" defTabSz="457200" rtl="0" eaLnBrk="1" latinLnBrk="0" hangingPunct="1">
       <a:defRPr sz="1800" kern="1200">
         <a:solidFill>
           <a:schemeClr val="tx1"/>
@@ -69,7 +70,7 @@
         <a:cs typeface="+mn-cs"/>
       </a:defRPr>
     </a:lvl5pPr>
-    <a:lvl6pPr marL="2286000" algn="l" defTabSz="914400" rtl="0" eaLnBrk="1" latinLnBrk="0" hangingPunct="1">
+    <a:lvl6pPr marL="2286000" algn="l" defTabSz="457200" rtl="0" eaLnBrk="1" latinLnBrk="0" hangingPunct="1">
       <a:defRPr sz="1800" kern="1200">
         <a:solidFill>
           <a:schemeClr val="tx1"/>
@@ -79,7 +80,7 @@
         <a:cs typeface="+mn-cs"/>
       </a:defRPr>
     </a:lvl6pPr>
-    <a:lvl7pPr marL="2743200" algn="l" defTabSz="914400" rtl="0" eaLnBrk="1" latinLnBrk="0" hangingPunct="1">
+    <a:lvl7pPr marL="2743200" algn="l" defTabSz="457200" rtl="0" eaLnBrk="1" latinLnBrk="0" hangingPunct="1">
       <a:defRPr sz="1800" kern="1200">
         <a:solidFill>
           <a:schemeClr val="tx1"/>
@@ -89,7 +90,7 @@
         <a:cs typeface="+mn-cs"/>
       </a:defRPr>
     </a:lvl7pPr>
-    <a:lvl8pPr marL="3200400" algn="l" defTabSz="914400" rtl="0" eaLnBrk="1" latinLnBrk="0" hangingPunct="1">
+    <a:lvl8pPr marL="3200400" algn="l" defTabSz="457200" rtl="0" eaLnBrk="1" latinLnBrk="0" hangingPunct="1">
       <a:defRPr sz="1800" kern="1200">
         <a:solidFill>
           <a:schemeClr val="tx1"/>
@@ -99,7 +100,7 @@
         <a:cs typeface="+mn-cs"/>
       </a:defRPr>
     </a:lvl8pPr>
-    <a:lvl9pPr marL="3657600" algn="l" defTabSz="914400" rtl="0" eaLnBrk="1" latinLnBrk="0" hangingPunct="1">
+    <a:lvl9pPr marL="3657600" algn="l" defTabSz="457200" rtl="0" eaLnBrk="1" latinLnBrk="0" hangingPunct="1">
       <a:defRPr sz="1800" kern="1200">
         <a:solidFill>
           <a:schemeClr val="tx1"/>
@@ -110,12 +111,25 @@
       </a:defRPr>
     </a:lvl9pPr>
   </p:defaultTextStyle>
+  <p:extLst>
+    <p:ext uri="{EFAFB233-063F-42B5-8137-9DF3F51BA10A}">
+      <p15:sldGuideLst xmlns:p15="http://schemas.microsoft.com/office/powerpoint/2012/main"/>
+    </p:ext>
+  </p:extLst>
 </p:presentation>
 </file>
 
 <file path=ppt/slideLayouts/slideLayout1.xml><?xml version="1.0" encoding="utf-8"?>
 <p:sldLayout xmlns:a="http://schemas.openxmlformats.org/drawingml/2006/main" xmlns:r="http://schemas.openxmlformats.org/officeDocument/2006/relationships" xmlns:p="http://schemas.openxmlformats.org/presentationml/2006/main" type="title" preserve="1">
   <p:cSld name="Title Slide">
+    <p:bg>
+      <p:bgPr>
+        <a:solidFill>
+          <a:schemeClr val="accent2"/>
+        </a:solidFill>
+        <a:effectLst/>
+      </p:bgPr>
+    </p:bg>
     <p:spTree>
       <p:nvGrpSpPr>
         <p:cNvPr id="1" name=""/>
@@ -132,69 +146,82 @@
       </p:grpSpPr>
       <p:sp>
         <p:nvSpPr>
-          <p:cNvPr id="2" name="Title 1">
-            <a:extLst>
-              <a:ext uri="{FF2B5EF4-FFF2-40B4-BE49-F238E27FC236}">
-                <a16:creationId xmlns:a16="http://schemas.microsoft.com/office/drawing/2014/main" id="{2222EC77-C3D2-48B4-A517-B3E406D7DEE7}"/>
-              </a:ext>
-            </a:extLst>
-          </p:cNvPr>
+          <p:cNvPr id="2" name="Title 1"/>
           <p:cNvSpPr>
             <a:spLocks noGrp="1"/>
           </p:cNvSpPr>
           <p:nvPr>
             <p:ph type="ctrTitle"/>
+          </p:nvPr>
+        </p:nvSpPr>
+        <p:spPr bwMode="blackWhite">
+          <a:xfrm>
+            <a:off x="1600200" y="2386744"/>
+            <a:ext cx="8991600" cy="1645920"/>
+          </a:xfrm>
+          <a:solidFill>
+            <a:srgbClr val="FFFFFF"/>
+          </a:solidFill>
+          <a:ln w="38100">
+            <a:solidFill>
+              <a:srgbClr val="404040"/>
+            </a:solidFill>
+          </a:ln>
+        </p:spPr>
+        <p:txBody>
+          <a:bodyPr lIns="274320" rIns="274320" anchor="ctr" anchorCtr="1">
+            <a:normAutofit/>
+          </a:bodyPr>
+          <a:lstStyle>
+            <a:lvl1pPr algn="ctr">
+              <a:defRPr sz="3800">
+                <a:solidFill>
+                  <a:srgbClr val="262626"/>
+                </a:solidFill>
+              </a:defRPr>
+            </a:lvl1pPr>
+          </a:lstStyle>
+          <a:p>
+            <a:r>
+              <a:rPr lang="en-US"/>
+              <a:t>Click to edit Master title style</a:t>
+            </a:r>
+            <a:endParaRPr lang="en-US" dirty="0"/>
+          </a:p>
+        </p:txBody>
+      </p:sp>
+      <p:sp>
+        <p:nvSpPr>
+          <p:cNvPr id="3" name="Subtitle 2"/>
+          <p:cNvSpPr>
+            <a:spLocks noGrp="1"/>
+          </p:cNvSpPr>
+          <p:nvPr>
+            <p:ph type="subTitle" idx="1"/>
           </p:nvPr>
         </p:nvSpPr>
         <p:spPr>
           <a:xfrm>
-            <a:off x="1524000" y="1122363"/>
-            <a:ext cx="9144000" cy="2387600"/>
+            <a:off x="2695194" y="4352544"/>
+            <a:ext cx="6801612" cy="1239894"/>
           </a:xfrm>
+          <a:noFill/>
         </p:spPr>
         <p:txBody>
-          <a:bodyPr anchor="b"/>
-          <a:lstStyle>
-            <a:lvl1pPr algn="ctr">
-              <a:defRPr sz="6000"/>
-            </a:lvl1pPr>
-          </a:lstStyle>
-          <a:p>
-            <a:r>
-              <a:rPr lang="en-US"/>
-              <a:t>Click to edit Master title style</a:t>
-            </a:r>
-          </a:p>
-        </p:txBody>
-      </p:sp>
-      <p:sp>
-        <p:nvSpPr>
-          <p:cNvPr id="3" name="Subtitle 2">
-            <a:extLst>
-              <a:ext uri="{FF2B5EF4-FFF2-40B4-BE49-F238E27FC236}">
-                <a16:creationId xmlns:a16="http://schemas.microsoft.com/office/drawing/2014/main" id="{976563A8-0A0D-4328-96FD-3D93EC4904E0}"/>
-              </a:ext>
-            </a:extLst>
-          </p:cNvPr>
-          <p:cNvSpPr>
-            <a:spLocks noGrp="1"/>
-          </p:cNvSpPr>
-          <p:nvPr>
-            <p:ph type="subTitle" idx="1"/>
-          </p:nvPr>
-        </p:nvSpPr>
-        <p:spPr>
-          <a:xfrm>
-            <a:off x="1524000" y="3602038"/>
-            <a:ext cx="9144000" cy="1655762"/>
-          </a:xfrm>
-        </p:spPr>
-        <p:txBody>
-          <a:bodyPr/>
+          <a:bodyPr>
+            <a:normAutofit/>
+          </a:bodyPr>
           <a:lstStyle>
             <a:lvl1pPr marL="0" indent="0" algn="ctr">
               <a:buNone/>
-              <a:defRPr sz="2400"/>
+              <a:defRPr sz="2000">
+                <a:solidFill>
+                  <a:schemeClr val="tx1">
+                    <a:lumMod val="75000"/>
+                    <a:lumOff val="25000"/>
+                  </a:schemeClr>
+                </a:solidFill>
+              </a:defRPr>
             </a:lvl1pPr>
             <a:lvl2pPr marL="457200" indent="0" algn="ctr">
               <a:buNone/>
@@ -234,18 +261,13 @@
               <a:rPr lang="en-US"/>
               <a:t>Click to edit Master subtitle style</a:t>
             </a:r>
-          </a:p>
-        </p:txBody>
-      </p:sp>
-      <p:sp>
-        <p:nvSpPr>
-          <p:cNvPr id="4" name="Date Placeholder 3">
-            <a:extLst>
-              <a:ext uri="{FF2B5EF4-FFF2-40B4-BE49-F238E27FC236}">
-                <a16:creationId xmlns:a16="http://schemas.microsoft.com/office/drawing/2014/main" id="{2477FA71-5615-46ED-9946-9A2824DE56A6}"/>
-              </a:ext>
-            </a:extLst>
-          </p:cNvPr>
+            <a:endParaRPr lang="en-US" dirty="0"/>
+          </a:p>
+        </p:txBody>
+      </p:sp>
+      <p:sp>
+        <p:nvSpPr>
+          <p:cNvPr id="7" name="Date Placeholder 6"/>
           <p:cNvSpPr>
             <a:spLocks noGrp="1"/>
           </p:cNvSpPr>
@@ -268,13 +290,7 @@
       </p:sp>
       <p:sp>
         <p:nvSpPr>
-          <p:cNvPr id="5" name="Footer Placeholder 4">
-            <a:extLst>
-              <a:ext uri="{FF2B5EF4-FFF2-40B4-BE49-F238E27FC236}">
-                <a16:creationId xmlns:a16="http://schemas.microsoft.com/office/drawing/2014/main" id="{E1B47D92-C75F-4BFA-8A3B-E37C7D36D1E0}"/>
-              </a:ext>
-            </a:extLst>
-          </p:cNvPr>
+          <p:cNvPr id="8" name="Footer Placeholder 7"/>
           <p:cNvSpPr>
             <a:spLocks noGrp="1"/>
           </p:cNvSpPr>
@@ -293,13 +309,7 @@
       </p:sp>
       <p:sp>
         <p:nvSpPr>
-          <p:cNvPr id="6" name="Slide Number Placeholder 5">
-            <a:extLst>
-              <a:ext uri="{FF2B5EF4-FFF2-40B4-BE49-F238E27FC236}">
-                <a16:creationId xmlns:a16="http://schemas.microsoft.com/office/drawing/2014/main" id="{124C9D3C-556B-44EC-9B85-73C1835A69B9}"/>
-              </a:ext>
-            </a:extLst>
-          </p:cNvPr>
+          <p:cNvPr id="9" name="Slide Number Placeholder 8"/>
           <p:cNvSpPr>
             <a:spLocks noGrp="1"/>
           </p:cNvSpPr>
@@ -323,12 +333,12 @@
     </p:spTree>
     <p:extLst>
       <p:ext uri="{BB962C8B-B14F-4D97-AF65-F5344CB8AC3E}">
-        <p14:creationId xmlns:p14="http://schemas.microsoft.com/office/powerpoint/2010/main" val="1421261390"/>
+        <p14:creationId xmlns:p14="http://schemas.microsoft.com/office/powerpoint/2010/main" val="1292162747"/>
       </p:ext>
     </p:extLst>
   </p:cSld>
   <p:clrMapOvr>
-    <a:masterClrMapping/>
+    <a:overrideClrMapping bg1="dk1" tx1="lt1" bg2="dk2" tx2="lt2" accent1="accent1" accent2="accent2" accent3="accent3" accent4="accent4" accent5="accent5" accent6="accent6" hlink="hlink" folHlink="folHlink"/>
   </p:clrMapOvr>
 </p:sldLayout>
 </file>
@@ -352,13 +362,7 @@
       </p:grpSpPr>
       <p:sp>
         <p:nvSpPr>
-          <p:cNvPr id="2" name="Title 1">
-            <a:extLst>
-              <a:ext uri="{FF2B5EF4-FFF2-40B4-BE49-F238E27FC236}">
-                <a16:creationId xmlns:a16="http://schemas.microsoft.com/office/drawing/2014/main" id="{46DCC436-BE47-4883-AF6A-CEBDC8585C52}"/>
-              </a:ext>
-            </a:extLst>
-          </p:cNvPr>
+          <p:cNvPr id="2" name="Title 1"/>
           <p:cNvSpPr>
             <a:spLocks noGrp="1"/>
           </p:cNvSpPr>
@@ -375,18 +379,13 @@
               <a:rPr lang="en-US"/>
               <a:t>Click to edit Master title style</a:t>
             </a:r>
-          </a:p>
-        </p:txBody>
-      </p:sp>
-      <p:sp>
-        <p:nvSpPr>
-          <p:cNvPr id="3" name="Vertical Text Placeholder 2">
-            <a:extLst>
-              <a:ext uri="{FF2B5EF4-FFF2-40B4-BE49-F238E27FC236}">
-                <a16:creationId xmlns:a16="http://schemas.microsoft.com/office/drawing/2014/main" id="{1EC4B55C-27F6-4A73-BE9B-F4FC22370795}"/>
-              </a:ext>
-            </a:extLst>
-          </p:cNvPr>
+            <a:endParaRPr lang="en-US" dirty="0"/>
+          </a:p>
+        </p:txBody>
+      </p:sp>
+      <p:sp>
+        <p:nvSpPr>
+          <p:cNvPr id="3" name="Vertical Text Placeholder 2"/>
           <p:cNvSpPr>
             <a:spLocks noGrp="1"/>
           </p:cNvSpPr>
@@ -432,18 +431,13 @@
               <a:rPr lang="en-US"/>
               <a:t>Fifth level</a:t>
             </a:r>
-          </a:p>
-        </p:txBody>
-      </p:sp>
-      <p:sp>
-        <p:nvSpPr>
-          <p:cNvPr id="4" name="Date Placeholder 3">
-            <a:extLst>
-              <a:ext uri="{FF2B5EF4-FFF2-40B4-BE49-F238E27FC236}">
-                <a16:creationId xmlns:a16="http://schemas.microsoft.com/office/drawing/2014/main" id="{21C99365-6745-41A2-A00D-91574BC2D80A}"/>
-              </a:ext>
-            </a:extLst>
-          </p:cNvPr>
+            <a:endParaRPr lang="en-US" dirty="0"/>
+          </a:p>
+        </p:txBody>
+      </p:sp>
+      <p:sp>
+        <p:nvSpPr>
+          <p:cNvPr id="4" name="Date Placeholder 3"/>
           <p:cNvSpPr>
             <a:spLocks noGrp="1"/>
           </p:cNvSpPr>
@@ -466,13 +460,7 @@
       </p:sp>
       <p:sp>
         <p:nvSpPr>
-          <p:cNvPr id="5" name="Footer Placeholder 4">
-            <a:extLst>
-              <a:ext uri="{FF2B5EF4-FFF2-40B4-BE49-F238E27FC236}">
-                <a16:creationId xmlns:a16="http://schemas.microsoft.com/office/drawing/2014/main" id="{E8BB15B6-2D89-4B4D-9E43-E3ECB69D3086}"/>
-              </a:ext>
-            </a:extLst>
-          </p:cNvPr>
+          <p:cNvPr id="5" name="Footer Placeholder 4"/>
           <p:cNvSpPr>
             <a:spLocks noGrp="1"/>
           </p:cNvSpPr>
@@ -491,13 +479,7 @@
       </p:sp>
       <p:sp>
         <p:nvSpPr>
-          <p:cNvPr id="6" name="Slide Number Placeholder 5">
-            <a:extLst>
-              <a:ext uri="{FF2B5EF4-FFF2-40B4-BE49-F238E27FC236}">
-                <a16:creationId xmlns:a16="http://schemas.microsoft.com/office/drawing/2014/main" id="{CC1FCA67-FD2A-4FBC-B16A-CBF872896AFC}"/>
-              </a:ext>
-            </a:extLst>
-          </p:cNvPr>
+          <p:cNvPr id="6" name="Slide Number Placeholder 5"/>
           <p:cNvSpPr>
             <a:spLocks noGrp="1"/>
           </p:cNvSpPr>
@@ -521,7 +503,7 @@
     </p:spTree>
     <p:extLst>
       <p:ext uri="{BB962C8B-B14F-4D97-AF65-F5344CB8AC3E}">
-        <p14:creationId xmlns:p14="http://schemas.microsoft.com/office/powerpoint/2010/main" val="1502559768"/>
+        <p14:creationId xmlns:p14="http://schemas.microsoft.com/office/powerpoint/2010/main" val="3911661915"/>
       </p:ext>
     </p:extLst>
   </p:cSld>
@@ -550,13 +532,7 @@
       </p:grpSpPr>
       <p:sp>
         <p:nvSpPr>
-          <p:cNvPr id="2" name="Vertical Title 1">
-            <a:extLst>
-              <a:ext uri="{FF2B5EF4-FFF2-40B4-BE49-F238E27FC236}">
-                <a16:creationId xmlns:a16="http://schemas.microsoft.com/office/drawing/2014/main" id="{E9C7A30B-4952-438F-B6E5-BCC8DFD53C54}"/>
-              </a:ext>
-            </a:extLst>
-          </p:cNvPr>
+          <p:cNvPr id="2" name="Vertical Title 1"/>
           <p:cNvSpPr>
             <a:spLocks noGrp="1"/>
           </p:cNvSpPr>
@@ -566,8 +542,8 @@
         </p:nvSpPr>
         <p:spPr>
           <a:xfrm>
-            <a:off x="8724900" y="365125"/>
-            <a:ext cx="2628900" cy="5811838"/>
+            <a:off x="8653112" y="937260"/>
+            <a:ext cx="1298608" cy="4983480"/>
           </a:xfrm>
         </p:spPr>
         <p:txBody>
@@ -578,18 +554,13 @@
               <a:rPr lang="en-US"/>
               <a:t>Click to edit Master title style</a:t>
             </a:r>
-          </a:p>
-        </p:txBody>
-      </p:sp>
-      <p:sp>
-        <p:nvSpPr>
-          <p:cNvPr id="3" name="Vertical Text Placeholder 2">
-            <a:extLst>
-              <a:ext uri="{FF2B5EF4-FFF2-40B4-BE49-F238E27FC236}">
-                <a16:creationId xmlns:a16="http://schemas.microsoft.com/office/drawing/2014/main" id="{40E6349C-6BE0-44F6-AA01-36B573251E7D}"/>
-              </a:ext>
-            </a:extLst>
-          </p:cNvPr>
+            <a:endParaRPr lang="en-US" dirty="0"/>
+          </a:p>
+        </p:txBody>
+      </p:sp>
+      <p:sp>
+        <p:nvSpPr>
+          <p:cNvPr id="3" name="Vertical Text Placeholder 2"/>
           <p:cNvSpPr>
             <a:spLocks noGrp="1"/>
           </p:cNvSpPr>
@@ -599,8 +570,8 @@
         </p:nvSpPr>
         <p:spPr>
           <a:xfrm>
-            <a:off x="838200" y="365125"/>
-            <a:ext cx="7734300" cy="5811838"/>
+            <a:off x="2231136" y="937260"/>
+            <a:ext cx="6198489" cy="4983480"/>
           </a:xfrm>
         </p:spPr>
         <p:txBody>
@@ -640,18 +611,13 @@
               <a:rPr lang="en-US"/>
               <a:t>Fifth level</a:t>
             </a:r>
-          </a:p>
-        </p:txBody>
-      </p:sp>
-      <p:sp>
-        <p:nvSpPr>
-          <p:cNvPr id="4" name="Date Placeholder 3">
-            <a:extLst>
-              <a:ext uri="{FF2B5EF4-FFF2-40B4-BE49-F238E27FC236}">
-                <a16:creationId xmlns:a16="http://schemas.microsoft.com/office/drawing/2014/main" id="{3715C109-7508-4C9D-9002-FABF880CF69A}"/>
-              </a:ext>
-            </a:extLst>
-          </p:cNvPr>
+            <a:endParaRPr lang="en-US" dirty="0"/>
+          </a:p>
+        </p:txBody>
+      </p:sp>
+      <p:sp>
+        <p:nvSpPr>
+          <p:cNvPr id="4" name="Date Placeholder 3"/>
           <p:cNvSpPr>
             <a:spLocks noGrp="1"/>
           </p:cNvSpPr>
@@ -674,13 +640,7 @@
       </p:sp>
       <p:sp>
         <p:nvSpPr>
-          <p:cNvPr id="5" name="Footer Placeholder 4">
-            <a:extLst>
-              <a:ext uri="{FF2B5EF4-FFF2-40B4-BE49-F238E27FC236}">
-                <a16:creationId xmlns:a16="http://schemas.microsoft.com/office/drawing/2014/main" id="{1D2E6245-6698-45D3-821B-E4E8C0F0057D}"/>
-              </a:ext>
-            </a:extLst>
-          </p:cNvPr>
+          <p:cNvPr id="5" name="Footer Placeholder 4"/>
           <p:cNvSpPr>
             <a:spLocks noGrp="1"/>
           </p:cNvSpPr>
@@ -699,13 +659,7 @@
       </p:sp>
       <p:sp>
         <p:nvSpPr>
-          <p:cNvPr id="6" name="Slide Number Placeholder 5">
-            <a:extLst>
-              <a:ext uri="{FF2B5EF4-FFF2-40B4-BE49-F238E27FC236}">
-                <a16:creationId xmlns:a16="http://schemas.microsoft.com/office/drawing/2014/main" id="{5AF66A9F-93C0-485B-8F12-DEDC9A1F4309}"/>
-              </a:ext>
-            </a:extLst>
-          </p:cNvPr>
+          <p:cNvPr id="6" name="Slide Number Placeholder 5"/>
           <p:cNvSpPr>
             <a:spLocks noGrp="1"/>
           </p:cNvSpPr>
@@ -729,7 +683,7 @@
     </p:spTree>
     <p:extLst>
       <p:ext uri="{BB962C8B-B14F-4D97-AF65-F5344CB8AC3E}">
-        <p14:creationId xmlns:p14="http://schemas.microsoft.com/office/powerpoint/2010/main" val="3506057220"/>
+        <p14:creationId xmlns:p14="http://schemas.microsoft.com/office/powerpoint/2010/main" val="3697789717"/>
       </p:ext>
     </p:extLst>
   </p:cSld>
@@ -758,13 +712,7 @@
       </p:grpSpPr>
       <p:sp>
         <p:nvSpPr>
-          <p:cNvPr id="2" name="Title 1">
-            <a:extLst>
-              <a:ext uri="{FF2B5EF4-FFF2-40B4-BE49-F238E27FC236}">
-                <a16:creationId xmlns:a16="http://schemas.microsoft.com/office/drawing/2014/main" id="{BDF68E84-BB64-4BC4-BC85-E68521A4D37E}"/>
-              </a:ext>
-            </a:extLst>
-          </p:cNvPr>
+          <p:cNvPr id="2" name="Title 1"/>
           <p:cNvSpPr>
             <a:spLocks noGrp="1"/>
           </p:cNvSpPr>
@@ -781,18 +729,13 @@
               <a:rPr lang="en-US"/>
               <a:t>Click to edit Master title style</a:t>
             </a:r>
-          </a:p>
-        </p:txBody>
-      </p:sp>
-      <p:sp>
-        <p:nvSpPr>
-          <p:cNvPr id="3" name="Content Placeholder 2">
-            <a:extLst>
-              <a:ext uri="{FF2B5EF4-FFF2-40B4-BE49-F238E27FC236}">
-                <a16:creationId xmlns:a16="http://schemas.microsoft.com/office/drawing/2014/main" id="{0289DEDA-7344-4749-9839-8A416E2F7466}"/>
-              </a:ext>
-            </a:extLst>
-          </p:cNvPr>
+            <a:endParaRPr lang="en-US" dirty="0"/>
+          </a:p>
+        </p:txBody>
+      </p:sp>
+      <p:sp>
+        <p:nvSpPr>
+          <p:cNvPr id="3" name="Content Placeholder 2"/>
           <p:cNvSpPr>
             <a:spLocks noGrp="1"/>
           </p:cNvSpPr>
@@ -838,18 +781,13 @@
               <a:rPr lang="en-US"/>
               <a:t>Fifth level</a:t>
             </a:r>
-          </a:p>
-        </p:txBody>
-      </p:sp>
-      <p:sp>
-        <p:nvSpPr>
-          <p:cNvPr id="4" name="Date Placeholder 3">
-            <a:extLst>
-              <a:ext uri="{FF2B5EF4-FFF2-40B4-BE49-F238E27FC236}">
-                <a16:creationId xmlns:a16="http://schemas.microsoft.com/office/drawing/2014/main" id="{B06E0A24-64F3-4A2C-9567-3EB17B979E06}"/>
-              </a:ext>
-            </a:extLst>
-          </p:cNvPr>
+            <a:endParaRPr lang="en-US" dirty="0"/>
+          </a:p>
+        </p:txBody>
+      </p:sp>
+      <p:sp>
+        <p:nvSpPr>
+          <p:cNvPr id="7" name="Date Placeholder 6"/>
           <p:cNvSpPr>
             <a:spLocks noGrp="1"/>
           </p:cNvSpPr>
@@ -872,13 +810,7 @@
       </p:sp>
       <p:sp>
         <p:nvSpPr>
-          <p:cNvPr id="5" name="Footer Placeholder 4">
-            <a:extLst>
-              <a:ext uri="{FF2B5EF4-FFF2-40B4-BE49-F238E27FC236}">
-                <a16:creationId xmlns:a16="http://schemas.microsoft.com/office/drawing/2014/main" id="{AD477C72-AE75-4DCC-92AB-0732B01F1B7B}"/>
-              </a:ext>
-            </a:extLst>
-          </p:cNvPr>
+          <p:cNvPr id="8" name="Footer Placeholder 7"/>
           <p:cNvSpPr>
             <a:spLocks noGrp="1"/>
           </p:cNvSpPr>
@@ -897,13 +829,7 @@
       </p:sp>
       <p:sp>
         <p:nvSpPr>
-          <p:cNvPr id="6" name="Slide Number Placeholder 5">
-            <a:extLst>
-              <a:ext uri="{FF2B5EF4-FFF2-40B4-BE49-F238E27FC236}">
-                <a16:creationId xmlns:a16="http://schemas.microsoft.com/office/drawing/2014/main" id="{F1B1F2B4-04BA-4E51-ADC3-1E3BD9294A1E}"/>
-              </a:ext>
-            </a:extLst>
-          </p:cNvPr>
+          <p:cNvPr id="9" name="Slide Number Placeholder 8"/>
           <p:cNvSpPr>
             <a:spLocks noGrp="1"/>
           </p:cNvSpPr>
@@ -927,7 +853,7 @@
     </p:spTree>
     <p:extLst>
       <p:ext uri="{BB962C8B-B14F-4D97-AF65-F5344CB8AC3E}">
-        <p14:creationId xmlns:p14="http://schemas.microsoft.com/office/powerpoint/2010/main" val="644139260"/>
+        <p14:creationId xmlns:p14="http://schemas.microsoft.com/office/powerpoint/2010/main" val="3692196954"/>
       </p:ext>
     </p:extLst>
   </p:cSld>
@@ -940,6 +866,14 @@
 <file path=ppt/slideLayouts/slideLayout3.xml><?xml version="1.0" encoding="utf-8"?>
 <p:sldLayout xmlns:a="http://schemas.openxmlformats.org/drawingml/2006/main" xmlns:r="http://schemas.openxmlformats.org/officeDocument/2006/relationships" xmlns:p="http://schemas.openxmlformats.org/presentationml/2006/main" type="secHead" preserve="1">
   <p:cSld name="Section Header">
+    <p:bg>
+      <p:bgPr>
+        <a:solidFill>
+          <a:schemeClr val="accent1"/>
+        </a:solidFill>
+        <a:effectLst/>
+      </p:bgPr>
+    </p:bg>
     <p:spTree>
       <p:nvGrpSpPr>
         <p:cNvPr id="1" name=""/>
@@ -956,97 +890,110 @@
       </p:grpSpPr>
       <p:sp>
         <p:nvSpPr>
-          <p:cNvPr id="2" name="Title 1">
-            <a:extLst>
-              <a:ext uri="{FF2B5EF4-FFF2-40B4-BE49-F238E27FC236}">
-                <a16:creationId xmlns:a16="http://schemas.microsoft.com/office/drawing/2014/main" id="{824DA6F5-3A4E-45E5-962C-DE30A043F930}"/>
-              </a:ext>
-            </a:extLst>
-          </p:cNvPr>
+          <p:cNvPr id="2" name="Title 1"/>
           <p:cNvSpPr>
             <a:spLocks noGrp="1"/>
           </p:cNvSpPr>
           <p:nvPr>
             <p:ph type="title"/>
+          </p:nvPr>
+        </p:nvSpPr>
+        <p:spPr bwMode="blackWhite">
+          <a:xfrm>
+            <a:off x="1600200" y="2386744"/>
+            <a:ext cx="8991600" cy="1645920"/>
+          </a:xfrm>
+          <a:solidFill>
+            <a:srgbClr val="FFFFFF"/>
+          </a:solidFill>
+          <a:ln w="38100">
+            <a:solidFill>
+              <a:srgbClr val="404040"/>
+            </a:solidFill>
+          </a:ln>
+        </p:spPr>
+        <p:txBody>
+          <a:bodyPr lIns="274320" rIns="274320" anchor="ctr" anchorCtr="1">
+            <a:normAutofit/>
+          </a:bodyPr>
+          <a:lstStyle>
+            <a:lvl1pPr>
+              <a:defRPr sz="3800">
+                <a:solidFill>
+                  <a:srgbClr val="262626"/>
+                </a:solidFill>
+              </a:defRPr>
+            </a:lvl1pPr>
+          </a:lstStyle>
+          <a:p>
+            <a:r>
+              <a:rPr lang="en-US"/>
+              <a:t>Click to edit Master title style</a:t>
+            </a:r>
+            <a:endParaRPr lang="en-US" dirty="0"/>
+          </a:p>
+        </p:txBody>
+      </p:sp>
+      <p:sp>
+        <p:nvSpPr>
+          <p:cNvPr id="3" name="Text Placeholder 2"/>
+          <p:cNvSpPr>
+            <a:spLocks noGrp="1"/>
+          </p:cNvSpPr>
+          <p:nvPr>
+            <p:ph type="body" idx="1"/>
           </p:nvPr>
         </p:nvSpPr>
         <p:spPr>
           <a:xfrm>
-            <a:off x="831850" y="1709738"/>
-            <a:ext cx="10515600" cy="2852737"/>
+            <a:off x="2695194" y="4352465"/>
+            <a:ext cx="6801612" cy="1265082"/>
           </a:xfrm>
         </p:spPr>
         <p:txBody>
-          <a:bodyPr anchor="b"/>
-          <a:lstStyle>
-            <a:lvl1pPr>
-              <a:defRPr sz="6000"/>
-            </a:lvl1pPr>
-          </a:lstStyle>
-          <a:p>
-            <a:r>
-              <a:rPr lang="en-US"/>
-              <a:t>Click to edit Master title style</a:t>
-            </a:r>
-          </a:p>
-        </p:txBody>
-      </p:sp>
-      <p:sp>
-        <p:nvSpPr>
-          <p:cNvPr id="3" name="Text Placeholder 2">
-            <a:extLst>
-              <a:ext uri="{FF2B5EF4-FFF2-40B4-BE49-F238E27FC236}">
-                <a16:creationId xmlns:a16="http://schemas.microsoft.com/office/drawing/2014/main" id="{001C89BB-A2FA-46A0-BD5C-BD0DDFF83E9A}"/>
-              </a:ext>
-            </a:extLst>
-          </p:cNvPr>
-          <p:cNvSpPr>
-            <a:spLocks noGrp="1"/>
-          </p:cNvSpPr>
-          <p:nvPr>
-            <p:ph type="body" idx="1"/>
-          </p:nvPr>
-        </p:nvSpPr>
-        <p:spPr>
-          <a:xfrm>
-            <a:off x="831850" y="4589463"/>
-            <a:ext cx="10515600" cy="1500187"/>
-          </a:xfrm>
-        </p:spPr>
-        <p:txBody>
-          <a:bodyPr/>
+          <a:bodyPr anchor="t" anchorCtr="1">
+            <a:normAutofit/>
+          </a:bodyPr>
           <a:lstStyle>
             <a:lvl1pPr marL="0" indent="0">
               <a:buNone/>
-              <a:defRPr sz="2400">
+              <a:defRPr sz="2000">
+                <a:solidFill>
+                  <a:schemeClr val="tx1"/>
+                </a:solidFill>
+              </a:defRPr>
+            </a:lvl1pPr>
+            <a:lvl2pPr marL="457200" indent="0">
+              <a:buNone/>
+              <a:defRPr sz="2000">
                 <a:solidFill>
                   <a:schemeClr val="tx1">
                     <a:tint val="75000"/>
                   </a:schemeClr>
                 </a:solidFill>
               </a:defRPr>
-            </a:lvl1pPr>
-            <a:lvl2pPr marL="457200" indent="0">
-              <a:buNone/>
-              <a:defRPr sz="2000">
+            </a:lvl2pPr>
+            <a:lvl3pPr marL="914400" indent="0">
+              <a:buNone/>
+              <a:defRPr sz="1800">
                 <a:solidFill>
                   <a:schemeClr val="tx1">
                     <a:tint val="75000"/>
                   </a:schemeClr>
                 </a:solidFill>
               </a:defRPr>
-            </a:lvl2pPr>
-            <a:lvl3pPr marL="914400" indent="0">
-              <a:buNone/>
-              <a:defRPr sz="1800">
+            </a:lvl3pPr>
+            <a:lvl4pPr marL="1371600" indent="0">
+              <a:buNone/>
+              <a:defRPr sz="1600">
                 <a:solidFill>
                   <a:schemeClr val="tx1">
                     <a:tint val="75000"/>
                   </a:schemeClr>
                 </a:solidFill>
               </a:defRPr>
-            </a:lvl3pPr>
-            <a:lvl4pPr marL="1371600" indent="0">
+            </a:lvl4pPr>
+            <a:lvl5pPr marL="1828800" indent="0">
               <a:buNone/>
               <a:defRPr sz="1600">
                 <a:solidFill>
@@ -1055,8 +1002,8 @@
                   </a:schemeClr>
                 </a:solidFill>
               </a:defRPr>
-            </a:lvl4pPr>
-            <a:lvl5pPr marL="1828800" indent="0">
+            </a:lvl5pPr>
+            <a:lvl6pPr marL="2286000" indent="0">
               <a:buNone/>
               <a:defRPr sz="1600">
                 <a:solidFill>
@@ -1065,8 +1012,8 @@
                   </a:schemeClr>
                 </a:solidFill>
               </a:defRPr>
-            </a:lvl5pPr>
-            <a:lvl6pPr marL="2286000" indent="0">
+            </a:lvl6pPr>
+            <a:lvl7pPr marL="2743200" indent="0">
               <a:buNone/>
               <a:defRPr sz="1600">
                 <a:solidFill>
@@ -1075,8 +1022,8 @@
                   </a:schemeClr>
                 </a:solidFill>
               </a:defRPr>
-            </a:lvl6pPr>
-            <a:lvl7pPr marL="2743200" indent="0">
+            </a:lvl7pPr>
+            <a:lvl8pPr marL="3200400" indent="0">
               <a:buNone/>
               <a:defRPr sz="1600">
                 <a:solidFill>
@@ -1085,8 +1032,8 @@
                   </a:schemeClr>
                 </a:solidFill>
               </a:defRPr>
-            </a:lvl7pPr>
-            <a:lvl8pPr marL="3200400" indent="0">
+            </a:lvl8pPr>
+            <a:lvl9pPr marL="3657600" indent="0">
               <a:buNone/>
               <a:defRPr sz="1600">
                 <a:solidFill>
@@ -1095,16 +1042,6 @@
                   </a:schemeClr>
                 </a:solidFill>
               </a:defRPr>
-            </a:lvl8pPr>
-            <a:lvl9pPr marL="3657600" indent="0">
-              <a:buNone/>
-              <a:defRPr sz="1600">
-                <a:solidFill>
-                  <a:schemeClr val="tx1">
-                    <a:tint val="75000"/>
-                  </a:schemeClr>
-                </a:solidFill>
-              </a:defRPr>
             </a:lvl9pPr>
           </a:lstStyle>
           <a:p>
@@ -1118,13 +1055,7 @@
       </p:sp>
       <p:sp>
         <p:nvSpPr>
-          <p:cNvPr id="4" name="Date Placeholder 3">
-            <a:extLst>
-              <a:ext uri="{FF2B5EF4-FFF2-40B4-BE49-F238E27FC236}">
-                <a16:creationId xmlns:a16="http://schemas.microsoft.com/office/drawing/2014/main" id="{E7D235E7-91F8-4D18-81C4-F8D9766B4510}"/>
-              </a:ext>
-            </a:extLst>
-          </p:cNvPr>
+          <p:cNvPr id="7" name="Date Placeholder 6"/>
           <p:cNvSpPr>
             <a:spLocks noGrp="1"/>
           </p:cNvSpPr>
@@ -1147,13 +1078,7 @@
       </p:sp>
       <p:sp>
         <p:nvSpPr>
-          <p:cNvPr id="5" name="Footer Placeholder 4">
-            <a:extLst>
-              <a:ext uri="{FF2B5EF4-FFF2-40B4-BE49-F238E27FC236}">
-                <a16:creationId xmlns:a16="http://schemas.microsoft.com/office/drawing/2014/main" id="{4187A5DA-0025-4BD7-935F-FE4002E41DD7}"/>
-              </a:ext>
-            </a:extLst>
-          </p:cNvPr>
+          <p:cNvPr id="8" name="Footer Placeholder 7"/>
           <p:cNvSpPr>
             <a:spLocks noGrp="1"/>
           </p:cNvSpPr>
@@ -1172,13 +1097,7 @@
       </p:sp>
       <p:sp>
         <p:nvSpPr>
-          <p:cNvPr id="6" name="Slide Number Placeholder 5">
-            <a:extLst>
-              <a:ext uri="{FF2B5EF4-FFF2-40B4-BE49-F238E27FC236}">
-                <a16:creationId xmlns:a16="http://schemas.microsoft.com/office/drawing/2014/main" id="{BC07E73F-7AE9-4E99-93D7-0D5B51FF2E30}"/>
-              </a:ext>
-            </a:extLst>
-          </p:cNvPr>
+          <p:cNvPr id="9" name="Slide Number Placeholder 8"/>
           <p:cNvSpPr>
             <a:spLocks noGrp="1"/>
           </p:cNvSpPr>
@@ -1202,12 +1121,12 @@
     </p:spTree>
     <p:extLst>
       <p:ext uri="{BB962C8B-B14F-4D97-AF65-F5344CB8AC3E}">
-        <p14:creationId xmlns:p14="http://schemas.microsoft.com/office/powerpoint/2010/main" val="3055747760"/>
+        <p14:creationId xmlns:p14="http://schemas.microsoft.com/office/powerpoint/2010/main" val="1693849028"/>
       </p:ext>
     </p:extLst>
   </p:cSld>
   <p:clrMapOvr>
-    <a:masterClrMapping/>
+    <a:overrideClrMapping bg1="dk1" tx1="lt1" bg2="dk2" tx2="lt2" accent1="accent1" accent2="accent2" accent3="accent3" accent4="accent4" accent5="accent5" accent6="accent6" hlink="hlink" folHlink="folHlink"/>
   </p:clrMapOvr>
 </p:sldLayout>
 </file>
@@ -1231,13 +1150,7 @@
       </p:grpSpPr>
       <p:sp>
         <p:nvSpPr>
-          <p:cNvPr id="2" name="Title 1">
-            <a:extLst>
-              <a:ext uri="{FF2B5EF4-FFF2-40B4-BE49-F238E27FC236}">
-                <a16:creationId xmlns:a16="http://schemas.microsoft.com/office/drawing/2014/main" id="{8A7982BA-C199-4828-855E-591F17DF9FCE}"/>
-              </a:ext>
-            </a:extLst>
-          </p:cNvPr>
+          <p:cNvPr id="2" name="Title 1"/>
           <p:cNvSpPr>
             <a:spLocks noGrp="1"/>
           </p:cNvSpPr>
@@ -1254,18 +1167,13 @@
               <a:rPr lang="en-US"/>
               <a:t>Click to edit Master title style</a:t>
             </a:r>
-          </a:p>
-        </p:txBody>
-      </p:sp>
-      <p:sp>
-        <p:nvSpPr>
-          <p:cNvPr id="3" name="Content Placeholder 2">
-            <a:extLst>
-              <a:ext uri="{FF2B5EF4-FFF2-40B4-BE49-F238E27FC236}">
-                <a16:creationId xmlns:a16="http://schemas.microsoft.com/office/drawing/2014/main" id="{EED15FB4-3EA3-40A5-A76F-2231893F451E}"/>
-              </a:ext>
-            </a:extLst>
-          </p:cNvPr>
+            <a:endParaRPr lang="en-US" dirty="0"/>
+          </a:p>
+        </p:txBody>
+      </p:sp>
+      <p:sp>
+        <p:nvSpPr>
+          <p:cNvPr id="3" name="Content Placeholder 2"/>
           <p:cNvSpPr>
             <a:spLocks noGrp="1"/>
           </p:cNvSpPr>
@@ -1275,8 +1183,8 @@
         </p:nvSpPr>
         <p:spPr>
           <a:xfrm>
-            <a:off x="838200" y="1825625"/>
-            <a:ext cx="5181600" cy="4351338"/>
+            <a:off x="1581912" y="2638044"/>
+            <a:ext cx="4271771" cy="3101982"/>
           </a:xfrm>
         </p:spPr>
         <p:txBody>
@@ -1316,18 +1224,13 @@
               <a:rPr lang="en-US"/>
               <a:t>Fifth level</a:t>
             </a:r>
-          </a:p>
-        </p:txBody>
-      </p:sp>
-      <p:sp>
-        <p:nvSpPr>
-          <p:cNvPr id="4" name="Content Placeholder 3">
-            <a:extLst>
-              <a:ext uri="{FF2B5EF4-FFF2-40B4-BE49-F238E27FC236}">
-                <a16:creationId xmlns:a16="http://schemas.microsoft.com/office/drawing/2014/main" id="{F077B96C-0F19-4C6A-82ED-4B49E47EB55B}"/>
-              </a:ext>
-            </a:extLst>
-          </p:cNvPr>
+            <a:endParaRPr lang="en-US" dirty="0"/>
+          </a:p>
+        </p:txBody>
+      </p:sp>
+      <p:sp>
+        <p:nvSpPr>
+          <p:cNvPr id="4" name="Content Placeholder 3"/>
           <p:cNvSpPr>
             <a:spLocks noGrp="1"/>
           </p:cNvSpPr>
@@ -1337,8 +1240,8 @@
         </p:nvSpPr>
         <p:spPr>
           <a:xfrm>
-            <a:off x="6172200" y="1825625"/>
-            <a:ext cx="5181600" cy="4351338"/>
+            <a:off x="6338315" y="2638044"/>
+            <a:ext cx="4270247" cy="3101982"/>
           </a:xfrm>
         </p:spPr>
         <p:txBody>
@@ -1378,18 +1281,13 @@
               <a:rPr lang="en-US"/>
               <a:t>Fifth level</a:t>
             </a:r>
-          </a:p>
-        </p:txBody>
-      </p:sp>
-      <p:sp>
-        <p:nvSpPr>
-          <p:cNvPr id="5" name="Date Placeholder 4">
-            <a:extLst>
-              <a:ext uri="{FF2B5EF4-FFF2-40B4-BE49-F238E27FC236}">
-                <a16:creationId xmlns:a16="http://schemas.microsoft.com/office/drawing/2014/main" id="{8654AF7C-093A-4F91-AAF0-2174A386F105}"/>
-              </a:ext>
-            </a:extLst>
-          </p:cNvPr>
+            <a:endParaRPr lang="en-US" dirty="0"/>
+          </a:p>
+        </p:txBody>
+      </p:sp>
+      <p:sp>
+        <p:nvSpPr>
+          <p:cNvPr id="8" name="Date Placeholder 7"/>
           <p:cNvSpPr>
             <a:spLocks noGrp="1"/>
           </p:cNvSpPr>
@@ -1412,13 +1310,7 @@
       </p:sp>
       <p:sp>
         <p:nvSpPr>
-          <p:cNvPr id="6" name="Footer Placeholder 5">
-            <a:extLst>
-              <a:ext uri="{FF2B5EF4-FFF2-40B4-BE49-F238E27FC236}">
-                <a16:creationId xmlns:a16="http://schemas.microsoft.com/office/drawing/2014/main" id="{9531764E-08C1-4DC0-9CC1-F79C2464F986}"/>
-              </a:ext>
-            </a:extLst>
-          </p:cNvPr>
+          <p:cNvPr id="9" name="Footer Placeholder 8"/>
           <p:cNvSpPr>
             <a:spLocks noGrp="1"/>
           </p:cNvSpPr>
@@ -1437,13 +1329,7 @@
       </p:sp>
       <p:sp>
         <p:nvSpPr>
-          <p:cNvPr id="7" name="Slide Number Placeholder 6">
-            <a:extLst>
-              <a:ext uri="{FF2B5EF4-FFF2-40B4-BE49-F238E27FC236}">
-                <a16:creationId xmlns:a16="http://schemas.microsoft.com/office/drawing/2014/main" id="{3AF2014F-0E59-4DF3-B164-F8D0C2A60542}"/>
-              </a:ext>
-            </a:extLst>
-          </p:cNvPr>
+          <p:cNvPr id="10" name="Slide Number Placeholder 9"/>
           <p:cNvSpPr>
             <a:spLocks noGrp="1"/>
           </p:cNvSpPr>
@@ -1467,7 +1353,7 @@
     </p:spTree>
     <p:extLst>
       <p:ext uri="{BB962C8B-B14F-4D97-AF65-F5344CB8AC3E}">
-        <p14:creationId xmlns:p14="http://schemas.microsoft.com/office/powerpoint/2010/main" val="1937338329"/>
+        <p14:creationId xmlns:p14="http://schemas.microsoft.com/office/powerpoint/2010/main" val="3567099741"/>
       </p:ext>
     </p:extLst>
   </p:cSld>
@@ -1496,69 +1382,38 @@
       </p:grpSpPr>
       <p:sp>
         <p:nvSpPr>
-          <p:cNvPr id="2" name="Title 1">
-            <a:extLst>
-              <a:ext uri="{FF2B5EF4-FFF2-40B4-BE49-F238E27FC236}">
-                <a16:creationId xmlns:a16="http://schemas.microsoft.com/office/drawing/2014/main" id="{8734AAC2-CEE4-4989-ACF8-BB77DEFC1AB0}"/>
-              </a:ext>
-            </a:extLst>
-          </p:cNvPr>
-          <p:cNvSpPr>
-            <a:spLocks noGrp="1"/>
-          </p:cNvSpPr>
-          <p:nvPr>
-            <p:ph type="title"/>
+          <p:cNvPr id="3" name="Text Placeholder 2"/>
+          <p:cNvSpPr>
+            <a:spLocks noGrp="1"/>
+          </p:cNvSpPr>
+          <p:nvPr>
+            <p:ph type="body" idx="1"/>
           </p:nvPr>
         </p:nvSpPr>
         <p:spPr>
           <a:xfrm>
-            <a:off x="839788" y="365125"/>
-            <a:ext cx="10515600" cy="1325563"/>
+            <a:off x="1583436" y="2313433"/>
+            <a:ext cx="4270248" cy="704087"/>
           </a:xfrm>
         </p:spPr>
         <p:txBody>
-          <a:bodyPr/>
-          <a:lstStyle/>
-          <a:p>
-            <a:r>
-              <a:rPr lang="en-US"/>
-              <a:t>Click to edit Master title style</a:t>
-            </a:r>
-          </a:p>
-        </p:txBody>
-      </p:sp>
-      <p:sp>
-        <p:nvSpPr>
-          <p:cNvPr id="3" name="Text Placeholder 2">
-            <a:extLst>
-              <a:ext uri="{FF2B5EF4-FFF2-40B4-BE49-F238E27FC236}">
-                <a16:creationId xmlns:a16="http://schemas.microsoft.com/office/drawing/2014/main" id="{CE15A427-F55A-4A60-88F5-E09BA1B02DE1}"/>
-              </a:ext>
-            </a:extLst>
-          </p:cNvPr>
-          <p:cNvSpPr>
-            <a:spLocks noGrp="1"/>
-          </p:cNvSpPr>
-          <p:nvPr>
-            <p:ph type="body" idx="1"/>
-          </p:nvPr>
-        </p:nvSpPr>
-        <p:spPr>
-          <a:xfrm>
-            <a:off x="839788" y="1681163"/>
-            <a:ext cx="5157787" cy="823912"/>
-          </a:xfrm>
-        </p:spPr>
-        <p:txBody>
-          <a:bodyPr anchor="b"/>
+          <a:bodyPr anchor="b" anchorCtr="1">
+            <a:normAutofit/>
+          </a:bodyPr>
           <a:lstStyle>
-            <a:lvl1pPr marL="0" indent="0">
-              <a:buNone/>
-              <a:defRPr sz="2400" b="1"/>
+            <a:lvl1pPr marL="0" indent="0" algn="ctr">
+              <a:buNone/>
+              <a:defRPr sz="1900" b="0" cap="all" spc="100" baseline="0">
+                <a:solidFill>
+                  <a:schemeClr val="accent2">
+                    <a:lumMod val="75000"/>
+                  </a:schemeClr>
+                </a:solidFill>
+              </a:defRPr>
             </a:lvl1pPr>
             <a:lvl2pPr marL="457200" indent="0">
               <a:buNone/>
-              <a:defRPr sz="2000" b="1"/>
+              <a:defRPr sz="1900" b="1"/>
             </a:lvl2pPr>
             <a:lvl3pPr marL="914400" indent="0">
               <a:buNone/>
@@ -1600,13 +1455,7 @@
       </p:sp>
       <p:sp>
         <p:nvSpPr>
-          <p:cNvPr id="4" name="Content Placeholder 3">
-            <a:extLst>
-              <a:ext uri="{FF2B5EF4-FFF2-40B4-BE49-F238E27FC236}">
-                <a16:creationId xmlns:a16="http://schemas.microsoft.com/office/drawing/2014/main" id="{B8C31845-34C4-4F86-A4F1-6E9B7AC82AD0}"/>
-              </a:ext>
-            </a:extLst>
-          </p:cNvPr>
+          <p:cNvPr id="4" name="Content Placeholder 3"/>
           <p:cNvSpPr>
             <a:spLocks noGrp="1"/>
           </p:cNvSpPr>
@@ -1616,8 +1465,8 @@
         </p:nvSpPr>
         <p:spPr>
           <a:xfrm>
-            <a:off x="839788" y="2505075"/>
-            <a:ext cx="5157787" cy="3684588"/>
+            <a:off x="1583436" y="3143250"/>
+            <a:ext cx="4270248" cy="2596776"/>
           </a:xfrm>
         </p:spPr>
         <p:txBody>
@@ -1657,41 +1506,105 @@
               <a:rPr lang="en-US"/>
               <a:t>Fifth level</a:t>
             </a:r>
-          </a:p>
-        </p:txBody>
-      </p:sp>
-      <p:sp>
-        <p:nvSpPr>
-          <p:cNvPr id="5" name="Text Placeholder 4">
-            <a:extLst>
-              <a:ext uri="{FF2B5EF4-FFF2-40B4-BE49-F238E27FC236}">
-                <a16:creationId xmlns:a16="http://schemas.microsoft.com/office/drawing/2014/main" id="{B4E7447C-6249-4CB7-A4B6-E0A5B93D306D}"/>
-              </a:ext>
-            </a:extLst>
-          </p:cNvPr>
-          <p:cNvSpPr>
-            <a:spLocks noGrp="1"/>
-          </p:cNvSpPr>
-          <p:nvPr>
-            <p:ph type="body" sz="quarter" idx="3"/>
+            <a:endParaRPr lang="en-US" dirty="0"/>
+          </a:p>
+        </p:txBody>
+      </p:sp>
+      <p:sp>
+        <p:nvSpPr>
+          <p:cNvPr id="6" name="Content Placeholder 5"/>
+          <p:cNvSpPr>
+            <a:spLocks noGrp="1"/>
+          </p:cNvSpPr>
+          <p:nvPr>
+            <p:ph sz="quarter" idx="4"/>
           </p:nvPr>
         </p:nvSpPr>
         <p:spPr>
           <a:xfrm>
-            <a:off x="6172200" y="1681163"/>
-            <a:ext cx="5183188" cy="823912"/>
+            <a:off x="6338316" y="3143250"/>
+            <a:ext cx="4253484" cy="2596776"/>
           </a:xfrm>
         </p:spPr>
         <p:txBody>
-          <a:bodyPr anchor="b"/>
+          <a:bodyPr/>
           <a:lstStyle>
-            <a:lvl1pPr marL="0" indent="0">
-              <a:buNone/>
-              <a:defRPr sz="2400" b="1"/>
+            <a:lvl5pPr>
+              <a:defRPr/>
+            </a:lvl5pPr>
+          </a:lstStyle>
+          <a:p>
+            <a:pPr lvl="0"/>
+            <a:r>
+              <a:rPr lang="en-US"/>
+              <a:t>Click to edit Master text styles</a:t>
+            </a:r>
+          </a:p>
+          <a:p>
+            <a:pPr lvl="1"/>
+            <a:r>
+              <a:rPr lang="en-US"/>
+              <a:t>Second level</a:t>
+            </a:r>
+          </a:p>
+          <a:p>
+            <a:pPr lvl="2"/>
+            <a:r>
+              <a:rPr lang="en-US"/>
+              <a:t>Third level</a:t>
+            </a:r>
+          </a:p>
+          <a:p>
+            <a:pPr lvl="3"/>
+            <a:r>
+              <a:rPr lang="en-US"/>
+              <a:t>Fourth level</a:t>
+            </a:r>
+          </a:p>
+          <a:p>
+            <a:pPr lvl="4"/>
+            <a:r>
+              <a:rPr lang="en-US"/>
+              <a:t>Fifth level</a:t>
+            </a:r>
+            <a:endParaRPr lang="en-US" dirty="0"/>
+          </a:p>
+        </p:txBody>
+      </p:sp>
+      <p:sp>
+        <p:nvSpPr>
+          <p:cNvPr id="11" name="Text Placeholder 4"/>
+          <p:cNvSpPr>
+            <a:spLocks noGrp="1"/>
+          </p:cNvSpPr>
+          <p:nvPr>
+            <p:ph type="body" sz="quarter" idx="13"/>
+          </p:nvPr>
+        </p:nvSpPr>
+        <p:spPr>
+          <a:xfrm>
+            <a:off x="6338316" y="2313433"/>
+            <a:ext cx="4270248" cy="704087"/>
+          </a:xfrm>
+        </p:spPr>
+        <p:txBody>
+          <a:bodyPr anchor="b" anchorCtr="1">
+            <a:normAutofit/>
+          </a:bodyPr>
+          <a:lstStyle>
+            <a:lvl1pPr marL="0" indent="0" algn="ctr">
+              <a:buNone/>
+              <a:defRPr sz="1900" b="0" cap="all" spc="100" baseline="0">
+                <a:solidFill>
+                  <a:schemeClr val="accent2">
+                    <a:lumMod val="75000"/>
+                  </a:schemeClr>
+                </a:solidFill>
+              </a:defRPr>
             </a:lvl1pPr>
             <a:lvl2pPr marL="457200" indent="0">
               <a:buNone/>
-              <a:defRPr sz="2000" b="1"/>
+              <a:defRPr sz="1900" b="1"/>
             </a:lvl2pPr>
             <a:lvl3pPr marL="914400" indent="0">
               <a:buNone/>
@@ -1733,75 +1646,7 @@
       </p:sp>
       <p:sp>
         <p:nvSpPr>
-          <p:cNvPr id="6" name="Content Placeholder 5">
-            <a:extLst>
-              <a:ext uri="{FF2B5EF4-FFF2-40B4-BE49-F238E27FC236}">
-                <a16:creationId xmlns:a16="http://schemas.microsoft.com/office/drawing/2014/main" id="{53DF51D9-2695-4EA8-845A-90CE762EB3F2}"/>
-              </a:ext>
-            </a:extLst>
-          </p:cNvPr>
-          <p:cNvSpPr>
-            <a:spLocks noGrp="1"/>
-          </p:cNvSpPr>
-          <p:nvPr>
-            <p:ph sz="quarter" idx="4"/>
-          </p:nvPr>
-        </p:nvSpPr>
-        <p:spPr>
-          <a:xfrm>
-            <a:off x="6172200" y="2505075"/>
-            <a:ext cx="5183188" cy="3684588"/>
-          </a:xfrm>
-        </p:spPr>
-        <p:txBody>
-          <a:bodyPr/>
-          <a:lstStyle/>
-          <a:p>
-            <a:pPr lvl="0"/>
-            <a:r>
-              <a:rPr lang="en-US"/>
-              <a:t>Click to edit Master text styles</a:t>
-            </a:r>
-          </a:p>
-          <a:p>
-            <a:pPr lvl="1"/>
-            <a:r>
-              <a:rPr lang="en-US"/>
-              <a:t>Second level</a:t>
-            </a:r>
-          </a:p>
-          <a:p>
-            <a:pPr lvl="2"/>
-            <a:r>
-              <a:rPr lang="en-US"/>
-              <a:t>Third level</a:t>
-            </a:r>
-          </a:p>
-          <a:p>
-            <a:pPr lvl="3"/>
-            <a:r>
-              <a:rPr lang="en-US"/>
-              <a:t>Fourth level</a:t>
-            </a:r>
-          </a:p>
-          <a:p>
-            <a:pPr lvl="4"/>
-            <a:r>
-              <a:rPr lang="en-US"/>
-              <a:t>Fifth level</a:t>
-            </a:r>
-          </a:p>
-        </p:txBody>
-      </p:sp>
-      <p:sp>
-        <p:nvSpPr>
-          <p:cNvPr id="7" name="Date Placeholder 6">
-            <a:extLst>
-              <a:ext uri="{FF2B5EF4-FFF2-40B4-BE49-F238E27FC236}">
-                <a16:creationId xmlns:a16="http://schemas.microsoft.com/office/drawing/2014/main" id="{CB75FCB9-CC0B-42D3-BFA9-E88374A42322}"/>
-              </a:ext>
-            </a:extLst>
-          </p:cNvPr>
+          <p:cNvPr id="7" name="Date Placeholder 6"/>
           <p:cNvSpPr>
             <a:spLocks noGrp="1"/>
           </p:cNvSpPr>
@@ -1824,13 +1669,7 @@
       </p:sp>
       <p:sp>
         <p:nvSpPr>
-          <p:cNvPr id="8" name="Footer Placeholder 7">
-            <a:extLst>
-              <a:ext uri="{FF2B5EF4-FFF2-40B4-BE49-F238E27FC236}">
-                <a16:creationId xmlns:a16="http://schemas.microsoft.com/office/drawing/2014/main" id="{5163CFBE-EC32-4D21-A426-4740F37B1890}"/>
-              </a:ext>
-            </a:extLst>
-          </p:cNvPr>
+          <p:cNvPr id="8" name="Footer Placeholder 7"/>
           <p:cNvSpPr>
             <a:spLocks noGrp="1"/>
           </p:cNvSpPr>
@@ -1849,13 +1688,7 @@
       </p:sp>
       <p:sp>
         <p:nvSpPr>
-          <p:cNvPr id="9" name="Slide Number Placeholder 8">
-            <a:extLst>
-              <a:ext uri="{FF2B5EF4-FFF2-40B4-BE49-F238E27FC236}">
-                <a16:creationId xmlns:a16="http://schemas.microsoft.com/office/drawing/2014/main" id="{A2A3F658-0336-4BB7-935B-954E03435E05}"/>
-              </a:ext>
-            </a:extLst>
-          </p:cNvPr>
+          <p:cNvPr id="9" name="Slide Number Placeholder 8"/>
           <p:cNvSpPr>
             <a:spLocks noGrp="1"/>
           </p:cNvSpPr>
@@ -1876,10 +1709,33 @@
           </a:p>
         </p:txBody>
       </p:sp>
+      <p:sp>
+        <p:nvSpPr>
+          <p:cNvPr id="10" name="Title 9"/>
+          <p:cNvSpPr>
+            <a:spLocks noGrp="1"/>
+          </p:cNvSpPr>
+          <p:nvPr>
+            <p:ph type="title"/>
+          </p:nvPr>
+        </p:nvSpPr>
+        <p:spPr/>
+        <p:txBody>
+          <a:bodyPr/>
+          <a:lstStyle/>
+          <a:p>
+            <a:r>
+              <a:rPr lang="en-US"/>
+              <a:t>Click to edit Master title style</a:t>
+            </a:r>
+            <a:endParaRPr lang="en-US" dirty="0"/>
+          </a:p>
+        </p:txBody>
+      </p:sp>
     </p:spTree>
     <p:extLst>
       <p:ext uri="{BB962C8B-B14F-4D97-AF65-F5344CB8AC3E}">
-        <p14:creationId xmlns:p14="http://schemas.microsoft.com/office/powerpoint/2010/main" val="1967057271"/>
+        <p14:creationId xmlns:p14="http://schemas.microsoft.com/office/powerpoint/2010/main" val="718813834"/>
       </p:ext>
     </p:extLst>
   </p:cSld>
@@ -1908,13 +1764,7 @@
       </p:grpSpPr>
       <p:sp>
         <p:nvSpPr>
-          <p:cNvPr id="2" name="Title 1">
-            <a:extLst>
-              <a:ext uri="{FF2B5EF4-FFF2-40B4-BE49-F238E27FC236}">
-                <a16:creationId xmlns:a16="http://schemas.microsoft.com/office/drawing/2014/main" id="{6387EA23-3D01-47E7-AE28-0AEBAF48EB31}"/>
-              </a:ext>
-            </a:extLst>
-          </p:cNvPr>
+          <p:cNvPr id="2" name="Title 1"/>
           <p:cNvSpPr>
             <a:spLocks noGrp="1"/>
           </p:cNvSpPr>
@@ -1931,18 +1781,13 @@
               <a:rPr lang="en-US"/>
               <a:t>Click to edit Master title style</a:t>
             </a:r>
-          </a:p>
-        </p:txBody>
-      </p:sp>
-      <p:sp>
-        <p:nvSpPr>
-          <p:cNvPr id="3" name="Date Placeholder 2">
-            <a:extLst>
-              <a:ext uri="{FF2B5EF4-FFF2-40B4-BE49-F238E27FC236}">
-                <a16:creationId xmlns:a16="http://schemas.microsoft.com/office/drawing/2014/main" id="{19624770-DCA9-464F-8D82-CD6F13EC8C62}"/>
-              </a:ext>
-            </a:extLst>
-          </p:cNvPr>
+            <a:endParaRPr lang="en-US" dirty="0"/>
+          </a:p>
+        </p:txBody>
+      </p:sp>
+      <p:sp>
+        <p:nvSpPr>
+          <p:cNvPr id="3" name="Date Placeholder 2"/>
           <p:cNvSpPr>
             <a:spLocks noGrp="1"/>
           </p:cNvSpPr>
@@ -1965,13 +1810,7 @@
       </p:sp>
       <p:sp>
         <p:nvSpPr>
-          <p:cNvPr id="4" name="Footer Placeholder 3">
-            <a:extLst>
-              <a:ext uri="{FF2B5EF4-FFF2-40B4-BE49-F238E27FC236}">
-                <a16:creationId xmlns:a16="http://schemas.microsoft.com/office/drawing/2014/main" id="{A168705C-902A-48B7-8DAC-B6147E26B776}"/>
-              </a:ext>
-            </a:extLst>
-          </p:cNvPr>
+          <p:cNvPr id="4" name="Footer Placeholder 3"/>
           <p:cNvSpPr>
             <a:spLocks noGrp="1"/>
           </p:cNvSpPr>
@@ -1990,13 +1829,7 @@
       </p:sp>
       <p:sp>
         <p:nvSpPr>
-          <p:cNvPr id="5" name="Slide Number Placeholder 4">
-            <a:extLst>
-              <a:ext uri="{FF2B5EF4-FFF2-40B4-BE49-F238E27FC236}">
-                <a16:creationId xmlns:a16="http://schemas.microsoft.com/office/drawing/2014/main" id="{7A8E745D-A0A5-457E-ADB4-77D5B09E54A1}"/>
-              </a:ext>
-            </a:extLst>
-          </p:cNvPr>
+          <p:cNvPr id="5" name="Slide Number Placeholder 4"/>
           <p:cNvSpPr>
             <a:spLocks noGrp="1"/>
           </p:cNvSpPr>
@@ -2020,7 +1853,7 @@
     </p:spTree>
     <p:extLst>
       <p:ext uri="{BB962C8B-B14F-4D97-AF65-F5344CB8AC3E}">
-        <p14:creationId xmlns:p14="http://schemas.microsoft.com/office/powerpoint/2010/main" val="2674129747"/>
+        <p14:creationId xmlns:p14="http://schemas.microsoft.com/office/powerpoint/2010/main" val="2519140361"/>
       </p:ext>
     </p:extLst>
   </p:cSld>
@@ -2049,13 +1882,7 @@
       </p:grpSpPr>
       <p:sp>
         <p:nvSpPr>
-          <p:cNvPr id="2" name="Date Placeholder 1">
-            <a:extLst>
-              <a:ext uri="{FF2B5EF4-FFF2-40B4-BE49-F238E27FC236}">
-                <a16:creationId xmlns:a16="http://schemas.microsoft.com/office/drawing/2014/main" id="{74A7EBAB-63AF-41A5-BB48-2F3AAA06B70D}"/>
-              </a:ext>
-            </a:extLst>
-          </p:cNvPr>
+          <p:cNvPr id="2" name="Date Placeholder 1"/>
           <p:cNvSpPr>
             <a:spLocks noGrp="1"/>
           </p:cNvSpPr>
@@ -2078,13 +1905,7 @@
       </p:sp>
       <p:sp>
         <p:nvSpPr>
-          <p:cNvPr id="3" name="Footer Placeholder 2">
-            <a:extLst>
-              <a:ext uri="{FF2B5EF4-FFF2-40B4-BE49-F238E27FC236}">
-                <a16:creationId xmlns:a16="http://schemas.microsoft.com/office/drawing/2014/main" id="{7674335D-0124-43DE-A3AF-BEAA515EE633}"/>
-              </a:ext>
-            </a:extLst>
-          </p:cNvPr>
+          <p:cNvPr id="3" name="Footer Placeholder 2"/>
           <p:cNvSpPr>
             <a:spLocks noGrp="1"/>
           </p:cNvSpPr>
@@ -2103,13 +1924,7 @@
       </p:sp>
       <p:sp>
         <p:nvSpPr>
-          <p:cNvPr id="4" name="Slide Number Placeholder 3">
-            <a:extLst>
-              <a:ext uri="{FF2B5EF4-FFF2-40B4-BE49-F238E27FC236}">
-                <a16:creationId xmlns:a16="http://schemas.microsoft.com/office/drawing/2014/main" id="{88F01550-B8A6-422D-A95E-0E1B8C4F1A7B}"/>
-              </a:ext>
-            </a:extLst>
-          </p:cNvPr>
+          <p:cNvPr id="4" name="Slide Number Placeholder 3"/>
           <p:cNvSpPr>
             <a:spLocks noGrp="1"/>
           </p:cNvSpPr>
@@ -2133,7 +1948,7 @@
     </p:spTree>
     <p:extLst>
       <p:ext uri="{BB962C8B-B14F-4D97-AF65-F5344CB8AC3E}">
-        <p14:creationId xmlns:p14="http://schemas.microsoft.com/office/powerpoint/2010/main" val="1465726235"/>
+        <p14:creationId xmlns:p14="http://schemas.microsoft.com/office/powerpoint/2010/main" val="270749658"/>
       </p:ext>
     </p:extLst>
   </p:cSld>
@@ -2162,159 +1977,223 @@
       </p:grpSpPr>
       <p:sp>
         <p:nvSpPr>
-          <p:cNvPr id="2" name="Title 1">
-            <a:extLst>
-              <a:ext uri="{FF2B5EF4-FFF2-40B4-BE49-F238E27FC236}">
-                <a16:creationId xmlns:a16="http://schemas.microsoft.com/office/drawing/2014/main" id="{0F4BBC27-F17F-4BAF-8707-987CDBC626E6}"/>
-              </a:ext>
-            </a:extLst>
-          </p:cNvPr>
-          <p:cNvSpPr>
-            <a:spLocks noGrp="1"/>
-          </p:cNvSpPr>
-          <p:nvPr>
-            <p:ph type="title"/>
-          </p:nvPr>
+          <p:cNvPr id="26" name="Rectangle 25"/>
+          <p:cNvSpPr/>
+          <p:nvPr/>
         </p:nvSpPr>
         <p:spPr>
           <a:xfrm>
-            <a:off x="839788" y="457200"/>
-            <a:ext cx="3932237" cy="1600200"/>
+            <a:off x="0" y="0"/>
+            <a:ext cx="6096000" cy="6858000"/>
+          </a:xfrm>
+          <a:prstGeom prst="rect">
+            <a:avLst/>
+          </a:prstGeom>
+          <a:solidFill>
+            <a:schemeClr val="accent2"/>
+          </a:solidFill>
+          <a:ln>
+            <a:noFill/>
+          </a:ln>
+        </p:spPr>
+        <p:style>
+          <a:lnRef idx="2">
+            <a:schemeClr val="accent1">
+              <a:shade val="50000"/>
+            </a:schemeClr>
+          </a:lnRef>
+          <a:fillRef idx="1">
+            <a:schemeClr val="accent1"/>
+          </a:fillRef>
+          <a:effectRef idx="0">
+            <a:schemeClr val="accent1"/>
+          </a:effectRef>
+          <a:fontRef idx="minor">
+            <a:schemeClr val="lt1"/>
+          </a:fontRef>
+        </p:style>
+      </p:sp>
+      <p:sp>
+        <p:nvSpPr>
+          <p:cNvPr id="2" name="Title 1"/>
+          <p:cNvSpPr>
+            <a:spLocks noGrp="1"/>
+          </p:cNvSpPr>
+          <p:nvPr>
+            <p:ph type="title"/>
+          </p:nvPr>
+        </p:nvSpPr>
+        <p:spPr bwMode="blackWhite">
+          <a:xfrm>
+            <a:off x="804672" y="2243828"/>
+            <a:ext cx="4486656" cy="1141497"/>
+          </a:xfrm>
+          <a:solidFill>
+            <a:srgbClr val="FFFFFF"/>
+          </a:solidFill>
+          <a:ln>
+            <a:solidFill>
+              <a:srgbClr val="404040"/>
+            </a:solidFill>
+          </a:ln>
+        </p:spPr>
+        <p:txBody>
+          <a:bodyPr anchor="ctr" anchorCtr="1">
+            <a:normAutofit/>
+          </a:bodyPr>
+          <a:lstStyle>
+            <a:lvl1pPr>
+              <a:defRPr sz="2200">
+                <a:solidFill>
+                  <a:srgbClr val="262626"/>
+                </a:solidFill>
+              </a:defRPr>
+            </a:lvl1pPr>
+          </a:lstStyle>
+          <a:p>
+            <a:r>
+              <a:rPr lang="en-US"/>
+              <a:t>Click to edit Master title style</a:t>
+            </a:r>
+            <a:endParaRPr lang="en-US" dirty="0"/>
+          </a:p>
+        </p:txBody>
+      </p:sp>
+      <p:sp>
+        <p:nvSpPr>
+          <p:cNvPr id="3" name="Content Placeholder 2"/>
+          <p:cNvSpPr>
+            <a:spLocks noGrp="1"/>
+          </p:cNvSpPr>
+          <p:nvPr>
+            <p:ph idx="1"/>
+          </p:nvPr>
+        </p:nvSpPr>
+        <p:spPr>
+          <a:xfrm>
+            <a:off x="6736080" y="804672"/>
+            <a:ext cx="4815840" cy="5248656"/>
           </a:xfrm>
         </p:spPr>
         <p:txBody>
-          <a:bodyPr anchor="b"/>
+          <a:bodyPr>
+            <a:normAutofit/>
+          </a:bodyPr>
           <a:lstStyle>
             <a:lvl1pPr>
-              <a:defRPr sz="3200"/>
+              <a:defRPr sz="1900">
+                <a:solidFill>
+                  <a:schemeClr val="tx1"/>
+                </a:solidFill>
+              </a:defRPr>
             </a:lvl1pPr>
+            <a:lvl2pPr>
+              <a:defRPr sz="1600">
+                <a:solidFill>
+                  <a:schemeClr val="tx1"/>
+                </a:solidFill>
+              </a:defRPr>
+            </a:lvl2pPr>
+            <a:lvl3pPr>
+              <a:defRPr sz="1600">
+                <a:solidFill>
+                  <a:schemeClr val="tx1"/>
+                </a:solidFill>
+              </a:defRPr>
+            </a:lvl3pPr>
+            <a:lvl4pPr>
+              <a:defRPr sz="1600">
+                <a:solidFill>
+                  <a:schemeClr val="tx1"/>
+                </a:solidFill>
+              </a:defRPr>
+            </a:lvl4pPr>
+            <a:lvl5pPr>
+              <a:defRPr sz="1600">
+                <a:solidFill>
+                  <a:schemeClr val="tx1"/>
+                </a:solidFill>
+              </a:defRPr>
+            </a:lvl5pPr>
+            <a:lvl6pPr>
+              <a:defRPr sz="1600"/>
+            </a:lvl6pPr>
+            <a:lvl7pPr>
+              <a:defRPr sz="1600"/>
+            </a:lvl7pPr>
+            <a:lvl8pPr>
+              <a:defRPr sz="1600"/>
+            </a:lvl8pPr>
+            <a:lvl9pPr>
+              <a:defRPr sz="1600"/>
+            </a:lvl9pPr>
           </a:lstStyle>
           <a:p>
-            <a:r>
-              <a:rPr lang="en-US"/>
-              <a:t>Click to edit Master title style</a:t>
-            </a:r>
-          </a:p>
-        </p:txBody>
-      </p:sp>
-      <p:sp>
-        <p:nvSpPr>
-          <p:cNvPr id="3" name="Content Placeholder 2">
-            <a:extLst>
-              <a:ext uri="{FF2B5EF4-FFF2-40B4-BE49-F238E27FC236}">
-                <a16:creationId xmlns:a16="http://schemas.microsoft.com/office/drawing/2014/main" id="{C0E2103B-1F41-4D18-9383-CB96D826BE5A}"/>
-              </a:ext>
-            </a:extLst>
-          </p:cNvPr>
-          <p:cNvSpPr>
-            <a:spLocks noGrp="1"/>
-          </p:cNvSpPr>
-          <p:nvPr>
-            <p:ph idx="1"/>
+            <a:pPr lvl="0"/>
+            <a:r>
+              <a:rPr lang="en-US"/>
+              <a:t>Click to edit Master text styles</a:t>
+            </a:r>
+          </a:p>
+          <a:p>
+            <a:pPr lvl="1"/>
+            <a:r>
+              <a:rPr lang="en-US"/>
+              <a:t>Second level</a:t>
+            </a:r>
+          </a:p>
+          <a:p>
+            <a:pPr lvl="2"/>
+            <a:r>
+              <a:rPr lang="en-US"/>
+              <a:t>Third level</a:t>
+            </a:r>
+          </a:p>
+          <a:p>
+            <a:pPr lvl="3"/>
+            <a:r>
+              <a:rPr lang="en-US"/>
+              <a:t>Fourth level</a:t>
+            </a:r>
+          </a:p>
+          <a:p>
+            <a:pPr lvl="4"/>
+            <a:r>
+              <a:rPr lang="en-US"/>
+              <a:t>Fifth level</a:t>
+            </a:r>
+            <a:endParaRPr lang="en-US" dirty="0"/>
+          </a:p>
+        </p:txBody>
+      </p:sp>
+      <p:sp>
+        <p:nvSpPr>
+          <p:cNvPr id="4" name="Text Placeholder 3"/>
+          <p:cNvSpPr>
+            <a:spLocks noGrp="1"/>
+          </p:cNvSpPr>
+          <p:nvPr>
+            <p:ph type="body" sz="half" idx="2"/>
           </p:nvPr>
         </p:nvSpPr>
         <p:spPr>
           <a:xfrm>
-            <a:off x="5183188" y="987425"/>
-            <a:ext cx="6172200" cy="4873625"/>
+            <a:off x="1115568" y="3549918"/>
+            <a:ext cx="3794760" cy="2194036"/>
           </a:xfrm>
         </p:spPr>
         <p:txBody>
-          <a:bodyPr/>
+          <a:bodyPr anchor="t" anchorCtr="1">
+            <a:normAutofit/>
+          </a:bodyPr>
           <a:lstStyle>
-            <a:lvl1pPr>
-              <a:defRPr sz="3200"/>
-            </a:lvl1pPr>
-            <a:lvl2pPr>
-              <a:defRPr sz="2800"/>
-            </a:lvl2pPr>
-            <a:lvl3pPr>
-              <a:defRPr sz="2400"/>
-            </a:lvl3pPr>
-            <a:lvl4pPr>
-              <a:defRPr sz="2000"/>
-            </a:lvl4pPr>
-            <a:lvl5pPr>
-              <a:defRPr sz="2000"/>
-            </a:lvl5pPr>
-            <a:lvl6pPr>
-              <a:defRPr sz="2000"/>
-            </a:lvl6pPr>
-            <a:lvl7pPr>
-              <a:defRPr sz="2000"/>
-            </a:lvl7pPr>
-            <a:lvl8pPr>
-              <a:defRPr sz="2000"/>
-            </a:lvl8pPr>
-            <a:lvl9pPr>
-              <a:defRPr sz="2000"/>
-            </a:lvl9pPr>
-          </a:lstStyle>
-          <a:p>
-            <a:pPr lvl="0"/>
-            <a:r>
-              <a:rPr lang="en-US"/>
-              <a:t>Click to edit Master text styles</a:t>
-            </a:r>
-          </a:p>
-          <a:p>
-            <a:pPr lvl="1"/>
-            <a:r>
-              <a:rPr lang="en-US"/>
-              <a:t>Second level</a:t>
-            </a:r>
-          </a:p>
-          <a:p>
-            <a:pPr lvl="2"/>
-            <a:r>
-              <a:rPr lang="en-US"/>
-              <a:t>Third level</a:t>
-            </a:r>
-          </a:p>
-          <a:p>
-            <a:pPr lvl="3"/>
-            <a:r>
-              <a:rPr lang="en-US"/>
-              <a:t>Fourth level</a:t>
-            </a:r>
-          </a:p>
-          <a:p>
-            <a:pPr lvl="4"/>
-            <a:r>
-              <a:rPr lang="en-US"/>
-              <a:t>Fifth level</a:t>
-            </a:r>
-          </a:p>
-        </p:txBody>
-      </p:sp>
-      <p:sp>
-        <p:nvSpPr>
-          <p:cNvPr id="4" name="Text Placeholder 3">
-            <a:extLst>
-              <a:ext uri="{FF2B5EF4-FFF2-40B4-BE49-F238E27FC236}">
-                <a16:creationId xmlns:a16="http://schemas.microsoft.com/office/drawing/2014/main" id="{8E4BE704-88E5-4148-B7CA-4782289A29CD}"/>
-              </a:ext>
-            </a:extLst>
-          </p:cNvPr>
-          <p:cNvSpPr>
-            <a:spLocks noGrp="1"/>
-          </p:cNvSpPr>
-          <p:nvPr>
-            <p:ph type="body" sz="half" idx="2"/>
-          </p:nvPr>
-        </p:nvSpPr>
-        <p:spPr>
-          <a:xfrm>
-            <a:off x="839788" y="2057400"/>
-            <a:ext cx="3932237" cy="3811588"/>
-          </a:xfrm>
-        </p:spPr>
-        <p:txBody>
-          <a:bodyPr/>
-          <a:lstStyle>
-            <a:lvl1pPr marL="0" indent="0">
-              <a:buNone/>
-              <a:defRPr sz="1600"/>
+            <a:lvl1pPr marL="0" indent="0" algn="ctr">
+              <a:buNone/>
+              <a:defRPr sz="1500">
+                <a:solidFill>
+                  <a:srgbClr val="FFFFFF"/>
+                </a:solidFill>
+              </a:defRPr>
             </a:lvl1pPr>
             <a:lvl2pPr marL="457200" indent="0">
               <a:buNone/>
@@ -2360,13 +2239,7 @@
       </p:sp>
       <p:sp>
         <p:nvSpPr>
-          <p:cNvPr id="5" name="Date Placeholder 4">
-            <a:extLst>
-              <a:ext uri="{FF2B5EF4-FFF2-40B4-BE49-F238E27FC236}">
-                <a16:creationId xmlns:a16="http://schemas.microsoft.com/office/drawing/2014/main" id="{C3692571-BB6F-4327-8668-5880AE0BEAFC}"/>
-              </a:ext>
-            </a:extLst>
-          </p:cNvPr>
+          <p:cNvPr id="9" name="Date Placeholder 8"/>
           <p:cNvSpPr>
             <a:spLocks noGrp="1"/>
           </p:cNvSpPr>
@@ -2389,13 +2262,7 @@
       </p:sp>
       <p:sp>
         <p:nvSpPr>
-          <p:cNvPr id="6" name="Footer Placeholder 5">
-            <a:extLst>
-              <a:ext uri="{FF2B5EF4-FFF2-40B4-BE49-F238E27FC236}">
-                <a16:creationId xmlns:a16="http://schemas.microsoft.com/office/drawing/2014/main" id="{81280BEF-A06E-43FD-AC18-1BB8E2BB385E}"/>
-              </a:ext>
-            </a:extLst>
-          </p:cNvPr>
+          <p:cNvPr id="10" name="Footer Placeholder 9"/>
           <p:cNvSpPr>
             <a:spLocks noGrp="1"/>
           </p:cNvSpPr>
@@ -2403,10 +2270,25 @@
             <p:ph type="ftr" sz="quarter" idx="11"/>
           </p:nvPr>
         </p:nvSpPr>
-        <p:spPr/>
+        <p:spPr>
+          <a:xfrm>
+            <a:off x="804672" y="6236208"/>
+            <a:ext cx="5124797" cy="320040"/>
+          </a:xfrm>
+        </p:spPr>
         <p:txBody>
           <a:bodyPr/>
-          <a:lstStyle/>
+          <a:lstStyle>
+            <a:lvl1pPr>
+              <a:defRPr>
+                <a:solidFill>
+                  <a:srgbClr val="FFFFFF">
+                    <a:alpha val="70000"/>
+                  </a:srgbClr>
+                </a:solidFill>
+              </a:defRPr>
+            </a:lvl1pPr>
+          </a:lstStyle>
           <a:p>
             <a:endParaRPr lang="en-US"/>
           </a:p>
@@ -2414,13 +2296,7 @@
       </p:sp>
       <p:sp>
         <p:nvSpPr>
-          <p:cNvPr id="7" name="Slide Number Placeholder 6">
-            <a:extLst>
-              <a:ext uri="{FF2B5EF4-FFF2-40B4-BE49-F238E27FC236}">
-                <a16:creationId xmlns:a16="http://schemas.microsoft.com/office/drawing/2014/main" id="{110FA2B0-96A1-4373-8C55-80986267313F}"/>
-              </a:ext>
-            </a:extLst>
-          </p:cNvPr>
+          <p:cNvPr id="11" name="Slide Number Placeholder 10"/>
           <p:cNvSpPr>
             <a:spLocks noGrp="1"/>
           </p:cNvSpPr>
@@ -2444,7 +2320,7 @@
     </p:spTree>
     <p:extLst>
       <p:ext uri="{BB962C8B-B14F-4D97-AF65-F5344CB8AC3E}">
-        <p14:creationId xmlns:p14="http://schemas.microsoft.com/office/powerpoint/2010/main" val="4103377386"/>
+        <p14:creationId xmlns:p14="http://schemas.microsoft.com/office/powerpoint/2010/main" val="177871925"/>
       </p:ext>
     </p:extLst>
   </p:cSld>
@@ -2473,31 +2349,77 @@
       </p:grpSpPr>
       <p:sp>
         <p:nvSpPr>
-          <p:cNvPr id="2" name="Title 1">
-            <a:extLst>
-              <a:ext uri="{FF2B5EF4-FFF2-40B4-BE49-F238E27FC236}">
-                <a16:creationId xmlns:a16="http://schemas.microsoft.com/office/drawing/2014/main" id="{08FE5E11-BF3C-4D56-BAAB-41ABEFC08625}"/>
-              </a:ext>
-            </a:extLst>
-          </p:cNvPr>
-          <p:cNvSpPr>
-            <a:spLocks noGrp="1"/>
-          </p:cNvSpPr>
-          <p:nvPr>
-            <p:ph type="title"/>
-          </p:nvPr>
+          <p:cNvPr id="18" name="Rectangle 17"/>
+          <p:cNvSpPr/>
+          <p:nvPr/>
         </p:nvSpPr>
         <p:spPr>
           <a:xfrm>
-            <a:off x="839788" y="457200"/>
-            <a:ext cx="3932237" cy="1600200"/>
+            <a:off x="0" y="0"/>
+            <a:ext cx="6095999" cy="6858000"/>
           </a:xfrm>
+          <a:prstGeom prst="rect">
+            <a:avLst/>
+          </a:prstGeom>
+          <a:solidFill>
+            <a:schemeClr val="accent2"/>
+          </a:solidFill>
+          <a:ln>
+            <a:noFill/>
+          </a:ln>
         </p:spPr>
-        <p:txBody>
-          <a:bodyPr anchor="b"/>
+        <p:style>
+          <a:lnRef idx="2">
+            <a:schemeClr val="accent1">
+              <a:shade val="50000"/>
+            </a:schemeClr>
+          </a:lnRef>
+          <a:fillRef idx="1">
+            <a:schemeClr val="accent1"/>
+          </a:fillRef>
+          <a:effectRef idx="0">
+            <a:schemeClr val="accent1"/>
+          </a:effectRef>
+          <a:fontRef idx="minor">
+            <a:schemeClr val="lt1"/>
+          </a:fontRef>
+        </p:style>
+      </p:sp>
+      <p:sp>
+        <p:nvSpPr>
+          <p:cNvPr id="2" name="Title 1"/>
+          <p:cNvSpPr>
+            <a:spLocks noGrp="1"/>
+          </p:cNvSpPr>
+          <p:nvPr>
+            <p:ph type="title"/>
+          </p:nvPr>
+        </p:nvSpPr>
+        <p:spPr bwMode="blackWhite">
+          <a:xfrm>
+            <a:off x="808523" y="2243828"/>
+            <a:ext cx="4494998" cy="1134640"/>
+          </a:xfrm>
+          <a:solidFill>
+            <a:srgbClr val="FFFFFF"/>
+          </a:solidFill>
+          <a:ln>
+            <a:solidFill>
+              <a:srgbClr val="404040"/>
+            </a:solidFill>
+          </a:ln>
+        </p:spPr>
+        <p:txBody>
+          <a:bodyPr anchor="ctr" anchorCtr="1">
+            <a:noAutofit/>
+          </a:bodyPr>
           <a:lstStyle>
             <a:lvl1pPr>
-              <a:defRPr sz="3200"/>
+              <a:defRPr sz="2200">
+                <a:solidFill>
+                  <a:srgbClr val="262626"/>
+                </a:solidFill>
+              </a:defRPr>
             </a:lvl1pPr>
           </a:lstStyle>
           <a:p>
@@ -2505,20 +2427,15 @@
               <a:rPr lang="en-US"/>
               <a:t>Click to edit Master title style</a:t>
             </a:r>
-          </a:p>
-        </p:txBody>
-      </p:sp>
-      <p:sp>
-        <p:nvSpPr>
-          <p:cNvPr id="3" name="Picture Placeholder 2">
-            <a:extLst>
-              <a:ext uri="{FF2B5EF4-FFF2-40B4-BE49-F238E27FC236}">
-                <a16:creationId xmlns:a16="http://schemas.microsoft.com/office/drawing/2014/main" id="{9D8575C1-6AE5-4698-A076-5CF4BE97D56A}"/>
-              </a:ext>
-            </a:extLst>
-          </p:cNvPr>
-          <p:cNvSpPr>
-            <a:spLocks noGrp="1"/>
+            <a:endParaRPr lang="en-US" dirty="0"/>
+          </a:p>
+        </p:txBody>
+      </p:sp>
+      <p:sp>
+        <p:nvSpPr>
+          <p:cNvPr id="3" name="Picture Placeholder 2"/>
+          <p:cNvSpPr>
+            <a:spLocks noGrp="1" noChangeAspect="1"/>
           </p:cNvSpPr>
           <p:nvPr>
             <p:ph type="pic" idx="1"/>
@@ -2526,16 +2443,28 @@
         </p:nvSpPr>
         <p:spPr>
           <a:xfrm>
-            <a:off x="5183188" y="987425"/>
-            <a:ext cx="6172200" cy="4873625"/>
+            <a:off x="6095999" y="0"/>
+            <a:ext cx="6102097" cy="6858000"/>
           </a:xfrm>
+          <a:solidFill>
+            <a:schemeClr val="bg1">
+              <a:lumMod val="75000"/>
+            </a:schemeClr>
+          </a:solidFill>
         </p:spPr>
         <p:txBody>
-          <a:bodyPr/>
+          <a:bodyPr anchor="t"/>
           <a:lstStyle>
             <a:lvl1pPr marL="0" indent="0">
               <a:buNone/>
-              <a:defRPr sz="3200"/>
+              <a:defRPr sz="3200">
+                <a:solidFill>
+                  <a:schemeClr val="bg1">
+                    <a:lumMod val="85000"/>
+                    <a:lumOff val="15000"/>
+                  </a:schemeClr>
+                </a:solidFill>
+              </a:defRPr>
             </a:lvl1pPr>
             <a:lvl2pPr marL="457200" indent="0">
               <a:buNone/>
@@ -2571,19 +2500,17 @@
             </a:lvl9pPr>
           </a:lstStyle>
           <a:p>
-            <a:endParaRPr lang="en-US"/>
-          </a:p>
-        </p:txBody>
-      </p:sp>
-      <p:sp>
-        <p:nvSpPr>
-          <p:cNvPr id="4" name="Text Placeholder 3">
-            <a:extLst>
-              <a:ext uri="{FF2B5EF4-FFF2-40B4-BE49-F238E27FC236}">
-                <a16:creationId xmlns:a16="http://schemas.microsoft.com/office/drawing/2014/main" id="{115E6CA4-95C6-445E-8D27-3B4DE45A2463}"/>
-              </a:ext>
-            </a:extLst>
-          </p:cNvPr>
+            <a:r>
+              <a:rPr lang="en-US"/>
+              <a:t>Click icon to add picture</a:t>
+            </a:r>
+            <a:endParaRPr lang="en-US" dirty="0"/>
+          </a:p>
+        </p:txBody>
+      </p:sp>
+      <p:sp>
+        <p:nvSpPr>
+          <p:cNvPr id="4" name="Text Placeholder 3"/>
           <p:cNvSpPr>
             <a:spLocks noGrp="1"/>
           </p:cNvSpPr>
@@ -2593,16 +2520,22 @@
         </p:nvSpPr>
         <p:spPr>
           <a:xfrm>
-            <a:off x="839788" y="2057400"/>
-            <a:ext cx="3932237" cy="3811588"/>
+            <a:off x="1115568" y="3549918"/>
+            <a:ext cx="3794760" cy="2194037"/>
           </a:xfrm>
         </p:spPr>
         <p:txBody>
-          <a:bodyPr/>
+          <a:bodyPr anchor="t" anchorCtr="1">
+            <a:normAutofit/>
+          </a:bodyPr>
           <a:lstStyle>
-            <a:lvl1pPr marL="0" indent="0">
-              <a:buNone/>
-              <a:defRPr sz="1600"/>
+            <a:lvl1pPr marL="0" indent="0" algn="ctr">
+              <a:buNone/>
+              <a:defRPr sz="1500">
+                <a:solidFill>
+                  <a:srgbClr val="FFFFFF"/>
+                </a:solidFill>
+              </a:defRPr>
             </a:lvl1pPr>
             <a:lvl2pPr marL="457200" indent="0">
               <a:buNone/>
@@ -2648,13 +2581,7 @@
       </p:sp>
       <p:sp>
         <p:nvSpPr>
-          <p:cNvPr id="5" name="Date Placeholder 4">
-            <a:extLst>
-              <a:ext uri="{FF2B5EF4-FFF2-40B4-BE49-F238E27FC236}">
-                <a16:creationId xmlns:a16="http://schemas.microsoft.com/office/drawing/2014/main" id="{1BDD4A99-768C-4CA4-9ADC-32EE321BBB6C}"/>
-              </a:ext>
-            </a:extLst>
-          </p:cNvPr>
+          <p:cNvPr id="8" name="Date Placeholder 7"/>
           <p:cNvSpPr>
             <a:spLocks noGrp="1"/>
           </p:cNvSpPr>
@@ -2665,7 +2592,22 @@
         <p:spPr/>
         <p:txBody>
           <a:bodyPr/>
-          <a:lstStyle/>
+          <a:lstStyle>
+            <a:lvl1pPr>
+              <a:defRPr>
+                <a:solidFill>
+                  <a:srgbClr val="FFFFFF"/>
+                </a:solidFill>
+                <a:effectLst>
+                  <a:outerShdw blurRad="50800" dist="38100" dir="2700000" algn="tl" rotWithShape="0">
+                    <a:prstClr val="black">
+                      <a:alpha val="43000"/>
+                    </a:prstClr>
+                  </a:outerShdw>
+                </a:effectLst>
+              </a:defRPr>
+            </a:lvl1pPr>
+          </a:lstStyle>
           <a:p>
             <a:fld id="{FAE85FF2-2684-4723-B9A8-95993A1AA1B8}" type="datetimeFigureOut">
               <a:rPr lang="en-US" smtClean="0"/>
@@ -2677,13 +2619,7 @@
       </p:sp>
       <p:sp>
         <p:nvSpPr>
-          <p:cNvPr id="6" name="Footer Placeholder 5">
-            <a:extLst>
-              <a:ext uri="{FF2B5EF4-FFF2-40B4-BE49-F238E27FC236}">
-                <a16:creationId xmlns:a16="http://schemas.microsoft.com/office/drawing/2014/main" id="{03DAF8C7-75BE-4FAB-83EB-B6413BC477F4}"/>
-              </a:ext>
-            </a:extLst>
-          </p:cNvPr>
+          <p:cNvPr id="9" name="Footer Placeholder 8"/>
           <p:cNvSpPr>
             <a:spLocks noGrp="1"/>
           </p:cNvSpPr>
@@ -2691,10 +2627,25 @@
             <p:ph type="ftr" sz="quarter" idx="11"/>
           </p:nvPr>
         </p:nvSpPr>
-        <p:spPr/>
+        <p:spPr>
+          <a:xfrm>
+            <a:off x="804672" y="6236208"/>
+            <a:ext cx="5124797" cy="320040"/>
+          </a:xfrm>
+        </p:spPr>
         <p:txBody>
           <a:bodyPr/>
-          <a:lstStyle/>
+          <a:lstStyle>
+            <a:lvl1pPr>
+              <a:defRPr>
+                <a:solidFill>
+                  <a:srgbClr val="FFFFFF">
+                    <a:alpha val="70000"/>
+                  </a:srgbClr>
+                </a:solidFill>
+              </a:defRPr>
+            </a:lvl1pPr>
+          </a:lstStyle>
           <a:p>
             <a:endParaRPr lang="en-US"/>
           </a:p>
@@ -2702,13 +2653,7 @@
       </p:sp>
       <p:sp>
         <p:nvSpPr>
-          <p:cNvPr id="7" name="Slide Number Placeholder 6">
-            <a:extLst>
-              <a:ext uri="{FF2B5EF4-FFF2-40B4-BE49-F238E27FC236}">
-                <a16:creationId xmlns:a16="http://schemas.microsoft.com/office/drawing/2014/main" id="{CCBCFDF0-1CCF-4E2E-8E39-BBD04B5D2E47}"/>
-              </a:ext>
-            </a:extLst>
-          </p:cNvPr>
+          <p:cNvPr id="10" name="Slide Number Placeholder 9"/>
           <p:cNvSpPr>
             <a:spLocks noGrp="1"/>
           </p:cNvSpPr>
@@ -2732,7 +2677,7 @@
     </p:spTree>
     <p:extLst>
       <p:ext uri="{BB962C8B-B14F-4D97-AF65-F5344CB8AC3E}">
-        <p14:creationId xmlns:p14="http://schemas.microsoft.com/office/powerpoint/2010/main" val="3171317048"/>
+        <p14:creationId xmlns:p14="http://schemas.microsoft.com/office/powerpoint/2010/main" val="1370156491"/>
       </p:ext>
     </p:extLst>
   </p:cSld>
@@ -2746,9 +2691,14 @@
 <p:sldMaster xmlns:a="http://schemas.openxmlformats.org/drawingml/2006/main" xmlns:r="http://schemas.openxmlformats.org/officeDocument/2006/relationships" xmlns:p="http://schemas.openxmlformats.org/presentationml/2006/main">
   <p:cSld>
     <p:bg>
-      <p:bgRef idx="1001">
-        <a:schemeClr val="bg1"/>
-      </p:bgRef>
+      <p:bgPr>
+        <a:solidFill>
+          <a:schemeClr val="bg1">
+            <a:lumMod val="95000"/>
+          </a:schemeClr>
+        </a:solidFill>
+        <a:effectLst/>
+      </p:bgPr>
     </p:bg>
     <p:spTree>
       <p:nvGrpSpPr>
@@ -2766,129 +2716,163 @@
       </p:grpSpPr>
       <p:sp>
         <p:nvSpPr>
-          <p:cNvPr id="2" name="Title Placeholder 1">
-            <a:extLst>
-              <a:ext uri="{FF2B5EF4-FFF2-40B4-BE49-F238E27FC236}">
-                <a16:creationId xmlns:a16="http://schemas.microsoft.com/office/drawing/2014/main" id="{F649DFA1-35C8-4B4C-A22B-FCF6182D0BB5}"/>
-              </a:ext>
-            </a:extLst>
-          </p:cNvPr>
+          <p:cNvPr id="2" name="Title Placeholder 1"/>
           <p:cNvSpPr>
             <a:spLocks noGrp="1"/>
           </p:cNvSpPr>
           <p:nvPr>
             <p:ph type="title"/>
+          </p:nvPr>
+        </p:nvSpPr>
+        <p:spPr bwMode="black">
+          <a:xfrm>
+            <a:off x="2231136" y="964692"/>
+            <a:ext cx="7729728" cy="1188720"/>
+          </a:xfrm>
+          <a:prstGeom prst="rect">
+            <a:avLst/>
+          </a:prstGeom>
+          <a:solidFill>
+            <a:srgbClr val="FFFFFF"/>
+          </a:solidFill>
+          <a:ln w="31750" cap="sq">
+            <a:solidFill>
+              <a:srgbClr val="404040"/>
+            </a:solidFill>
+            <a:miter lim="800000"/>
+          </a:ln>
+        </p:spPr>
+        <p:txBody>
+          <a:bodyPr vert="horz" lIns="182880" tIns="182880" rIns="182880" bIns="182880" rtlCol="0" anchor="ctr">
+            <a:normAutofit/>
+          </a:bodyPr>
+          <a:lstStyle/>
+          <a:p>
+            <a:r>
+              <a:rPr lang="en-US"/>
+              <a:t>Click to edit Master title style</a:t>
+            </a:r>
+            <a:endParaRPr lang="en-US" dirty="0"/>
+          </a:p>
+        </p:txBody>
+      </p:sp>
+      <p:sp>
+        <p:nvSpPr>
+          <p:cNvPr id="3" name="Text Placeholder 2"/>
+          <p:cNvSpPr>
+            <a:spLocks noGrp="1"/>
+          </p:cNvSpPr>
+          <p:nvPr>
+            <p:ph type="body" idx="1"/>
           </p:nvPr>
         </p:nvSpPr>
         <p:spPr>
           <a:xfrm>
-            <a:off x="838200" y="365125"/>
-            <a:ext cx="10515600" cy="1325563"/>
+            <a:off x="2231136" y="2638044"/>
+            <a:ext cx="7729728" cy="3101983"/>
           </a:xfrm>
           <a:prstGeom prst="rect">
             <a:avLst/>
           </a:prstGeom>
         </p:spPr>
         <p:txBody>
-          <a:bodyPr vert="horz" lIns="91440" tIns="45720" rIns="91440" bIns="45720" rtlCol="0" anchor="ctr">
+          <a:bodyPr vert="horz" lIns="91440" tIns="45720" rIns="91440" bIns="45720" rtlCol="0">
             <a:normAutofit/>
           </a:bodyPr>
           <a:lstStyle/>
           <a:p>
-            <a:r>
-              <a:rPr lang="en-US"/>
-              <a:t>Click to edit Master title style</a:t>
-            </a:r>
-          </a:p>
-        </p:txBody>
-      </p:sp>
-      <p:sp>
-        <p:nvSpPr>
-          <p:cNvPr id="3" name="Text Placeholder 2">
-            <a:extLst>
-              <a:ext uri="{FF2B5EF4-FFF2-40B4-BE49-F238E27FC236}">
-                <a16:creationId xmlns:a16="http://schemas.microsoft.com/office/drawing/2014/main" id="{F15ACE16-09D9-47C4-AA4C-D9830773FC86}"/>
-              </a:ext>
-            </a:extLst>
-          </p:cNvPr>
-          <p:cNvSpPr>
-            <a:spLocks noGrp="1"/>
-          </p:cNvSpPr>
-          <p:nvPr>
-            <p:ph type="body" idx="1"/>
+            <a:pPr lvl="0"/>
+            <a:r>
+              <a:rPr lang="en-US"/>
+              <a:t>Click to edit Master text styles</a:t>
+            </a:r>
+          </a:p>
+          <a:p>
+            <a:pPr lvl="1"/>
+            <a:r>
+              <a:rPr lang="en-US"/>
+              <a:t>Second level</a:t>
+            </a:r>
+          </a:p>
+          <a:p>
+            <a:pPr lvl="2"/>
+            <a:r>
+              <a:rPr lang="en-US"/>
+              <a:t>Third level</a:t>
+            </a:r>
+          </a:p>
+          <a:p>
+            <a:pPr lvl="3"/>
+            <a:r>
+              <a:rPr lang="en-US"/>
+              <a:t>Fourth level</a:t>
+            </a:r>
+          </a:p>
+          <a:p>
+            <a:pPr lvl="4"/>
+            <a:r>
+              <a:rPr lang="en-US"/>
+              <a:t>Fifth level</a:t>
+            </a:r>
+            <a:endParaRPr lang="en-US" dirty="0"/>
+          </a:p>
+        </p:txBody>
+      </p:sp>
+      <p:sp>
+        <p:nvSpPr>
+          <p:cNvPr id="4" name="Date Placeholder 3"/>
+          <p:cNvSpPr>
+            <a:spLocks noGrp="1"/>
+          </p:cNvSpPr>
+          <p:nvPr>
+            <p:ph type="dt" sz="half" idx="2"/>
           </p:nvPr>
         </p:nvSpPr>
         <p:spPr>
           <a:xfrm>
-            <a:off x="838200" y="1825625"/>
-            <a:ext cx="10515600" cy="4351338"/>
+            <a:off x="7821429" y="6238816"/>
+            <a:ext cx="2753746" cy="323968"/>
           </a:xfrm>
           <a:prstGeom prst="rect">
             <a:avLst/>
           </a:prstGeom>
         </p:spPr>
         <p:txBody>
-          <a:bodyPr vert="horz" lIns="91440" tIns="45720" rIns="91440" bIns="45720" rtlCol="0">
-            <a:normAutofit/>
-          </a:bodyPr>
-          <a:lstStyle/>
-          <a:p>
-            <a:pPr lvl="0"/>
-            <a:r>
-              <a:rPr lang="en-US"/>
-              <a:t>Click to edit Master text styles</a:t>
-            </a:r>
-          </a:p>
-          <a:p>
-            <a:pPr lvl="1"/>
-            <a:r>
-              <a:rPr lang="en-US"/>
-              <a:t>Second level</a:t>
-            </a:r>
-          </a:p>
-          <a:p>
-            <a:pPr lvl="2"/>
-            <a:r>
-              <a:rPr lang="en-US"/>
-              <a:t>Third level</a:t>
-            </a:r>
-          </a:p>
-          <a:p>
-            <a:pPr lvl="3"/>
-            <a:r>
-              <a:rPr lang="en-US"/>
-              <a:t>Fourth level</a:t>
-            </a:r>
-          </a:p>
-          <a:p>
-            <a:pPr lvl="4"/>
-            <a:r>
-              <a:rPr lang="en-US"/>
-              <a:t>Fifth level</a:t>
-            </a:r>
-          </a:p>
-        </p:txBody>
-      </p:sp>
-      <p:sp>
-        <p:nvSpPr>
-          <p:cNvPr id="4" name="Date Placeholder 3">
-            <a:extLst>
-              <a:ext uri="{FF2B5EF4-FFF2-40B4-BE49-F238E27FC236}">
-                <a16:creationId xmlns:a16="http://schemas.microsoft.com/office/drawing/2014/main" id="{1DE02900-4F31-4EB6-9DB7-4EA3BD71809F}"/>
-              </a:ext>
-            </a:extLst>
-          </p:cNvPr>
-          <p:cNvSpPr>
-            <a:spLocks noGrp="1"/>
-          </p:cNvSpPr>
-          <p:nvPr>
-            <p:ph type="dt" sz="half" idx="2"/>
+          <a:bodyPr vert="horz" lIns="91440" tIns="45720" rIns="91440" bIns="45720" rtlCol="0" anchor="ctr"/>
+          <a:lstStyle>
+            <a:lvl1pPr algn="r">
+              <a:defRPr sz="1050">
+                <a:solidFill>
+                  <a:schemeClr val="tx1">
+                    <a:alpha val="70000"/>
+                  </a:schemeClr>
+                </a:solidFill>
+              </a:defRPr>
+            </a:lvl1pPr>
+          </a:lstStyle>
+          <a:p>
+            <a:fld id="{FAE85FF2-2684-4723-B9A8-95993A1AA1B8}" type="datetimeFigureOut">
+              <a:rPr lang="en-US" smtClean="0"/>
+              <a:t>9/9/2020</a:t>
+            </a:fld>
+            <a:endParaRPr lang="en-US"/>
+          </a:p>
+        </p:txBody>
+      </p:sp>
+      <p:sp>
+        <p:nvSpPr>
+          <p:cNvPr id="5" name="Footer Placeholder 4"/>
+          <p:cNvSpPr>
+            <a:spLocks noGrp="1"/>
+          </p:cNvSpPr>
+          <p:nvPr>
+            <p:ph type="ftr" sz="quarter" idx="3"/>
           </p:nvPr>
         </p:nvSpPr>
         <p:spPr>
           <a:xfrm>
-            <a:off x="838200" y="6356350"/>
-            <a:ext cx="2743200" cy="365125"/>
+            <a:off x="1600200" y="6236208"/>
+            <a:ext cx="5901189" cy="320040"/>
           </a:xfrm>
           <a:prstGeom prst="rect">
             <a:avLst/>
@@ -2898,101 +2882,53 @@
           <a:bodyPr vert="horz" lIns="91440" tIns="45720" rIns="91440" bIns="45720" rtlCol="0" anchor="ctr"/>
           <a:lstStyle>
             <a:lvl1pPr algn="l">
-              <a:defRPr sz="1200">
+              <a:defRPr sz="1050">
                 <a:solidFill>
                   <a:schemeClr val="tx1">
-                    <a:tint val="75000"/>
+                    <a:alpha val="70000"/>
                   </a:schemeClr>
                 </a:solidFill>
               </a:defRPr>
             </a:lvl1pPr>
           </a:lstStyle>
           <a:p>
-            <a:fld id="{FAE85FF2-2684-4723-B9A8-95993A1AA1B8}" type="datetimeFigureOut">
-              <a:rPr lang="en-US" smtClean="0"/>
-              <a:t>9/9/2020</a:t>
-            </a:fld>
             <a:endParaRPr lang="en-US"/>
           </a:p>
         </p:txBody>
       </p:sp>
       <p:sp>
         <p:nvSpPr>
-          <p:cNvPr id="5" name="Footer Placeholder 4">
-            <a:extLst>
-              <a:ext uri="{FF2B5EF4-FFF2-40B4-BE49-F238E27FC236}">
-                <a16:creationId xmlns:a16="http://schemas.microsoft.com/office/drawing/2014/main" id="{2D0CAB3C-B03A-478B-A2EC-DF88F2273EF4}"/>
-              </a:ext>
-            </a:extLst>
-          </p:cNvPr>
-          <p:cNvSpPr>
-            <a:spLocks noGrp="1"/>
-          </p:cNvSpPr>
-          <p:nvPr>
-            <p:ph type="ftr" sz="quarter" idx="3"/>
+          <p:cNvPr id="6" name="Slide Number Placeholder 5"/>
+          <p:cNvSpPr>
+            <a:spLocks noGrp="1"/>
+          </p:cNvSpPr>
+          <p:nvPr>
+            <p:ph type="sldNum" sz="quarter" idx="4"/>
           </p:nvPr>
         </p:nvSpPr>
         <p:spPr>
           <a:xfrm>
-            <a:off x="4038600" y="6356350"/>
-            <a:ext cx="4114800" cy="365125"/>
+            <a:off x="10758922" y="6217920"/>
+            <a:ext cx="365760" cy="365760"/>
           </a:xfrm>
-          <a:prstGeom prst="rect">
+          <a:prstGeom prst="ellipse">
             <a:avLst/>
           </a:prstGeom>
+          <a:solidFill>
+            <a:srgbClr val="1D1D1D">
+              <a:alpha val="70000"/>
+            </a:srgbClr>
+          </a:solidFill>
         </p:spPr>
         <p:txBody>
-          <a:bodyPr vert="horz" lIns="91440" tIns="45720" rIns="91440" bIns="45720" rtlCol="0" anchor="ctr"/>
+          <a:bodyPr vert="horz" lIns="18288" tIns="45720" rIns="18288" bIns="45720" rtlCol="0" anchor="ctr">
+            <a:noAutofit/>
+          </a:bodyPr>
           <a:lstStyle>
             <a:lvl1pPr algn="ctr">
-              <a:defRPr sz="1200">
-                <a:solidFill>
-                  <a:schemeClr val="tx1">
-                    <a:tint val="75000"/>
-                  </a:schemeClr>
-                </a:solidFill>
-              </a:defRPr>
-            </a:lvl1pPr>
-          </a:lstStyle>
-          <a:p>
-            <a:endParaRPr lang="en-US"/>
-          </a:p>
-        </p:txBody>
-      </p:sp>
-      <p:sp>
-        <p:nvSpPr>
-          <p:cNvPr id="6" name="Slide Number Placeholder 5">
-            <a:extLst>
-              <a:ext uri="{FF2B5EF4-FFF2-40B4-BE49-F238E27FC236}">
-                <a16:creationId xmlns:a16="http://schemas.microsoft.com/office/drawing/2014/main" id="{3EAE724E-F3F6-4D6E-920B-EB033BF8A419}"/>
-              </a:ext>
-            </a:extLst>
-          </p:cNvPr>
-          <p:cNvSpPr>
-            <a:spLocks noGrp="1"/>
-          </p:cNvSpPr>
-          <p:nvPr>
-            <p:ph type="sldNum" sz="quarter" idx="4"/>
-          </p:nvPr>
-        </p:nvSpPr>
-        <p:spPr>
-          <a:xfrm>
-            <a:off x="8610600" y="6356350"/>
-            <a:ext cx="2743200" cy="365125"/>
-          </a:xfrm>
-          <a:prstGeom prst="rect">
-            <a:avLst/>
-          </a:prstGeom>
-        </p:spPr>
-        <p:txBody>
-          <a:bodyPr vert="horz" lIns="91440" tIns="45720" rIns="91440" bIns="45720" rtlCol="0" anchor="ctr"/>
-          <a:lstStyle>
-            <a:lvl1pPr algn="r">
-              <a:defRPr sz="1200">
-                <a:solidFill>
-                  <a:schemeClr val="tx1">
-                    <a:tint val="75000"/>
-                  </a:schemeClr>
+              <a:defRPr sz="1100" spc="0" baseline="0">
+                <a:solidFill>
+                  <a:srgbClr val="FFFFFF"/>
                 </a:solidFill>
               </a:defRPr>
             </a:lvl1pPr>
@@ -3009,27 +2945,27 @@
     </p:spTree>
     <p:extLst>
       <p:ext uri="{BB962C8B-B14F-4D97-AF65-F5344CB8AC3E}">
-        <p14:creationId xmlns:p14="http://schemas.microsoft.com/office/powerpoint/2010/main" val="165535475"/>
+        <p14:creationId xmlns:p14="http://schemas.microsoft.com/office/powerpoint/2010/main" val="3271552737"/>
       </p:ext>
     </p:extLst>
   </p:cSld>
   <p:clrMap bg1="lt1" tx1="dk1" bg2="lt2" tx2="dk2" accent1="accent1" accent2="accent2" accent3="accent3" accent4="accent4" accent5="accent5" accent6="accent6" hlink="hlink" folHlink="folHlink"/>
   <p:sldLayoutIdLst>
-    <p:sldLayoutId id="2147483649" r:id="rId1"/>
-    <p:sldLayoutId id="2147483650" r:id="rId2"/>
-    <p:sldLayoutId id="2147483651" r:id="rId3"/>
-    <p:sldLayoutId id="2147483652" r:id="rId4"/>
-    <p:sldLayoutId id="2147483653" r:id="rId5"/>
-    <p:sldLayoutId id="2147483654" r:id="rId6"/>
-    <p:sldLayoutId id="2147483655" r:id="rId7"/>
-    <p:sldLayoutId id="2147483656" r:id="rId8"/>
-    <p:sldLayoutId id="2147483657" r:id="rId9"/>
-    <p:sldLayoutId id="2147483658" r:id="rId10"/>
-    <p:sldLayoutId id="2147483659" r:id="rId11"/>
+    <p:sldLayoutId id="2147483661" r:id="rId1"/>
+    <p:sldLayoutId id="2147483662" r:id="rId2"/>
+    <p:sldLayoutId id="2147483663" r:id="rId3"/>
+    <p:sldLayoutId id="2147483664" r:id="rId4"/>
+    <p:sldLayoutId id="2147483665" r:id="rId5"/>
+    <p:sldLayoutId id="2147483666" r:id="rId6"/>
+    <p:sldLayoutId id="2147483667" r:id="rId7"/>
+    <p:sldLayoutId id="2147483668" r:id="rId8"/>
+    <p:sldLayoutId id="2147483669" r:id="rId9"/>
+    <p:sldLayoutId id="2147483670" r:id="rId10"/>
+    <p:sldLayoutId id="2147483671" r:id="rId11"/>
   </p:sldLayoutIdLst>
   <p:txStyles>
     <p:titleStyle>
-      <a:lvl1pPr algn="l" defTabSz="914400" rtl="0" eaLnBrk="1" latinLnBrk="0" hangingPunct="1">
+      <a:lvl1pPr algn="ctr" defTabSz="914400" rtl="0" eaLnBrk="1" latinLnBrk="0" hangingPunct="1">
         <a:lnSpc>
           <a:spcPct val="90000"/>
         </a:lnSpc>
@@ -3037,9 +2973,9 @@
           <a:spcPct val="0"/>
         </a:spcBef>
         <a:buNone/>
-        <a:defRPr sz="4400" kern="1200">
+        <a:defRPr sz="2800" kern="1200" cap="all" spc="200" baseline="0">
           <a:solidFill>
-            <a:schemeClr val="tx1"/>
+            <a:srgbClr val="262626"/>
           </a:solidFill>
           <a:latin typeface="+mj-lt"/>
           <a:ea typeface="+mj-ea"/>
@@ -3050,104 +2986,137 @@
     <p:bodyStyle>
       <a:lvl1pPr marL="228600" indent="-228600" algn="l" defTabSz="914400" rtl="0" eaLnBrk="1" latinLnBrk="0" hangingPunct="1">
         <a:lnSpc>
-          <a:spcPct val="90000"/>
+          <a:spcPct val="100000"/>
         </a:lnSpc>
         <a:spcBef>
           <a:spcPts val="1000"/>
         </a:spcBef>
+        <a:buClr>
+          <a:schemeClr val="accent2"/>
+        </a:buClr>
         <a:buFont typeface="Arial" panose="020B0604020202020204" pitchFamily="34" charset="0"/>
         <a:buChar char="•"/>
-        <a:defRPr sz="2800" kern="1200">
+        <a:defRPr sz="1800" kern="1200">
           <a:solidFill>
-            <a:schemeClr val="tx1"/>
+            <a:schemeClr val="tx1">
+              <a:lumMod val="85000"/>
+              <a:lumOff val="15000"/>
+            </a:schemeClr>
           </a:solidFill>
           <a:latin typeface="+mn-lt"/>
           <a:ea typeface="+mn-ea"/>
           <a:cs typeface="+mn-cs"/>
         </a:defRPr>
       </a:lvl1pPr>
-      <a:lvl2pPr marL="685800" indent="-228600" algn="l" defTabSz="914400" rtl="0" eaLnBrk="1" latinLnBrk="0" hangingPunct="1">
+      <a:lvl2pPr marL="457200" indent="-228600" algn="l" defTabSz="914400" rtl="0" eaLnBrk="1" latinLnBrk="0" hangingPunct="1">
         <a:lnSpc>
-          <a:spcPct val="90000"/>
+          <a:spcPct val="100000"/>
         </a:lnSpc>
         <a:spcBef>
-          <a:spcPts val="500"/>
+          <a:spcPts val="1000"/>
         </a:spcBef>
+        <a:buClr>
+          <a:schemeClr val="accent2"/>
+        </a:buClr>
         <a:buFont typeface="Arial" panose="020B0604020202020204" pitchFamily="34" charset="0"/>
         <a:buChar char="•"/>
-        <a:defRPr sz="2400" kern="1200">
+        <a:defRPr sz="1600" kern="1200">
           <a:solidFill>
-            <a:schemeClr val="tx1"/>
+            <a:schemeClr val="tx1">
+              <a:lumMod val="85000"/>
+              <a:lumOff val="15000"/>
+            </a:schemeClr>
           </a:solidFill>
           <a:latin typeface="+mn-lt"/>
           <a:ea typeface="+mn-ea"/>
           <a:cs typeface="+mn-cs"/>
         </a:defRPr>
       </a:lvl2pPr>
-      <a:lvl3pPr marL="1143000" indent="-228600" algn="l" defTabSz="914400" rtl="0" eaLnBrk="1" latinLnBrk="0" hangingPunct="1">
+      <a:lvl3pPr marL="685800" indent="-228600" algn="l" defTabSz="914400" rtl="0" eaLnBrk="1" latinLnBrk="0" hangingPunct="1">
         <a:lnSpc>
-          <a:spcPct val="90000"/>
+          <a:spcPct val="100000"/>
         </a:lnSpc>
         <a:spcBef>
-          <a:spcPts val="500"/>
+          <a:spcPts val="1000"/>
         </a:spcBef>
+        <a:buClr>
+          <a:schemeClr val="accent2"/>
+        </a:buClr>
         <a:buFont typeface="Arial" panose="020B0604020202020204" pitchFamily="34" charset="0"/>
         <a:buChar char="•"/>
-        <a:defRPr sz="2000" kern="1200">
+        <a:defRPr sz="1600" kern="1200">
           <a:solidFill>
-            <a:schemeClr val="tx1"/>
+            <a:schemeClr val="tx1">
+              <a:lumMod val="85000"/>
+              <a:lumOff val="15000"/>
+            </a:schemeClr>
           </a:solidFill>
           <a:latin typeface="+mn-lt"/>
           <a:ea typeface="+mn-ea"/>
           <a:cs typeface="+mn-cs"/>
         </a:defRPr>
       </a:lvl3pPr>
-      <a:lvl4pPr marL="1600200" indent="-228600" algn="l" defTabSz="914400" rtl="0" eaLnBrk="1" latinLnBrk="0" hangingPunct="1">
+      <a:lvl4pPr marL="914400" indent="-228600" algn="l" defTabSz="914400" rtl="0" eaLnBrk="1" latinLnBrk="0" hangingPunct="1">
         <a:lnSpc>
-          <a:spcPct val="90000"/>
+          <a:spcPct val="100000"/>
         </a:lnSpc>
         <a:spcBef>
-          <a:spcPts val="500"/>
+          <a:spcPts val="1000"/>
         </a:spcBef>
+        <a:buClr>
+          <a:schemeClr val="accent2"/>
+        </a:buClr>
         <a:buFont typeface="Arial" panose="020B0604020202020204" pitchFamily="34" charset="0"/>
         <a:buChar char="•"/>
-        <a:defRPr sz="1800" kern="1200">
+        <a:defRPr sz="1600" kern="1200">
           <a:solidFill>
-            <a:schemeClr val="tx1"/>
+            <a:schemeClr val="tx1">
+              <a:lumMod val="85000"/>
+              <a:lumOff val="15000"/>
+            </a:schemeClr>
           </a:solidFill>
           <a:latin typeface="+mn-lt"/>
           <a:ea typeface="+mn-ea"/>
           <a:cs typeface="+mn-cs"/>
         </a:defRPr>
       </a:lvl4pPr>
-      <a:lvl5pPr marL="2057400" indent="-228600" algn="l" defTabSz="914400" rtl="0" eaLnBrk="1" latinLnBrk="0" hangingPunct="1">
+      <a:lvl5pPr marL="1143000" indent="-228600" algn="l" defTabSz="914400" rtl="0" eaLnBrk="1" latinLnBrk="0" hangingPunct="1">
         <a:lnSpc>
-          <a:spcPct val="90000"/>
+          <a:spcPct val="100000"/>
         </a:lnSpc>
         <a:spcBef>
-          <a:spcPts val="500"/>
+          <a:spcPts val="1000"/>
         </a:spcBef>
+        <a:buClr>
+          <a:schemeClr val="accent2"/>
+        </a:buClr>
         <a:buFont typeface="Arial" panose="020B0604020202020204" pitchFamily="34" charset="0"/>
         <a:buChar char="•"/>
-        <a:defRPr sz="1800" kern="1200">
+        <a:defRPr sz="1600" kern="1200">
           <a:solidFill>
-            <a:schemeClr val="tx1"/>
+            <a:schemeClr val="tx1">
+              <a:lumMod val="85000"/>
+              <a:lumOff val="15000"/>
+            </a:schemeClr>
           </a:solidFill>
           <a:latin typeface="+mn-lt"/>
           <a:ea typeface="+mn-ea"/>
           <a:cs typeface="+mn-cs"/>
         </a:defRPr>
       </a:lvl5pPr>
-      <a:lvl6pPr marL="2514600" indent="-228600" algn="l" defTabSz="914400" rtl="0" eaLnBrk="1" latinLnBrk="0" hangingPunct="1">
+      <a:lvl6pPr marL="1312863" indent="-228600" algn="l" defTabSz="914400" rtl="0" eaLnBrk="1" latinLnBrk="0" hangingPunct="1">
         <a:lnSpc>
-          <a:spcPct val="90000"/>
+          <a:spcPct val="100000"/>
         </a:lnSpc>
         <a:spcBef>
-          <a:spcPts val="500"/>
+          <a:spcPts val="1000"/>
         </a:spcBef>
+        <a:buClr>
+          <a:schemeClr val="accent2"/>
+        </a:buClr>
         <a:buFont typeface="Arial" panose="020B0604020202020204" pitchFamily="34" charset="0"/>
         <a:buChar char="•"/>
-        <a:defRPr sz="1800" kern="1200">
+        <a:defRPr sz="1600" kern="1200">
           <a:solidFill>
             <a:schemeClr val="tx1"/>
           </a:solidFill>
@@ -3156,16 +3125,19 @@
           <a:cs typeface="+mn-cs"/>
         </a:defRPr>
       </a:lvl6pPr>
-      <a:lvl7pPr marL="2971800" indent="-228600" algn="l" defTabSz="914400" rtl="0" eaLnBrk="1" latinLnBrk="0" hangingPunct="1">
+      <a:lvl7pPr marL="1484313" indent="-228600" algn="l" defTabSz="914400" rtl="0" eaLnBrk="1" latinLnBrk="0" hangingPunct="1">
         <a:lnSpc>
-          <a:spcPct val="90000"/>
+          <a:spcPct val="100000"/>
         </a:lnSpc>
         <a:spcBef>
-          <a:spcPts val="500"/>
+          <a:spcPts val="1000"/>
         </a:spcBef>
+        <a:buClr>
+          <a:schemeClr val="accent2"/>
+        </a:buClr>
         <a:buFont typeface="Arial" panose="020B0604020202020204" pitchFamily="34" charset="0"/>
         <a:buChar char="•"/>
-        <a:defRPr sz="1800" kern="1200">
+        <a:defRPr sz="1600" kern="1200">
           <a:solidFill>
             <a:schemeClr val="tx1"/>
           </a:solidFill>
@@ -3174,16 +3146,19 @@
           <a:cs typeface="+mn-cs"/>
         </a:defRPr>
       </a:lvl7pPr>
-      <a:lvl8pPr marL="3429000" indent="-228600" algn="l" defTabSz="914400" rtl="0" eaLnBrk="1" latinLnBrk="0" hangingPunct="1">
+      <a:lvl8pPr marL="1657350" indent="-228600" algn="l" defTabSz="914400" rtl="0" eaLnBrk="1" latinLnBrk="0" hangingPunct="1">
         <a:lnSpc>
-          <a:spcPct val="90000"/>
+          <a:spcPct val="100000"/>
         </a:lnSpc>
         <a:spcBef>
-          <a:spcPts val="500"/>
+          <a:spcPts val="1000"/>
         </a:spcBef>
+        <a:buClr>
+          <a:schemeClr val="accent2"/>
+        </a:buClr>
         <a:buFont typeface="Arial" panose="020B0604020202020204" pitchFamily="34" charset="0"/>
         <a:buChar char="•"/>
-        <a:defRPr sz="1800" kern="1200">
+        <a:defRPr sz="1600" kern="1200" baseline="0">
           <a:solidFill>
             <a:schemeClr val="tx1"/>
           </a:solidFill>
@@ -3192,16 +3167,19 @@
           <a:cs typeface="+mn-cs"/>
         </a:defRPr>
       </a:lvl8pPr>
-      <a:lvl9pPr marL="3886200" indent="-228600" algn="l" defTabSz="914400" rtl="0" eaLnBrk="1" latinLnBrk="0" hangingPunct="1">
+      <a:lvl9pPr marL="1882775" indent="-228600" algn="l" defTabSz="914400" rtl="0" eaLnBrk="1" latinLnBrk="0" hangingPunct="1">
         <a:lnSpc>
-          <a:spcPct val="90000"/>
+          <a:spcPct val="100000"/>
         </a:lnSpc>
         <a:spcBef>
-          <a:spcPts val="500"/>
+          <a:spcPts val="1000"/>
         </a:spcBef>
+        <a:buClr>
+          <a:schemeClr val="accent2"/>
+        </a:buClr>
         <a:buFont typeface="Arial" panose="020B0604020202020204" pitchFamily="34" charset="0"/>
         <a:buChar char="•"/>
-        <a:defRPr sz="1800" kern="1200">
+        <a:defRPr sz="1600" kern="1200" baseline="0">
           <a:solidFill>
             <a:schemeClr val="tx1"/>
           </a:solidFill>
@@ -3313,6 +3291,14 @@
 <file path=ppt/slides/slide1.xml><?xml version="1.0" encoding="utf-8"?>
 <p:sld xmlns:a="http://schemas.openxmlformats.org/drawingml/2006/main" xmlns:r="http://schemas.openxmlformats.org/officeDocument/2006/relationships" xmlns:p="http://schemas.openxmlformats.org/presentationml/2006/main">
   <p:cSld>
+    <p:bg>
+      <p:bgPr>
+        <a:solidFill>
+          <a:schemeClr val="accent2"/>
+        </a:solidFill>
+        <a:effectLst/>
+      </p:bgPr>
+    </p:bg>
     <p:spTree>
       <p:nvGrpSpPr>
         <p:cNvPr id="1" name=""/>
@@ -3329,6 +3315,180 @@
       </p:grpSpPr>
       <p:sp>
         <p:nvSpPr>
+          <p:cNvPr id="3" name="Subtitle 2">
+            <a:extLst>
+              <a:ext uri="{FF2B5EF4-FFF2-40B4-BE49-F238E27FC236}">
+                <a16:creationId xmlns:a16="http://schemas.microsoft.com/office/drawing/2014/main" id="{6FEBAB9B-0542-41DC-838E-842306ABE301}"/>
+              </a:ext>
+            </a:extLst>
+          </p:cNvPr>
+          <p:cNvSpPr>
+            <a:spLocks noGrp="1"/>
+          </p:cNvSpPr>
+          <p:nvPr>
+            <p:ph type="subTitle" idx="1"/>
+          </p:nvPr>
+        </p:nvSpPr>
+        <p:spPr>
+          <a:xfrm>
+            <a:off x="1262729" y="5499895"/>
+            <a:ext cx="9638443" cy="484633"/>
+          </a:xfrm>
+        </p:spPr>
+        <p:txBody>
+          <a:bodyPr>
+            <a:normAutofit/>
+          </a:bodyPr>
+          <a:lstStyle/>
+          <a:p>
+            <a:pPr>
+              <a:lnSpc>
+                <a:spcPct val="90000"/>
+              </a:lnSpc>
+            </a:pPr>
+            <a:r>
+              <a:rPr lang="en-US" sz="1400" dirty="0"/>
+              <a:t>Project: 1</a:t>
+            </a:r>
+            <a:br>
+              <a:rPr lang="en-US" sz="1400" dirty="0"/>
+            </a:br>
+            <a:r>
+              <a:rPr lang="en-US" sz="1400" dirty="0"/>
+              <a:t>Swift Crows</a:t>
+            </a:r>
+          </a:p>
+        </p:txBody>
+      </p:sp>
+      <p:sp>
+        <p:nvSpPr>
+          <p:cNvPr id="8" name="Rectangle 7">
+            <a:extLst>
+              <a:ext uri="{FF2B5EF4-FFF2-40B4-BE49-F238E27FC236}">
+                <a16:creationId xmlns:a16="http://schemas.microsoft.com/office/drawing/2014/main" id="{84167985-D6E9-40FF-97C0-4B6D373E85C9}"/>
+              </a:ext>
+              <a:ext uri="{C183D7F6-B498-43B3-948B-1728B52AA6E4}">
+                <adec:decorative xmlns:adec="http://schemas.microsoft.com/office/drawing/2017/decorative" val="1"/>
+              </a:ext>
+            </a:extLst>
+          </p:cNvPr>
+          <p:cNvSpPr>
+            <a:spLocks noGrp="1" noRot="1" noChangeAspect="1" noMove="1" noResize="1" noEditPoints="1" noAdjustHandles="1" noChangeArrowheads="1" noChangeShapeType="1" noTextEdit="1"/>
+          </p:cNvSpPr>
+          <p:nvPr>
+            <p:extLst>
+              <p:ext uri="{386F3935-93C4-4BCD-93E2-E3B085C9AB24}">
+                <p16:designElem xmlns:p16="http://schemas.microsoft.com/office/powerpoint/2015/main" val="1"/>
+              </p:ext>
+            </p:extLst>
+          </p:nvPr>
+        </p:nvSpPr>
+        <p:spPr>
+          <a:xfrm>
+            <a:off x="640068" y="640080"/>
+            <a:ext cx="10911865" cy="4626864"/>
+          </a:xfrm>
+          <a:prstGeom prst="rect">
+            <a:avLst/>
+          </a:prstGeom>
+          <a:noFill/>
+          <a:ln w="31750" cap="sq">
+            <a:solidFill>
+              <a:srgbClr val="FFFFFF"/>
+            </a:solidFill>
+            <a:miter lim="800000"/>
+          </a:ln>
+        </p:spPr>
+        <p:style>
+          <a:lnRef idx="2">
+            <a:schemeClr val="accent1">
+              <a:shade val="50000"/>
+            </a:schemeClr>
+          </a:lnRef>
+          <a:fillRef idx="1">
+            <a:schemeClr val="accent1"/>
+          </a:fillRef>
+          <a:effectRef idx="0">
+            <a:schemeClr val="accent1"/>
+          </a:effectRef>
+          <a:fontRef idx="minor">
+            <a:schemeClr val="lt1"/>
+          </a:fontRef>
+        </p:style>
+        <p:txBody>
+          <a:bodyPr rtlCol="0" anchor="ctr"/>
+          <a:lstStyle/>
+          <a:p>
+            <a:pPr algn="ctr"/>
+            <a:endParaRPr lang="en-US" dirty="0"/>
+          </a:p>
+        </p:txBody>
+      </p:sp>
+      <p:sp>
+        <p:nvSpPr>
+          <p:cNvPr id="10" name="Rectangle 9">
+            <a:extLst>
+              <a:ext uri="{FF2B5EF4-FFF2-40B4-BE49-F238E27FC236}">
+                <a16:creationId xmlns:a16="http://schemas.microsoft.com/office/drawing/2014/main" id="{68801362-349C-44BE-BEF6-8E926E1D38BC}"/>
+              </a:ext>
+              <a:ext uri="{C183D7F6-B498-43B3-948B-1728B52AA6E4}">
+                <adec:decorative xmlns:adec="http://schemas.microsoft.com/office/drawing/2017/decorative" val="1"/>
+              </a:ext>
+            </a:extLst>
+          </p:cNvPr>
+          <p:cNvSpPr>
+            <a:spLocks noGrp="1" noRot="1" noChangeAspect="1" noMove="1" noResize="1" noEditPoints="1" noAdjustHandles="1" noChangeArrowheads="1" noChangeShapeType="1" noTextEdit="1"/>
+          </p:cNvSpPr>
+          <p:nvPr>
+            <p:extLst>
+              <p:ext uri="{386F3935-93C4-4BCD-93E2-E3B085C9AB24}">
+                <p16:designElem xmlns:p16="http://schemas.microsoft.com/office/powerpoint/2015/main" val="1"/>
+              </p:ext>
+            </p:extLst>
+          </p:nvPr>
+        </p:nvSpPr>
+        <p:spPr>
+          <a:xfrm>
+            <a:off x="806196" y="804672"/>
+            <a:ext cx="10579608" cy="4297680"/>
+          </a:xfrm>
+          <a:prstGeom prst="rect">
+            <a:avLst/>
+          </a:prstGeom>
+          <a:solidFill>
+            <a:srgbClr val="FFFFFF"/>
+          </a:solidFill>
+          <a:ln>
+            <a:noFill/>
+          </a:ln>
+        </p:spPr>
+        <p:style>
+          <a:lnRef idx="2">
+            <a:schemeClr val="accent1">
+              <a:shade val="50000"/>
+            </a:schemeClr>
+          </a:lnRef>
+          <a:fillRef idx="1">
+            <a:schemeClr val="accent1"/>
+          </a:fillRef>
+          <a:effectRef idx="0">
+            <a:schemeClr val="accent1"/>
+          </a:effectRef>
+          <a:fontRef idx="minor">
+            <a:schemeClr val="lt1"/>
+          </a:fontRef>
+        </p:style>
+        <p:txBody>
+          <a:bodyPr rtlCol="0" anchor="ctr"/>
+          <a:lstStyle/>
+          <a:p>
+            <a:pPr algn="ctr"/>
+            <a:endParaRPr lang="en-US"/>
+          </a:p>
+        </p:txBody>
+      </p:sp>
+      <p:sp>
+        <p:nvSpPr>
           <p:cNvPr id="2" name="Title 1">
             <a:extLst>
               <a:ext uri="{FF2B5EF4-FFF2-40B4-BE49-F238E27FC236}">
@@ -3343,7 +3503,15 @@
             <p:ph type="ctrTitle"/>
           </p:nvPr>
         </p:nvSpPr>
-        <p:spPr/>
+        <p:spPr>
+          <a:xfrm>
+            <a:off x="1262729" y="1289303"/>
+            <a:ext cx="9638443" cy="3339303"/>
+          </a:xfrm>
+          <a:ln>
+            <a:noFill/>
+          </a:ln>
+        </p:spPr>
         <p:txBody>
           <a:bodyPr>
             <a:normAutofit/>
@@ -3351,44 +3519,7 @@
           <a:lstStyle/>
           <a:p>
             <a:r>
-              <a:rPr lang="en-US" dirty="0"/>
-              <a:t>The Swift Crows</a:t>
-            </a:r>
-          </a:p>
-        </p:txBody>
-      </p:sp>
-      <p:sp>
-        <p:nvSpPr>
-          <p:cNvPr id="3" name="Subtitle 2">
-            <a:extLst>
-              <a:ext uri="{FF2B5EF4-FFF2-40B4-BE49-F238E27FC236}">
-                <a16:creationId xmlns:a16="http://schemas.microsoft.com/office/drawing/2014/main" id="{6FEBAB9B-0542-41DC-838E-842306ABE301}"/>
-              </a:ext>
-            </a:extLst>
-          </p:cNvPr>
-          <p:cNvSpPr>
-            <a:spLocks noGrp="1"/>
-          </p:cNvSpPr>
-          <p:nvPr>
-            <p:ph type="subTitle" idx="1"/>
-          </p:nvPr>
-        </p:nvSpPr>
-        <p:spPr/>
-        <p:txBody>
-          <a:bodyPr>
-            <a:normAutofit/>
-          </a:bodyPr>
-          <a:lstStyle/>
-          <a:p>
-            <a:r>
-              <a:rPr lang="en-US" sz="3600" dirty="0"/>
-              <a:t>Project: 1</a:t>
-            </a:r>
-            <a:br>
-              <a:rPr lang="en-US" sz="3600" dirty="0"/>
-            </a:br>
-            <a:r>
-              <a:rPr lang="en-US" sz="3600" dirty="0"/>
+              <a:rPr lang="en-US" sz="5000" dirty="0"/>
               <a:t>Survive 2020</a:t>
             </a:r>
           </a:p>
@@ -3410,6 +3541,16 @@
 <file path=ppt/slides/slide2.xml><?xml version="1.0" encoding="utf-8"?>
 <p:sld xmlns:a="http://schemas.openxmlformats.org/drawingml/2006/main" xmlns:r="http://schemas.openxmlformats.org/officeDocument/2006/relationships" xmlns:p="http://schemas.openxmlformats.org/presentationml/2006/main">
   <p:cSld>
+    <p:bg>
+      <p:bgPr>
+        <a:solidFill>
+          <a:schemeClr val="bg1">
+            <a:lumMod val="95000"/>
+          </a:schemeClr>
+        </a:solidFill>
+        <a:effectLst/>
+      </p:bgPr>
+    </p:bg>
     <p:spTree>
       <p:nvGrpSpPr>
         <p:cNvPr id="1" name=""/>
@@ -3426,6 +3567,71 @@
       </p:grpSpPr>
       <p:sp>
         <p:nvSpPr>
+          <p:cNvPr id="8" name="Oval 7">
+            <a:extLst>
+              <a:ext uri="{FF2B5EF4-FFF2-40B4-BE49-F238E27FC236}">
+                <a16:creationId xmlns:a16="http://schemas.microsoft.com/office/drawing/2014/main" id="{BAC87F6E-526A-49B5-995D-42DB656594C9}"/>
+              </a:ext>
+              <a:ext uri="{C183D7F6-B498-43B3-948B-1728B52AA6E4}">
+                <adec:decorative xmlns:adec="http://schemas.microsoft.com/office/drawing/2017/decorative" val="1"/>
+              </a:ext>
+            </a:extLst>
+          </p:cNvPr>
+          <p:cNvSpPr>
+            <a:spLocks noGrp="1" noRot="1" noChangeAspect="1" noMove="1" noResize="1" noEditPoints="1" noAdjustHandles="1" noChangeArrowheads="1" noChangeShapeType="1" noTextEdit="1"/>
+          </p:cNvSpPr>
+          <p:nvPr>
+            <p:extLst>
+              <p:ext uri="{386F3935-93C4-4BCD-93E2-E3B085C9AB24}">
+                <p16:designElem xmlns:p16="http://schemas.microsoft.com/office/powerpoint/2015/main" val="1"/>
+              </p:ext>
+            </p:extLst>
+          </p:nvPr>
+        </p:nvSpPr>
+        <p:spPr>
+          <a:xfrm>
+            <a:off x="977894" y="1443035"/>
+            <a:ext cx="3971932" cy="3971930"/>
+          </a:xfrm>
+          <a:prstGeom prst="ellipse">
+            <a:avLst/>
+          </a:prstGeom>
+          <a:solidFill>
+            <a:srgbClr val="FFFFFF"/>
+          </a:solidFill>
+          <a:ln w="31750">
+            <a:solidFill>
+              <a:schemeClr val="accent2"/>
+            </a:solidFill>
+          </a:ln>
+        </p:spPr>
+        <p:style>
+          <a:lnRef idx="2">
+            <a:schemeClr val="accent1">
+              <a:shade val="50000"/>
+            </a:schemeClr>
+          </a:lnRef>
+          <a:fillRef idx="1">
+            <a:schemeClr val="accent1"/>
+          </a:fillRef>
+          <a:effectRef idx="0">
+            <a:schemeClr val="accent1"/>
+          </a:effectRef>
+          <a:fontRef idx="minor">
+            <a:schemeClr val="lt1"/>
+          </a:fontRef>
+        </p:style>
+        <p:txBody>
+          <a:bodyPr rtlCol="0" anchor="ctr"/>
+          <a:lstStyle/>
+          <a:p>
+            <a:pPr algn="ctr"/>
+            <a:endParaRPr lang="en-US"/>
+          </a:p>
+        </p:txBody>
+      </p:sp>
+      <p:sp>
+        <p:nvSpPr>
           <p:cNvPr id="2" name="Title 1">
             <a:extLst>
               <a:ext uri="{FF2B5EF4-FFF2-40B4-BE49-F238E27FC236}">
@@ -3440,15 +3646,162 @@
             <p:ph type="title"/>
           </p:nvPr>
         </p:nvSpPr>
-        <p:spPr/>
-        <p:txBody>
-          <a:bodyPr/>
-          <a:lstStyle/>
-          <a:p>
-            <a:r>
-              <a:rPr lang="en-US" b="1" dirty="0"/>
+        <p:spPr>
+          <a:xfrm>
+            <a:off x="1121344" y="1586484"/>
+            <a:ext cx="3685032" cy="3685032"/>
+          </a:xfrm>
+          <a:prstGeom prst="ellipse">
+            <a:avLst/>
+          </a:prstGeom>
+          <a:solidFill>
+            <a:schemeClr val="accent2"/>
+          </a:solidFill>
+          <a:ln>
+            <a:noFill/>
+          </a:ln>
+        </p:spPr>
+        <p:txBody>
+          <a:bodyPr>
+            <a:normAutofit/>
+          </a:bodyPr>
+          <a:lstStyle/>
+          <a:p>
+            <a:r>
+              <a:rPr lang="en-US" b="1">
+                <a:solidFill>
+                  <a:srgbClr val="FFFFFF"/>
+                </a:solidFill>
+              </a:rPr>
               <a:t>Elevator Pitch</a:t>
             </a:r>
+          </a:p>
+        </p:txBody>
+      </p:sp>
+      <p:sp>
+        <p:nvSpPr>
+          <p:cNvPr id="10" name="Rectangle 9">
+            <a:extLst>
+              <a:ext uri="{FF2B5EF4-FFF2-40B4-BE49-F238E27FC236}">
+                <a16:creationId xmlns:a16="http://schemas.microsoft.com/office/drawing/2014/main" id="{5E5436DB-4E8B-43A5-AE55-1C527B62E203}"/>
+              </a:ext>
+              <a:ext uri="{C183D7F6-B498-43B3-948B-1728B52AA6E4}">
+                <adec:decorative xmlns:adec="http://schemas.microsoft.com/office/drawing/2017/decorative" val="1"/>
+              </a:ext>
+            </a:extLst>
+          </p:cNvPr>
+          <p:cNvSpPr>
+            <a:spLocks noGrp="1" noRot="1" noChangeAspect="1" noMove="1" noResize="1" noEditPoints="1" noAdjustHandles="1" noChangeArrowheads="1" noChangeShapeType="1" noTextEdit="1"/>
+          </p:cNvSpPr>
+          <p:nvPr>
+            <p:extLst>
+              <p:ext uri="{386F3935-93C4-4BCD-93E2-E3B085C9AB24}">
+                <p16:designElem xmlns:p16="http://schemas.microsoft.com/office/powerpoint/2015/main" val="1"/>
+              </p:ext>
+            </p:extLst>
+          </p:nvPr>
+        </p:nvSpPr>
+        <p:spPr>
+          <a:xfrm>
+            <a:off x="5618743" y="797433"/>
+            <a:ext cx="5934456" cy="5263134"/>
+          </a:xfrm>
+          <a:prstGeom prst="rect">
+            <a:avLst/>
+          </a:prstGeom>
+          <a:noFill/>
+          <a:ln w="31750" cap="sq">
+            <a:solidFill>
+              <a:srgbClr val="FFFFFF"/>
+            </a:solidFill>
+            <a:miter lim="800000"/>
+          </a:ln>
+        </p:spPr>
+        <p:style>
+          <a:lnRef idx="2">
+            <a:schemeClr val="accent1">
+              <a:shade val="50000"/>
+            </a:schemeClr>
+          </a:lnRef>
+          <a:fillRef idx="1">
+            <a:schemeClr val="accent1"/>
+          </a:fillRef>
+          <a:effectRef idx="0">
+            <a:schemeClr val="accent1"/>
+          </a:effectRef>
+          <a:fontRef idx="minor">
+            <a:schemeClr val="lt1"/>
+          </a:fontRef>
+        </p:style>
+        <p:txBody>
+          <a:bodyPr rtlCol="0" anchor="ctr"/>
+          <a:lstStyle/>
+          <a:p>
+            <a:pPr algn="ctr"/>
+            <a:endParaRPr lang="en-US" dirty="0"/>
+          </a:p>
+        </p:txBody>
+      </p:sp>
+      <p:sp>
+        <p:nvSpPr>
+          <p:cNvPr id="12" name="Rectangle 11">
+            <a:extLst>
+              <a:ext uri="{FF2B5EF4-FFF2-40B4-BE49-F238E27FC236}">
+                <a16:creationId xmlns:a16="http://schemas.microsoft.com/office/drawing/2014/main" id="{0D65299F-028F-4AFC-B46A-8DB33E20FE4A}"/>
+              </a:ext>
+              <a:ext uri="{C183D7F6-B498-43B3-948B-1728B52AA6E4}">
+                <adec:decorative xmlns:adec="http://schemas.microsoft.com/office/drawing/2017/decorative" val="1"/>
+              </a:ext>
+            </a:extLst>
+          </p:cNvPr>
+          <p:cNvSpPr>
+            <a:spLocks noGrp="1" noRot="1" noChangeAspect="1" noMove="1" noResize="1" noEditPoints="1" noAdjustHandles="1" noChangeArrowheads="1" noChangeShapeType="1" noTextEdit="1"/>
+          </p:cNvSpPr>
+          <p:nvPr>
+            <p:extLst>
+              <p:ext uri="{386F3935-93C4-4BCD-93E2-E3B085C9AB24}">
+                <p16:designElem xmlns:p16="http://schemas.microsoft.com/office/powerpoint/2015/main" val="1"/>
+              </p:ext>
+            </p:extLst>
+          </p:nvPr>
+        </p:nvSpPr>
+        <p:spPr>
+          <a:xfrm>
+            <a:off x="5783335" y="960120"/>
+            <a:ext cx="5605272" cy="4937760"/>
+          </a:xfrm>
+          <a:prstGeom prst="rect">
+            <a:avLst/>
+          </a:prstGeom>
+          <a:solidFill>
+            <a:srgbClr val="FFFFFF"/>
+          </a:solidFill>
+          <a:ln>
+            <a:noFill/>
+          </a:ln>
+        </p:spPr>
+        <p:style>
+          <a:lnRef idx="2">
+            <a:schemeClr val="accent1">
+              <a:shade val="50000"/>
+            </a:schemeClr>
+          </a:lnRef>
+          <a:fillRef idx="1">
+            <a:schemeClr val="accent1"/>
+          </a:fillRef>
+          <a:effectRef idx="0">
+            <a:schemeClr val="accent1"/>
+          </a:effectRef>
+          <a:fontRef idx="minor">
+            <a:schemeClr val="lt1"/>
+          </a:fontRef>
+        </p:style>
+        <p:txBody>
+          <a:bodyPr rtlCol="0" anchor="ctr"/>
+          <a:lstStyle/>
+          <a:p>
+            <a:pPr algn="ctr"/>
+            <a:endParaRPr lang="en-US"/>
           </a:p>
         </p:txBody>
       </p:sp>
@@ -3468,23 +3821,36 @@
             <p:ph idx="1"/>
           </p:nvPr>
         </p:nvSpPr>
-        <p:spPr/>
-        <p:txBody>
-          <a:bodyPr/>
+        <p:spPr>
+          <a:xfrm>
+            <a:off x="6259551" y="1444752"/>
+            <a:ext cx="4652840" cy="3968496"/>
+          </a:xfrm>
+        </p:spPr>
+        <p:txBody>
+          <a:bodyPr anchor="ctr">
+            <a:normAutofit/>
+          </a:bodyPr>
           <a:lstStyle/>
           <a:p>
             <a:pPr marL="0" indent="0">
               <a:buNone/>
             </a:pPr>
             <a:r>
-              <a:rPr lang="en-US" b="1" i="0" dirty="0">
+              <a:rPr lang="en-US" sz="2400" b="1" i="0" dirty="0">
+                <a:solidFill>
+                  <a:srgbClr val="404040"/>
+                </a:solidFill>
                 <a:effectLst/>
                 <a:latin typeface="Slack-Lato"/>
               </a:rPr>
               <a:t>App Description: </a:t>
             </a:r>
             <a:r>
-              <a:rPr lang="en-US" b="0" i="0" dirty="0">
+              <a:rPr lang="en-US" sz="2400" b="0" i="0" dirty="0">
+                <a:solidFill>
+                  <a:srgbClr val="404040"/>
+                </a:solidFill>
                 <a:effectLst/>
                 <a:latin typeface="Slack-Lato"/>
               </a:rPr>
@@ -3509,6 +3875,16 @@
 <file path=ppt/slides/slide3.xml><?xml version="1.0" encoding="utf-8"?>
 <p:sld xmlns:a="http://schemas.openxmlformats.org/drawingml/2006/main" xmlns:r="http://schemas.openxmlformats.org/officeDocument/2006/relationships" xmlns:p="http://schemas.openxmlformats.org/presentationml/2006/main">
   <p:cSld>
+    <p:bg>
+      <p:bgPr>
+        <a:solidFill>
+          <a:schemeClr val="bg1">
+            <a:lumMod val="95000"/>
+          </a:schemeClr>
+        </a:solidFill>
+        <a:effectLst/>
+      </p:bgPr>
+    </p:bg>
     <p:spTree>
       <p:nvGrpSpPr>
         <p:cNvPr id="1" name=""/>
@@ -3539,16 +3915,43 @@
             <p:ph type="title"/>
           </p:nvPr>
         </p:nvSpPr>
-        <p:spPr/>
-        <p:txBody>
-          <a:bodyPr/>
-          <a:lstStyle/>
-          <a:p>
-            <a:r>
-              <a:rPr lang="en-US" b="1" dirty="0"/>
+        <p:spPr>
+          <a:xfrm>
+            <a:off x="1121343" y="1444753"/>
+            <a:ext cx="4379439" cy="3968496"/>
+          </a:xfrm>
+          <a:prstGeom prst="rect">
+            <a:avLst/>
+          </a:prstGeom>
+          <a:solidFill>
+            <a:schemeClr val="accent2"/>
+          </a:solidFill>
+          <a:ln w="190500" cap="sq" cmpd="thinThick">
+            <a:solidFill>
+              <a:schemeClr val="accent2"/>
+            </a:solidFill>
+            <a:miter lim="800000"/>
+          </a:ln>
+        </p:spPr>
+        <p:txBody>
+          <a:bodyPr wrap="square" anchor="ctr">
+            <a:normAutofit/>
+          </a:bodyPr>
+          <a:lstStyle/>
+          <a:p>
+            <a:r>
+              <a:rPr lang="en-US" sz="3200" b="1">
+                <a:solidFill>
+                  <a:srgbClr val="FFFFFF"/>
+                </a:solidFill>
+              </a:rPr>
               <a:t>User Story</a:t>
             </a:r>
-            <a:endParaRPr lang="en-US" dirty="0"/>
+            <a:endParaRPr lang="en-US" sz="3200">
+              <a:solidFill>
+                <a:srgbClr val="FFFFFF"/>
+              </a:solidFill>
+            </a:endParaRPr>
           </a:p>
         </p:txBody>
       </p:sp>
@@ -3568,16 +3971,29 @@
             <p:ph idx="1"/>
           </p:nvPr>
         </p:nvSpPr>
-        <p:spPr/>
-        <p:txBody>
-          <a:bodyPr/>
+        <p:spPr>
+          <a:xfrm>
+            <a:off x="6095999" y="1444752"/>
+            <a:ext cx="4816392" cy="3968496"/>
+          </a:xfrm>
+        </p:spPr>
+        <p:txBody>
+          <a:bodyPr anchor="ctr">
+            <a:normAutofit/>
+          </a:bodyPr>
           <a:lstStyle/>
           <a:p>
             <a:pPr marL="0" indent="0">
               <a:buNone/>
             </a:pPr>
             <a:r>
-              <a:rPr lang="en-US" b="0" i="0" dirty="0">
+              <a:rPr lang="en-US" b="0" i="0">
+                <a:solidFill>
+                  <a:schemeClr val="tx1">
+                    <a:lumMod val="75000"/>
+                    <a:lumOff val="25000"/>
+                  </a:schemeClr>
+                </a:solidFill>
                 <a:effectLst/>
                 <a:latin typeface="Slack-Lato"/>
               </a:rPr>
@@ -3585,7 +4001,14 @@
             </a:r>
           </a:p>
           <a:p>
-            <a:endParaRPr lang="en-US" dirty="0"/>
+            <a:endParaRPr lang="en-US">
+              <a:solidFill>
+                <a:schemeClr val="tx1">
+                  <a:lumMod val="75000"/>
+                  <a:lumOff val="25000"/>
+                </a:schemeClr>
+              </a:solidFill>
+            </a:endParaRPr>
           </a:p>
         </p:txBody>
       </p:sp>
@@ -3605,6 +4028,14 @@
 <file path=ppt/slides/slide4.xml><?xml version="1.0" encoding="utf-8"?>
 <p:sld xmlns:a="http://schemas.openxmlformats.org/drawingml/2006/main" xmlns:r="http://schemas.openxmlformats.org/officeDocument/2006/relationships" xmlns:p="http://schemas.openxmlformats.org/presentationml/2006/main">
   <p:cSld>
+    <p:bg>
+      <p:bgPr>
+        <a:solidFill>
+          <a:schemeClr val="bg1"/>
+        </a:solidFill>
+        <a:effectLst/>
+      </p:bgPr>
+    </p:bg>
     <p:spTree>
       <p:nvGrpSpPr>
         <p:cNvPr id="1" name=""/>
@@ -3621,6 +4052,196 @@
       </p:grpSpPr>
       <p:sp>
         <p:nvSpPr>
+          <p:cNvPr id="8" name="Rectangle 7">
+            <a:extLst>
+              <a:ext uri="{FF2B5EF4-FFF2-40B4-BE49-F238E27FC236}">
+                <a16:creationId xmlns:a16="http://schemas.microsoft.com/office/drawing/2014/main" id="{C33976D1-3430-450C-A978-87A9A6E8E71F}"/>
+              </a:ext>
+              <a:ext uri="{C183D7F6-B498-43B3-948B-1728B52AA6E4}">
+                <adec:decorative xmlns:adec="http://schemas.microsoft.com/office/drawing/2017/decorative" val="1"/>
+              </a:ext>
+            </a:extLst>
+          </p:cNvPr>
+          <p:cNvSpPr>
+            <a:spLocks noGrp="1" noRot="1" noChangeAspect="1" noMove="1" noResize="1" noEditPoints="1" noAdjustHandles="1" noChangeArrowheads="1" noChangeShapeType="1" noTextEdit="1"/>
+          </p:cNvSpPr>
+          <p:nvPr>
+            <p:extLst>
+              <p:ext uri="{386F3935-93C4-4BCD-93E2-E3B085C9AB24}">
+                <p16:designElem xmlns:p16="http://schemas.microsoft.com/office/powerpoint/2015/main" val="1"/>
+              </p:ext>
+            </p:extLst>
+          </p:nvPr>
+        </p:nvSpPr>
+        <p:spPr>
+          <a:xfrm>
+            <a:off x="0" y="0"/>
+            <a:ext cx="12192000" cy="6858000"/>
+          </a:xfrm>
+          <a:prstGeom prst="rect">
+            <a:avLst/>
+          </a:prstGeom>
+          <a:solidFill>
+            <a:schemeClr val="accent2"/>
+          </a:solidFill>
+          <a:ln>
+            <a:noFill/>
+          </a:ln>
+        </p:spPr>
+        <p:style>
+          <a:lnRef idx="2">
+            <a:schemeClr val="accent1">
+              <a:shade val="50000"/>
+            </a:schemeClr>
+          </a:lnRef>
+          <a:fillRef idx="1">
+            <a:schemeClr val="accent1"/>
+          </a:fillRef>
+          <a:effectRef idx="0">
+            <a:schemeClr val="accent1"/>
+          </a:effectRef>
+          <a:fontRef idx="minor">
+            <a:schemeClr val="lt1"/>
+          </a:fontRef>
+        </p:style>
+        <p:txBody>
+          <a:bodyPr rtlCol="0" anchor="ctr"/>
+          <a:lstStyle/>
+          <a:p>
+            <a:pPr algn="ctr"/>
+            <a:endParaRPr lang="en-US"/>
+          </a:p>
+        </p:txBody>
+      </p:sp>
+      <p:sp>
+        <p:nvSpPr>
+          <p:cNvPr id="10" name="Rectangle 9">
+            <a:extLst>
+              <a:ext uri="{FF2B5EF4-FFF2-40B4-BE49-F238E27FC236}">
+                <a16:creationId xmlns:a16="http://schemas.microsoft.com/office/drawing/2014/main" id="{7D6AAC78-7D86-415A-ADC1-2B474807960C}"/>
+              </a:ext>
+              <a:ext uri="{C183D7F6-B498-43B3-948B-1728B52AA6E4}">
+                <adec:decorative xmlns:adec="http://schemas.microsoft.com/office/drawing/2017/decorative" val="1"/>
+              </a:ext>
+            </a:extLst>
+          </p:cNvPr>
+          <p:cNvSpPr>
+            <a:spLocks noGrp="1" noRot="1" noChangeAspect="1" noMove="1" noResize="1" noEditPoints="1" noAdjustHandles="1" noChangeArrowheads="1" noChangeShapeType="1" noTextEdit="1"/>
+          </p:cNvSpPr>
+          <p:nvPr>
+            <p:extLst>
+              <p:ext uri="{386F3935-93C4-4BCD-93E2-E3B085C9AB24}">
+                <p16:designElem xmlns:p16="http://schemas.microsoft.com/office/powerpoint/2015/main" val="1"/>
+              </p:ext>
+            </p:extLst>
+          </p:nvPr>
+        </p:nvSpPr>
+        <p:spPr>
+          <a:xfrm>
+            <a:off x="1249680" y="1248156"/>
+            <a:ext cx="9692640" cy="4361688"/>
+          </a:xfrm>
+          <a:prstGeom prst="rect">
+            <a:avLst/>
+          </a:prstGeom>
+          <a:solidFill>
+            <a:srgbClr val="FFFFFF"/>
+          </a:solidFill>
+          <a:ln>
+            <a:noFill/>
+          </a:ln>
+        </p:spPr>
+        <p:style>
+          <a:lnRef idx="2">
+            <a:schemeClr val="accent1">
+              <a:shade val="50000"/>
+            </a:schemeClr>
+          </a:lnRef>
+          <a:fillRef idx="1">
+            <a:schemeClr val="accent1"/>
+          </a:fillRef>
+          <a:effectRef idx="0">
+            <a:schemeClr val="accent1"/>
+          </a:effectRef>
+          <a:fontRef idx="minor">
+            <a:schemeClr val="lt1"/>
+          </a:fontRef>
+        </p:style>
+        <p:txBody>
+          <a:bodyPr rtlCol="0" anchor="ctr"/>
+          <a:lstStyle/>
+          <a:p>
+            <a:pPr algn="ctr"/>
+            <a:endParaRPr lang="en-US"/>
+          </a:p>
+        </p:txBody>
+      </p:sp>
+      <p:sp>
+        <p:nvSpPr>
+          <p:cNvPr id="12" name="Rectangle 11">
+            <a:extLst>
+              <a:ext uri="{FF2B5EF4-FFF2-40B4-BE49-F238E27FC236}">
+                <a16:creationId xmlns:a16="http://schemas.microsoft.com/office/drawing/2014/main" id="{F2A658D9-F185-44F1-BA33-D50320D1D078}"/>
+              </a:ext>
+              <a:ext uri="{C183D7F6-B498-43B3-948B-1728B52AA6E4}">
+                <adec:decorative xmlns:adec="http://schemas.microsoft.com/office/drawing/2017/decorative" val="1"/>
+              </a:ext>
+            </a:extLst>
+          </p:cNvPr>
+          <p:cNvSpPr>
+            <a:spLocks noGrp="1" noRot="1" noChangeAspect="1" noMove="1" noResize="1" noEditPoints="1" noAdjustHandles="1" noChangeArrowheads="1" noChangeShapeType="1" noTextEdit="1"/>
+          </p:cNvSpPr>
+          <p:nvPr>
+            <p:extLst>
+              <p:ext uri="{386F3935-93C4-4BCD-93E2-E3B085C9AB24}">
+                <p16:designElem xmlns:p16="http://schemas.microsoft.com/office/powerpoint/2015/main" val="1"/>
+              </p:ext>
+            </p:extLst>
+          </p:nvPr>
+        </p:nvSpPr>
+        <p:spPr>
+          <a:xfrm>
+            <a:off x="1062228" y="1060704"/>
+            <a:ext cx="10067544" cy="4736592"/>
+          </a:xfrm>
+          <a:prstGeom prst="rect">
+            <a:avLst/>
+          </a:prstGeom>
+          <a:noFill/>
+          <a:ln w="31750" cap="sq">
+            <a:solidFill>
+              <a:srgbClr val="FFFFFF"/>
+            </a:solidFill>
+            <a:miter lim="800000"/>
+          </a:ln>
+        </p:spPr>
+        <p:style>
+          <a:lnRef idx="2">
+            <a:schemeClr val="accent1">
+              <a:shade val="50000"/>
+            </a:schemeClr>
+          </a:lnRef>
+          <a:fillRef idx="1">
+            <a:schemeClr val="accent1"/>
+          </a:fillRef>
+          <a:effectRef idx="0">
+            <a:schemeClr val="accent1"/>
+          </a:effectRef>
+          <a:fontRef idx="minor">
+            <a:schemeClr val="lt1"/>
+          </a:fontRef>
+        </p:style>
+        <p:txBody>
+          <a:bodyPr rtlCol="0" anchor="ctr"/>
+          <a:lstStyle/>
+          <a:p>
+            <a:pPr algn="ctr"/>
+            <a:endParaRPr lang="en-US"/>
+          </a:p>
+        </p:txBody>
+      </p:sp>
+      <p:sp>
+        <p:nvSpPr>
           <p:cNvPr id="2" name="Title 1">
             <a:extLst>
               <a:ext uri="{FF2B5EF4-FFF2-40B4-BE49-F238E27FC236}">
@@ -3635,9 +4256,19 @@
             <p:ph type="title"/>
           </p:nvPr>
         </p:nvSpPr>
-        <p:spPr/>
-        <p:txBody>
-          <a:bodyPr/>
+        <p:spPr>
+          <a:xfrm>
+            <a:off x="2231136" y="467418"/>
+            <a:ext cx="7729728" cy="1188720"/>
+          </a:xfrm>
+          <a:solidFill>
+            <a:srgbClr val="FFFFFF"/>
+          </a:solidFill>
+        </p:spPr>
+        <p:txBody>
+          <a:bodyPr>
+            <a:normAutofit/>
+          </a:bodyPr>
           <a:lstStyle/>
           <a:p>
             <a:r>
@@ -3663,65 +4294,124 @@
             <p:ph idx="1"/>
           </p:nvPr>
         </p:nvSpPr>
-        <p:spPr/>
-        <p:txBody>
-          <a:bodyPr/>
-          <a:lstStyle/>
-          <a:p>
-            <a:r>
-              <a:rPr lang="en-US" dirty="0"/>
+        <p:spPr>
+          <a:xfrm>
+            <a:off x="1706062" y="2291262"/>
+            <a:ext cx="8779512" cy="2879256"/>
+          </a:xfrm>
+        </p:spPr>
+        <p:txBody>
+          <a:bodyPr>
+            <a:normAutofit/>
+          </a:bodyPr>
+          <a:lstStyle/>
+          <a:p>
+            <a:r>
+              <a:rPr lang="en-US" sz="2800" dirty="0">
+                <a:solidFill>
+                  <a:srgbClr val="404040"/>
+                </a:solidFill>
+              </a:rPr>
               <a:t>Technologies: JS, </a:t>
             </a:r>
             <a:r>
-              <a:rPr lang="en-US" dirty="0" err="1"/>
+              <a:rPr lang="en-US" sz="2800" dirty="0" err="1">
+                <a:solidFill>
+                  <a:srgbClr val="404040"/>
+                </a:solidFill>
+              </a:rPr>
               <a:t>Jquery</a:t>
             </a:r>
             <a:r>
-              <a:rPr lang="en-US" dirty="0"/>
+              <a:rPr lang="en-US" sz="2800" dirty="0">
+                <a:solidFill>
+                  <a:srgbClr val="404040"/>
+                </a:solidFill>
+              </a:rPr>
               <a:t>, </a:t>
             </a:r>
             <a:r>
-              <a:rPr lang="en-US" dirty="0" err="1"/>
+              <a:rPr lang="en-US" sz="2800" dirty="0" err="1">
+                <a:solidFill>
+                  <a:srgbClr val="404040"/>
+                </a:solidFill>
+              </a:rPr>
               <a:t>Bulma</a:t>
             </a:r>
             <a:r>
-              <a:rPr lang="en-US" dirty="0"/>
+              <a:rPr lang="en-US" sz="2800" dirty="0">
+                <a:solidFill>
+                  <a:srgbClr val="404040"/>
+                </a:solidFill>
+              </a:rPr>
               <a:t>, </a:t>
             </a:r>
             <a:r>
-              <a:rPr lang="en-US" dirty="0" err="1"/>
+              <a:rPr lang="en-US" sz="2800" dirty="0" err="1">
+                <a:solidFill>
+                  <a:srgbClr val="404040"/>
+                </a:solidFill>
+              </a:rPr>
               <a:t>evilInsult</a:t>
             </a:r>
             <a:r>
-              <a:rPr lang="en-US" dirty="0"/>
+              <a:rPr lang="en-US" sz="2800" dirty="0">
+                <a:solidFill>
+                  <a:srgbClr val="404040"/>
+                </a:solidFill>
+              </a:rPr>
               <a:t> API, </a:t>
             </a:r>
             <a:r>
-              <a:rPr lang="en-US" dirty="0" err="1"/>
+              <a:rPr lang="en-US" sz="2800" dirty="0" err="1">
+                <a:solidFill>
+                  <a:srgbClr val="404040"/>
+                </a:solidFill>
+              </a:rPr>
               <a:t>Giphy</a:t>
             </a:r>
             <a:r>
-              <a:rPr lang="en-US" dirty="0"/>
+              <a:rPr lang="en-US" sz="2800" dirty="0">
+                <a:solidFill>
+                  <a:srgbClr val="404040"/>
+                </a:solidFill>
+              </a:rPr>
               <a:t> API, Covid-19 API</a:t>
             </a:r>
           </a:p>
           <a:p>
             <a:r>
-              <a:rPr lang="en-US" dirty="0"/>
+              <a:rPr lang="en-US" sz="2800" dirty="0">
+                <a:solidFill>
+                  <a:srgbClr val="404040"/>
+                </a:solidFill>
+              </a:rPr>
               <a:t>Challenges: Merging code, functionality of APIs, time</a:t>
             </a:r>
           </a:p>
           <a:p>
             <a:r>
-              <a:rPr lang="en-US" dirty="0"/>
+              <a:rPr lang="en-US" sz="2800" dirty="0">
+                <a:solidFill>
+                  <a:srgbClr val="404040"/>
+                </a:solidFill>
+              </a:rPr>
               <a:t>Successes: figured out </a:t>
             </a:r>
             <a:r>
-              <a:rPr lang="en-US" dirty="0" err="1"/>
+              <a:rPr lang="en-US" sz="2800" dirty="0" err="1">
+                <a:solidFill>
+                  <a:srgbClr val="404040"/>
+                </a:solidFill>
+              </a:rPr>
               <a:t>Giphy</a:t>
             </a:r>
             <a:r>
-              <a:rPr lang="en-US" dirty="0"/>
+              <a:rPr lang="en-US" sz="2800" dirty="0">
+                <a:solidFill>
+                  <a:srgbClr val="404040"/>
+                </a:solidFill>
+              </a:rPr>
               <a:t> API, learning how to trim down with smaller functions, pushing and pulling GitHub.</a:t>
             </a:r>
           </a:p>
@@ -3743,6 +4433,14 @@
 <file path=ppt/slides/slide5.xml><?xml version="1.0" encoding="utf-8"?>
 <p:sld xmlns:a="http://schemas.openxmlformats.org/drawingml/2006/main" xmlns:r="http://schemas.openxmlformats.org/officeDocument/2006/relationships" xmlns:p="http://schemas.openxmlformats.org/presentationml/2006/main">
   <p:cSld>
+    <p:bg>
+      <p:bgPr>
+        <a:solidFill>
+          <a:schemeClr val="bg1"/>
+        </a:solidFill>
+        <a:effectLst/>
+      </p:bgPr>
+    </p:bg>
     <p:spTree>
       <p:nvGrpSpPr>
         <p:cNvPr id="1" name=""/>
@@ -3759,6 +4457,196 @@
       </p:grpSpPr>
       <p:sp>
         <p:nvSpPr>
+          <p:cNvPr id="8" name="Rectangle 7">
+            <a:extLst>
+              <a:ext uri="{FF2B5EF4-FFF2-40B4-BE49-F238E27FC236}">
+                <a16:creationId xmlns:a16="http://schemas.microsoft.com/office/drawing/2014/main" id="{C33976D1-3430-450C-A978-87A9A6E8E71F}"/>
+              </a:ext>
+              <a:ext uri="{C183D7F6-B498-43B3-948B-1728B52AA6E4}">
+                <adec:decorative xmlns:adec="http://schemas.microsoft.com/office/drawing/2017/decorative" val="1"/>
+              </a:ext>
+            </a:extLst>
+          </p:cNvPr>
+          <p:cNvSpPr>
+            <a:spLocks noGrp="1" noRot="1" noChangeAspect="1" noMove="1" noResize="1" noEditPoints="1" noAdjustHandles="1" noChangeArrowheads="1" noChangeShapeType="1" noTextEdit="1"/>
+          </p:cNvSpPr>
+          <p:nvPr>
+            <p:extLst>
+              <p:ext uri="{386F3935-93C4-4BCD-93E2-E3B085C9AB24}">
+                <p16:designElem xmlns:p16="http://schemas.microsoft.com/office/powerpoint/2015/main" val="1"/>
+              </p:ext>
+            </p:extLst>
+          </p:nvPr>
+        </p:nvSpPr>
+        <p:spPr>
+          <a:xfrm>
+            <a:off x="0" y="0"/>
+            <a:ext cx="12192000" cy="6858000"/>
+          </a:xfrm>
+          <a:prstGeom prst="rect">
+            <a:avLst/>
+          </a:prstGeom>
+          <a:solidFill>
+            <a:schemeClr val="accent2"/>
+          </a:solidFill>
+          <a:ln>
+            <a:noFill/>
+          </a:ln>
+        </p:spPr>
+        <p:style>
+          <a:lnRef idx="2">
+            <a:schemeClr val="accent1">
+              <a:shade val="50000"/>
+            </a:schemeClr>
+          </a:lnRef>
+          <a:fillRef idx="1">
+            <a:schemeClr val="accent1"/>
+          </a:fillRef>
+          <a:effectRef idx="0">
+            <a:schemeClr val="accent1"/>
+          </a:effectRef>
+          <a:fontRef idx="minor">
+            <a:schemeClr val="lt1"/>
+          </a:fontRef>
+        </p:style>
+        <p:txBody>
+          <a:bodyPr rtlCol="0" anchor="ctr"/>
+          <a:lstStyle/>
+          <a:p>
+            <a:pPr algn="ctr"/>
+            <a:endParaRPr lang="en-US"/>
+          </a:p>
+        </p:txBody>
+      </p:sp>
+      <p:sp>
+        <p:nvSpPr>
+          <p:cNvPr id="10" name="Rectangle 9">
+            <a:extLst>
+              <a:ext uri="{FF2B5EF4-FFF2-40B4-BE49-F238E27FC236}">
+                <a16:creationId xmlns:a16="http://schemas.microsoft.com/office/drawing/2014/main" id="{7D6AAC78-7D86-415A-ADC1-2B474807960C}"/>
+              </a:ext>
+              <a:ext uri="{C183D7F6-B498-43B3-948B-1728B52AA6E4}">
+                <adec:decorative xmlns:adec="http://schemas.microsoft.com/office/drawing/2017/decorative" val="1"/>
+              </a:ext>
+            </a:extLst>
+          </p:cNvPr>
+          <p:cNvSpPr>
+            <a:spLocks noGrp="1" noRot="1" noChangeAspect="1" noMove="1" noResize="1" noEditPoints="1" noAdjustHandles="1" noChangeArrowheads="1" noChangeShapeType="1" noTextEdit="1"/>
+          </p:cNvSpPr>
+          <p:nvPr>
+            <p:extLst>
+              <p:ext uri="{386F3935-93C4-4BCD-93E2-E3B085C9AB24}">
+                <p16:designElem xmlns:p16="http://schemas.microsoft.com/office/powerpoint/2015/main" val="1"/>
+              </p:ext>
+            </p:extLst>
+          </p:nvPr>
+        </p:nvSpPr>
+        <p:spPr>
+          <a:xfrm>
+            <a:off x="1249680" y="1248156"/>
+            <a:ext cx="9692640" cy="4361688"/>
+          </a:xfrm>
+          <a:prstGeom prst="rect">
+            <a:avLst/>
+          </a:prstGeom>
+          <a:solidFill>
+            <a:srgbClr val="FFFFFF"/>
+          </a:solidFill>
+          <a:ln>
+            <a:noFill/>
+          </a:ln>
+        </p:spPr>
+        <p:style>
+          <a:lnRef idx="2">
+            <a:schemeClr val="accent1">
+              <a:shade val="50000"/>
+            </a:schemeClr>
+          </a:lnRef>
+          <a:fillRef idx="1">
+            <a:schemeClr val="accent1"/>
+          </a:fillRef>
+          <a:effectRef idx="0">
+            <a:schemeClr val="accent1"/>
+          </a:effectRef>
+          <a:fontRef idx="minor">
+            <a:schemeClr val="lt1"/>
+          </a:fontRef>
+        </p:style>
+        <p:txBody>
+          <a:bodyPr rtlCol="0" anchor="ctr"/>
+          <a:lstStyle/>
+          <a:p>
+            <a:pPr algn="ctr"/>
+            <a:endParaRPr lang="en-US"/>
+          </a:p>
+        </p:txBody>
+      </p:sp>
+      <p:sp>
+        <p:nvSpPr>
+          <p:cNvPr id="12" name="Rectangle 11">
+            <a:extLst>
+              <a:ext uri="{FF2B5EF4-FFF2-40B4-BE49-F238E27FC236}">
+                <a16:creationId xmlns:a16="http://schemas.microsoft.com/office/drawing/2014/main" id="{F2A658D9-F185-44F1-BA33-D50320D1D078}"/>
+              </a:ext>
+              <a:ext uri="{C183D7F6-B498-43B3-948B-1728B52AA6E4}">
+                <adec:decorative xmlns:adec="http://schemas.microsoft.com/office/drawing/2017/decorative" val="1"/>
+              </a:ext>
+            </a:extLst>
+          </p:cNvPr>
+          <p:cNvSpPr>
+            <a:spLocks noGrp="1" noRot="1" noChangeAspect="1" noMove="1" noResize="1" noEditPoints="1" noAdjustHandles="1" noChangeArrowheads="1" noChangeShapeType="1" noTextEdit="1"/>
+          </p:cNvSpPr>
+          <p:nvPr>
+            <p:extLst>
+              <p:ext uri="{386F3935-93C4-4BCD-93E2-E3B085C9AB24}">
+                <p16:designElem xmlns:p16="http://schemas.microsoft.com/office/powerpoint/2015/main" val="1"/>
+              </p:ext>
+            </p:extLst>
+          </p:nvPr>
+        </p:nvSpPr>
+        <p:spPr>
+          <a:xfrm>
+            <a:off x="1062228" y="1060704"/>
+            <a:ext cx="10067544" cy="4736592"/>
+          </a:xfrm>
+          <a:prstGeom prst="rect">
+            <a:avLst/>
+          </a:prstGeom>
+          <a:noFill/>
+          <a:ln w="31750" cap="sq">
+            <a:solidFill>
+              <a:srgbClr val="FFFFFF"/>
+            </a:solidFill>
+            <a:miter lim="800000"/>
+          </a:ln>
+        </p:spPr>
+        <p:style>
+          <a:lnRef idx="2">
+            <a:schemeClr val="accent1">
+              <a:shade val="50000"/>
+            </a:schemeClr>
+          </a:lnRef>
+          <a:fillRef idx="1">
+            <a:schemeClr val="accent1"/>
+          </a:fillRef>
+          <a:effectRef idx="0">
+            <a:schemeClr val="accent1"/>
+          </a:effectRef>
+          <a:fontRef idx="minor">
+            <a:schemeClr val="lt1"/>
+          </a:fontRef>
+        </p:style>
+        <p:txBody>
+          <a:bodyPr rtlCol="0" anchor="ctr"/>
+          <a:lstStyle/>
+          <a:p>
+            <a:pPr algn="ctr"/>
+            <a:endParaRPr lang="en-US"/>
+          </a:p>
+        </p:txBody>
+      </p:sp>
+      <p:sp>
+        <p:nvSpPr>
           <p:cNvPr id="2" name="Title 1">
             <a:extLst>
               <a:ext uri="{FF2B5EF4-FFF2-40B4-BE49-F238E27FC236}">
@@ -3773,9 +4661,19 @@
             <p:ph type="title"/>
           </p:nvPr>
         </p:nvSpPr>
-        <p:spPr/>
-        <p:txBody>
-          <a:bodyPr/>
+        <p:spPr>
+          <a:xfrm>
+            <a:off x="2231136" y="467418"/>
+            <a:ext cx="7729728" cy="1188720"/>
+          </a:xfrm>
+          <a:solidFill>
+            <a:srgbClr val="FFFFFF"/>
+          </a:solidFill>
+        </p:spPr>
+        <p:txBody>
+          <a:bodyPr>
+            <a:normAutofit/>
+          </a:bodyPr>
           <a:lstStyle/>
           <a:p>
             <a:r>
@@ -3801,16 +4699,27 @@
             <p:ph idx="1"/>
           </p:nvPr>
         </p:nvSpPr>
-        <p:spPr/>
-        <p:txBody>
-          <a:bodyPr/>
+        <p:spPr>
+          <a:xfrm>
+            <a:off x="1706062" y="2291262"/>
+            <a:ext cx="8779512" cy="2879256"/>
+          </a:xfrm>
+        </p:spPr>
+        <p:txBody>
+          <a:bodyPr>
+            <a:normAutofit/>
+          </a:bodyPr>
           <a:lstStyle/>
           <a:p>
             <a:pPr marL="0" indent="0">
               <a:buNone/>
             </a:pPr>
             <a:r>
-              <a:rPr lang="en-US" dirty="0"/>
+              <a:rPr lang="en-US" sz="2400" dirty="0">
+                <a:solidFill>
+                  <a:srgbClr val="404040"/>
+                </a:solidFill>
+              </a:rPr>
               <a:t>As a group, we wanted to utilize the coding skills we have learned so far while both making and having as much fun as possible. The concept of a text based interactive game was largely inspired from the ‘Choose Your Own Adventure’ books and ‘Telltale Games.’</a:t>
             </a:r>
           </a:p>
@@ -3819,8 +4728,12 @@
               <a:buNone/>
             </a:pPr>
             <a:r>
-              <a:rPr lang="en-US" dirty="0"/>
-              <a:t>The concept of making the game about the 2020 pandemic was inspired by current circumstance </a:t>
+              <a:rPr lang="en-US" sz="2400" dirty="0">
+                <a:solidFill>
+                  <a:srgbClr val="404040"/>
+                </a:solidFill>
+              </a:rPr>
+              <a:t>The concept of making the game about the 2020 pandemic was inspired by current circumstance.</a:t>
             </a:r>
           </a:p>
         </p:txBody>
@@ -3841,6 +4754,16 @@
 <file path=ppt/slides/slide6.xml><?xml version="1.0" encoding="utf-8"?>
 <p:sld xmlns:a="http://schemas.openxmlformats.org/drawingml/2006/main" xmlns:r="http://schemas.openxmlformats.org/officeDocument/2006/relationships" xmlns:p="http://schemas.openxmlformats.org/presentationml/2006/main">
   <p:cSld>
+    <p:bg>
+      <p:bgPr>
+        <a:solidFill>
+          <a:schemeClr val="bg1">
+            <a:lumMod val="95000"/>
+          </a:schemeClr>
+        </a:solidFill>
+        <a:effectLst/>
+      </p:bgPr>
+    </p:bg>
     <p:spTree>
       <p:nvGrpSpPr>
         <p:cNvPr id="1" name=""/>
@@ -3857,10 +4780,137 @@
       </p:grpSpPr>
       <p:sp>
         <p:nvSpPr>
+          <p:cNvPr id="8" name="Rectangle 7">
+            <a:extLst>
+              <a:ext uri="{FF2B5EF4-FFF2-40B4-BE49-F238E27FC236}">
+                <a16:creationId xmlns:a16="http://schemas.microsoft.com/office/drawing/2014/main" id="{BC3E1C3D-633C-4756-B09B-9AD080714C9F}"/>
+              </a:ext>
+              <a:ext uri="{C183D7F6-B498-43B3-948B-1728B52AA6E4}">
+                <adec:decorative xmlns:adec="http://schemas.microsoft.com/office/drawing/2017/decorative" val="1"/>
+              </a:ext>
+            </a:extLst>
+          </p:cNvPr>
+          <p:cNvSpPr>
+            <a:spLocks noGrp="1" noRot="1" noChangeAspect="1" noMove="1" noResize="1" noEditPoints="1" noAdjustHandles="1" noChangeArrowheads="1" noChangeShapeType="1" noTextEdit="1"/>
+          </p:cNvSpPr>
+          <p:nvPr>
+            <p:extLst>
+              <p:ext uri="{386F3935-93C4-4BCD-93E2-E3B085C9AB24}">
+                <p16:designElem xmlns:p16="http://schemas.microsoft.com/office/powerpoint/2015/main" val="1"/>
+              </p:ext>
+            </p:extLst>
+          </p:nvPr>
+        </p:nvSpPr>
+        <p:spPr>
+          <a:xfrm>
+            <a:off x="636668" y="640080"/>
+            <a:ext cx="10915252" cy="5263134"/>
+          </a:xfrm>
+          <a:prstGeom prst="rect">
+            <a:avLst/>
+          </a:prstGeom>
+          <a:noFill/>
+          <a:ln w="31750" cap="sq">
+            <a:solidFill>
+              <a:schemeClr val="accent2"/>
+            </a:solidFill>
+            <a:miter lim="800000"/>
+          </a:ln>
+        </p:spPr>
+        <p:style>
+          <a:lnRef idx="2">
+            <a:schemeClr val="accent1">
+              <a:shade val="50000"/>
+            </a:schemeClr>
+          </a:lnRef>
+          <a:fillRef idx="1">
+            <a:schemeClr val="accent1"/>
+          </a:fillRef>
+          <a:effectRef idx="0">
+            <a:schemeClr val="accent1"/>
+          </a:effectRef>
+          <a:fontRef idx="minor">
+            <a:schemeClr val="lt1"/>
+          </a:fontRef>
+        </p:style>
+        <p:txBody>
+          <a:bodyPr rtlCol="0" anchor="ctr"/>
+          <a:lstStyle/>
+          <a:p>
+            <a:pPr algn="ctr"/>
+            <a:endParaRPr lang="en-US" dirty="0"/>
+          </a:p>
+        </p:txBody>
+      </p:sp>
+      <p:sp>
+        <p:nvSpPr>
+          <p:cNvPr id="10" name="Rectangle 9">
+            <a:extLst>
+              <a:ext uri="{FF2B5EF4-FFF2-40B4-BE49-F238E27FC236}">
+                <a16:creationId xmlns:a16="http://schemas.microsoft.com/office/drawing/2014/main" id="{1295DAF8-54BC-4834-A4B1-7DD2F7AFE5A3}"/>
+              </a:ext>
+              <a:ext uri="{C183D7F6-B498-43B3-948B-1728B52AA6E4}">
+                <adec:decorative xmlns:adec="http://schemas.microsoft.com/office/drawing/2017/decorative" val="1"/>
+              </a:ext>
+            </a:extLst>
+          </p:cNvPr>
+          <p:cNvSpPr>
+            <a:spLocks noGrp="1" noRot="1" noChangeAspect="1" noMove="1" noResize="1" noEditPoints="1" noAdjustHandles="1" noChangeArrowheads="1" noChangeShapeType="1" noTextEdit="1"/>
+          </p:cNvSpPr>
+          <p:nvPr>
+            <p:extLst>
+              <p:ext uri="{386F3935-93C4-4BCD-93E2-E3B085C9AB24}">
+                <p16:designElem xmlns:p16="http://schemas.microsoft.com/office/powerpoint/2015/main" val="1"/>
+              </p:ext>
+            </p:extLst>
+          </p:nvPr>
+        </p:nvSpPr>
+        <p:spPr>
+          <a:xfrm>
+            <a:off x="801520" y="802767"/>
+            <a:ext cx="10585166" cy="4937760"/>
+          </a:xfrm>
+          <a:prstGeom prst="rect">
+            <a:avLst/>
+          </a:prstGeom>
+          <a:solidFill>
+            <a:schemeClr val="accent2"/>
+          </a:solidFill>
+          <a:ln>
+            <a:noFill/>
+          </a:ln>
+        </p:spPr>
+        <p:style>
+          <a:lnRef idx="2">
+            <a:schemeClr val="accent1">
+              <a:shade val="50000"/>
+            </a:schemeClr>
+          </a:lnRef>
+          <a:fillRef idx="1">
+            <a:schemeClr val="accent1"/>
+          </a:fillRef>
+          <a:effectRef idx="0">
+            <a:schemeClr val="accent1"/>
+          </a:effectRef>
+          <a:fontRef idx="minor">
+            <a:schemeClr val="lt1"/>
+          </a:fontRef>
+        </p:style>
+        <p:txBody>
+          <a:bodyPr rtlCol="0" anchor="ctr"/>
+          <a:lstStyle/>
+          <a:p>
+            <a:pPr algn="ctr"/>
+            <a:endParaRPr lang="en-US"/>
+          </a:p>
+        </p:txBody>
+      </p:sp>
+      <p:sp>
+        <p:nvSpPr>
           <p:cNvPr id="2" name="Title 1">
             <a:extLst>
               <a:ext uri="{FF2B5EF4-FFF2-40B4-BE49-F238E27FC236}">
-                <a16:creationId xmlns:a16="http://schemas.microsoft.com/office/drawing/2014/main" id="{46E88649-E3B2-4B59-9E0E-79F7227B5ED6}"/>
+                <a16:creationId xmlns:a16="http://schemas.microsoft.com/office/drawing/2014/main" id="{20474F9E-E64B-44D3-B215-7128FB9DD268}"/>
               </a:ext>
             </a:extLst>
           </p:cNvPr>
@@ -3871,107 +4921,76 @@
             <p:ph type="title"/>
           </p:nvPr>
         </p:nvSpPr>
-        <p:spPr/>
-        <p:txBody>
-          <a:bodyPr/>
-          <a:lstStyle/>
-          <a:p>
-            <a:r>
-              <a:rPr lang="en-US" b="1" dirty="0"/>
-              <a:t>Future Development</a:t>
-            </a:r>
-          </a:p>
-        </p:txBody>
-      </p:sp>
-      <p:sp>
-        <p:nvSpPr>
-          <p:cNvPr id="3" name="Content Placeholder 2">
+        <p:spPr>
+          <a:xfrm>
+            <a:off x="1120624" y="1122807"/>
+            <a:ext cx="9954443" cy="4297680"/>
+          </a:xfrm>
+          <a:noFill/>
+          <a:ln>
+            <a:noFill/>
+          </a:ln>
+        </p:spPr>
+        <p:txBody>
+          <a:bodyPr vert="horz" lIns="182880" tIns="182880" rIns="182880" bIns="182880" rtlCol="0" anchor="ctr">
+            <a:normAutofit/>
+          </a:bodyPr>
+          <a:lstStyle/>
+          <a:p>
+            <a:r>
+              <a:rPr lang="en-US" sz="6000" kern="1200" cap="all" spc="200" baseline="0" dirty="0">
+                <a:solidFill>
+                  <a:srgbClr val="FFFFFF"/>
+                </a:solidFill>
+                <a:latin typeface="+mj-lt"/>
+                <a:ea typeface="+mj-ea"/>
+                <a:cs typeface="+mj-cs"/>
+              </a:rPr>
+              <a:t>Demo</a:t>
+            </a:r>
+          </a:p>
+        </p:txBody>
+      </p:sp>
+      <p:sp>
+        <p:nvSpPr>
+          <p:cNvPr id="7" name="TextBox 6">
             <a:extLst>
               <a:ext uri="{FF2B5EF4-FFF2-40B4-BE49-F238E27FC236}">
-                <a16:creationId xmlns:a16="http://schemas.microsoft.com/office/drawing/2014/main" id="{2BE78393-6136-4930-934D-7D54686CE1B4}"/>
+                <a16:creationId xmlns:a16="http://schemas.microsoft.com/office/drawing/2014/main" id="{FF1DAD0D-BD97-4821-A02D-D34814F1AF65}"/>
               </a:ext>
             </a:extLst>
           </p:cNvPr>
-          <p:cNvSpPr>
-            <a:spLocks noGrp="1"/>
-          </p:cNvSpPr>
-          <p:nvPr>
-            <p:ph idx="1"/>
-          </p:nvPr>
-        </p:nvSpPr>
-        <p:spPr/>
-        <p:txBody>
-          <a:bodyPr/>
-          <a:lstStyle/>
-          <a:p>
-            <a:r>
-              <a:rPr lang="en-US" b="0" i="0" dirty="0">
-                <a:effectLst/>
-                <a:latin typeface="Slack-Lato"/>
-              </a:rPr>
-              <a:t>Would like to incorporate advance battle mechanics</a:t>
-            </a:r>
-          </a:p>
-          <a:p>
-            <a:r>
-              <a:rPr lang="en-US" dirty="0">
-                <a:latin typeface="Slack-Lato"/>
-              </a:rPr>
-              <a:t>A</a:t>
-            </a:r>
-            <a:r>
-              <a:rPr lang="en-US" b="0" i="0" dirty="0">
-                <a:effectLst/>
-                <a:latin typeface="Slack-Lato"/>
-              </a:rPr>
-              <a:t>n extended story</a:t>
-            </a:r>
-          </a:p>
-          <a:p>
-            <a:r>
-              <a:rPr lang="en-US" dirty="0">
-                <a:latin typeface="Slack-Lato"/>
-              </a:rPr>
-              <a:t>S</a:t>
-            </a:r>
-            <a:r>
-              <a:rPr lang="en-US" b="0" i="0" dirty="0">
-                <a:effectLst/>
-                <a:latin typeface="Slack-Lato"/>
-              </a:rPr>
-              <a:t>ound effects and music</a:t>
-            </a:r>
-          </a:p>
-          <a:p>
-            <a:r>
-              <a:rPr lang="en-US" b="0" i="0" dirty="0">
-                <a:effectLst/>
-                <a:latin typeface="Slack-Lato"/>
-              </a:rPr>
-              <a:t>Improved scoring</a:t>
-            </a:r>
-          </a:p>
-          <a:p>
-            <a:r>
-              <a:rPr lang="en-US" dirty="0">
-                <a:latin typeface="Slack-Lato"/>
-              </a:rPr>
-              <a:t>General style and aesthetic changes</a:t>
-            </a:r>
-            <a:endParaRPr lang="en-US" b="0" i="0" dirty="0">
-              <a:effectLst/>
-              <a:latin typeface="Slack-Lato"/>
-            </a:endParaRPr>
-          </a:p>
-          <a:p>
-            <a:endParaRPr lang="en-US" dirty="0"/>
+          <p:cNvSpPr txBox="1"/>
+          <p:nvPr/>
+        </p:nvSpPr>
+        <p:spPr>
+          <a:xfrm>
+            <a:off x="3046103" y="4066266"/>
+            <a:ext cx="6096000" cy="369332"/>
+          </a:xfrm>
+          <a:prstGeom prst="rect">
+            <a:avLst/>
+          </a:prstGeom>
+          <a:noFill/>
+        </p:spPr>
+        <p:txBody>
+          <a:bodyPr wrap="square">
+            <a:spAutoFit/>
+          </a:bodyPr>
+          <a:lstStyle/>
+          <a:p>
+            <a:pPr algn="ctr"/>
+            <a:r>
+              <a:rPr lang="en-US" dirty="0"/>
+              <a:t>https://mattmoe1.github.io/Survive-2020/</a:t>
+            </a:r>
           </a:p>
         </p:txBody>
       </p:sp>
     </p:spTree>
     <p:extLst>
       <p:ext uri="{BB962C8B-B14F-4D97-AF65-F5344CB8AC3E}">
-        <p14:creationId xmlns:p14="http://schemas.microsoft.com/office/powerpoint/2010/main" val="1104817776"/>
+        <p14:creationId xmlns:p14="http://schemas.microsoft.com/office/powerpoint/2010/main" val="2515070761"/>
       </p:ext>
     </p:extLst>
   </p:cSld>
@@ -3982,6 +5001,342 @@
 </file>
 
 <file path=ppt/slides/slide7.xml><?xml version="1.0" encoding="utf-8"?>
+<p:sld xmlns:a="http://schemas.openxmlformats.org/drawingml/2006/main" xmlns:r="http://schemas.openxmlformats.org/officeDocument/2006/relationships" xmlns:p="http://schemas.openxmlformats.org/presentationml/2006/main">
+  <p:cSld>
+    <p:bg>
+      <p:bgPr>
+        <a:solidFill>
+          <a:schemeClr val="bg2">
+            <a:tint val="95000"/>
+            <a:satMod val="170000"/>
+          </a:schemeClr>
+        </a:solidFill>
+        <a:effectLst/>
+      </p:bgPr>
+    </p:bg>
+    <p:spTree>
+      <p:nvGrpSpPr>
+        <p:cNvPr id="1" name=""/>
+        <p:cNvGrpSpPr/>
+        <p:nvPr/>
+      </p:nvGrpSpPr>
+      <p:grpSpPr>
+        <a:xfrm>
+          <a:off x="0" y="0"/>
+          <a:ext cx="0" cy="0"/>
+          <a:chOff x="0" y="0"/>
+          <a:chExt cx="0" cy="0"/>
+        </a:xfrm>
+      </p:grpSpPr>
+      <p:sp>
+        <p:nvSpPr>
+          <p:cNvPr id="8" name="Rectangle 7">
+            <a:extLst>
+              <a:ext uri="{FF2B5EF4-FFF2-40B4-BE49-F238E27FC236}">
+                <a16:creationId xmlns:a16="http://schemas.microsoft.com/office/drawing/2014/main" id="{E560C344-B70C-4892-A50B-18A14E39E843}"/>
+              </a:ext>
+              <a:ext uri="{C183D7F6-B498-43B3-948B-1728B52AA6E4}">
+                <adec:decorative xmlns:adec="http://schemas.microsoft.com/office/drawing/2017/decorative" val="1"/>
+              </a:ext>
+            </a:extLst>
+          </p:cNvPr>
+          <p:cNvSpPr>
+            <a:spLocks noGrp="1" noRot="1" noChangeAspect="1" noMove="1" noResize="1" noEditPoints="1" noAdjustHandles="1" noChangeArrowheads="1" noChangeShapeType="1" noTextEdit="1"/>
+          </p:cNvSpPr>
+          <p:nvPr>
+            <p:extLst>
+              <p:ext uri="{386F3935-93C4-4BCD-93E2-E3B085C9AB24}">
+                <p16:designElem xmlns:p16="http://schemas.microsoft.com/office/powerpoint/2015/main" val="1"/>
+              </p:ext>
+            </p:extLst>
+          </p:nvPr>
+        </p:nvSpPr>
+        <p:spPr>
+          <a:xfrm>
+            <a:off x="0" y="0"/>
+            <a:ext cx="1453478" cy="6858000"/>
+          </a:xfrm>
+          <a:prstGeom prst="rect">
+            <a:avLst/>
+          </a:prstGeom>
+          <a:solidFill>
+            <a:schemeClr val="accent2">
+              <a:lumMod val="60000"/>
+              <a:lumOff val="40000"/>
+              <a:alpha val="50000"/>
+            </a:schemeClr>
+          </a:solidFill>
+          <a:ln>
+            <a:noFill/>
+          </a:ln>
+        </p:spPr>
+        <p:style>
+          <a:lnRef idx="2">
+            <a:schemeClr val="accent1">
+              <a:shade val="50000"/>
+            </a:schemeClr>
+          </a:lnRef>
+          <a:fillRef idx="1">
+            <a:schemeClr val="accent1"/>
+          </a:fillRef>
+          <a:effectRef idx="0">
+            <a:schemeClr val="accent1"/>
+          </a:effectRef>
+          <a:fontRef idx="minor">
+            <a:schemeClr val="lt1"/>
+          </a:fontRef>
+        </p:style>
+        <p:txBody>
+          <a:bodyPr rtlCol="0" anchor="ctr"/>
+          <a:lstStyle/>
+          <a:p>
+            <a:pPr algn="ctr"/>
+            <a:endParaRPr lang="en-US"/>
+          </a:p>
+        </p:txBody>
+      </p:sp>
+      <p:sp>
+        <p:nvSpPr>
+          <p:cNvPr id="10" name="Rectangle 9">
+            <a:extLst>
+              <a:ext uri="{FF2B5EF4-FFF2-40B4-BE49-F238E27FC236}">
+                <a16:creationId xmlns:a16="http://schemas.microsoft.com/office/drawing/2014/main" id="{D353CA6F-E2A3-48F3-AD20-D80C44380069}"/>
+              </a:ext>
+              <a:ext uri="{C183D7F6-B498-43B3-948B-1728B52AA6E4}">
+                <adec:decorative xmlns:adec="http://schemas.microsoft.com/office/drawing/2017/decorative" val="1"/>
+              </a:ext>
+            </a:extLst>
+          </p:cNvPr>
+          <p:cNvSpPr>
+            <a:spLocks noGrp="1" noRot="1" noChangeAspect="1" noMove="1" noResize="1" noEditPoints="1" noAdjustHandles="1" noChangeArrowheads="1" noChangeShapeType="1" noTextEdit="1"/>
+          </p:cNvSpPr>
+          <p:nvPr>
+            <p:extLst>
+              <p:ext uri="{386F3935-93C4-4BCD-93E2-E3B085C9AB24}">
+                <p16:designElem xmlns:p16="http://schemas.microsoft.com/office/powerpoint/2015/main" val="1"/>
+              </p:ext>
+            </p:extLst>
+          </p:nvPr>
+        </p:nvSpPr>
+        <p:spPr>
+          <a:xfrm>
+            <a:off x="1453477" y="0"/>
+            <a:ext cx="6676389" cy="6858000"/>
+          </a:xfrm>
+          <a:prstGeom prst="rect">
+            <a:avLst/>
+          </a:prstGeom>
+          <a:solidFill>
+            <a:schemeClr val="accent2"/>
+          </a:solidFill>
+          <a:ln>
+            <a:noFill/>
+          </a:ln>
+        </p:spPr>
+        <p:style>
+          <a:lnRef idx="2">
+            <a:schemeClr val="accent1">
+              <a:shade val="50000"/>
+            </a:schemeClr>
+          </a:lnRef>
+          <a:fillRef idx="1">
+            <a:schemeClr val="accent1"/>
+          </a:fillRef>
+          <a:effectRef idx="0">
+            <a:schemeClr val="accent1"/>
+          </a:effectRef>
+          <a:fontRef idx="minor">
+            <a:schemeClr val="lt1"/>
+          </a:fontRef>
+        </p:style>
+        <p:txBody>
+          <a:bodyPr rtlCol="0" anchor="ctr"/>
+          <a:lstStyle/>
+          <a:p>
+            <a:pPr algn="ctr"/>
+            <a:endParaRPr lang="en-US"/>
+          </a:p>
+        </p:txBody>
+      </p:sp>
+      <p:sp>
+        <p:nvSpPr>
+          <p:cNvPr id="2" name="Title 1">
+            <a:extLst>
+              <a:ext uri="{FF2B5EF4-FFF2-40B4-BE49-F238E27FC236}">
+                <a16:creationId xmlns:a16="http://schemas.microsoft.com/office/drawing/2014/main" id="{46E88649-E3B2-4B59-9E0E-79F7227B5ED6}"/>
+              </a:ext>
+            </a:extLst>
+          </p:cNvPr>
+          <p:cNvSpPr>
+            <a:spLocks noGrp="1"/>
+          </p:cNvSpPr>
+          <p:nvPr>
+            <p:ph type="title"/>
+          </p:nvPr>
+        </p:nvSpPr>
+        <p:spPr>
+          <a:xfrm>
+            <a:off x="2072820" y="643466"/>
+            <a:ext cx="5437703" cy="1152127"/>
+          </a:xfrm>
+          <a:noFill/>
+          <a:ln>
+            <a:solidFill>
+              <a:srgbClr val="FFFFFF"/>
+            </a:solidFill>
+          </a:ln>
+        </p:spPr>
+        <p:txBody>
+          <a:bodyPr>
+            <a:normAutofit/>
+          </a:bodyPr>
+          <a:lstStyle/>
+          <a:p>
+            <a:r>
+              <a:rPr lang="en-US" b="1">
+                <a:solidFill>
+                  <a:srgbClr val="FFFFFF"/>
+                </a:solidFill>
+              </a:rPr>
+              <a:t>Future Development</a:t>
+            </a:r>
+          </a:p>
+        </p:txBody>
+      </p:sp>
+      <p:sp>
+        <p:nvSpPr>
+          <p:cNvPr id="3" name="Content Placeholder 2">
+            <a:extLst>
+              <a:ext uri="{FF2B5EF4-FFF2-40B4-BE49-F238E27FC236}">
+                <a16:creationId xmlns:a16="http://schemas.microsoft.com/office/drawing/2014/main" id="{2BE78393-6136-4930-934D-7D54686CE1B4}"/>
+              </a:ext>
+            </a:extLst>
+          </p:cNvPr>
+          <p:cNvSpPr>
+            <a:spLocks noGrp="1"/>
+          </p:cNvSpPr>
+          <p:nvPr>
+            <p:ph idx="1"/>
+          </p:nvPr>
+        </p:nvSpPr>
+        <p:spPr>
+          <a:xfrm>
+            <a:off x="2072820" y="2170772"/>
+            <a:ext cx="5437697" cy="3569256"/>
+          </a:xfrm>
+        </p:spPr>
+        <p:txBody>
+          <a:bodyPr>
+            <a:normAutofit/>
+          </a:bodyPr>
+          <a:lstStyle/>
+          <a:p>
+            <a:r>
+              <a:rPr lang="en-US" b="0" i="0">
+                <a:solidFill>
+                  <a:srgbClr val="FFFFFF"/>
+                </a:solidFill>
+                <a:effectLst/>
+                <a:latin typeface="Slack-Lato"/>
+              </a:rPr>
+              <a:t>Would like to incorporate advance battle mechanics</a:t>
+            </a:r>
+          </a:p>
+          <a:p>
+            <a:r>
+              <a:rPr lang="en-US">
+                <a:solidFill>
+                  <a:srgbClr val="FFFFFF"/>
+                </a:solidFill>
+                <a:latin typeface="Slack-Lato"/>
+              </a:rPr>
+              <a:t>A</a:t>
+            </a:r>
+            <a:r>
+              <a:rPr lang="en-US" b="0" i="0">
+                <a:solidFill>
+                  <a:srgbClr val="FFFFFF"/>
+                </a:solidFill>
+                <a:effectLst/>
+                <a:latin typeface="Slack-Lato"/>
+              </a:rPr>
+              <a:t>n extended story</a:t>
+            </a:r>
+          </a:p>
+          <a:p>
+            <a:r>
+              <a:rPr lang="en-US">
+                <a:solidFill>
+                  <a:srgbClr val="FFFFFF"/>
+                </a:solidFill>
+                <a:latin typeface="Slack-Lato"/>
+              </a:rPr>
+              <a:t>S</a:t>
+            </a:r>
+            <a:r>
+              <a:rPr lang="en-US" b="0" i="0">
+                <a:solidFill>
+                  <a:srgbClr val="FFFFFF"/>
+                </a:solidFill>
+                <a:effectLst/>
+                <a:latin typeface="Slack-Lato"/>
+              </a:rPr>
+              <a:t>ound effects and music</a:t>
+            </a:r>
+          </a:p>
+          <a:p>
+            <a:r>
+              <a:rPr lang="en-US" b="0" i="0">
+                <a:solidFill>
+                  <a:srgbClr val="FFFFFF"/>
+                </a:solidFill>
+                <a:effectLst/>
+                <a:latin typeface="Slack-Lato"/>
+              </a:rPr>
+              <a:t>Improved scoring</a:t>
+            </a:r>
+          </a:p>
+          <a:p>
+            <a:r>
+              <a:rPr lang="en-US">
+                <a:solidFill>
+                  <a:srgbClr val="FFFFFF"/>
+                </a:solidFill>
+                <a:latin typeface="Slack-Lato"/>
+              </a:rPr>
+              <a:t>General style and aesthetic changes</a:t>
+            </a:r>
+            <a:endParaRPr lang="en-US" b="0" i="0">
+              <a:solidFill>
+                <a:srgbClr val="FFFFFF"/>
+              </a:solidFill>
+              <a:effectLst/>
+              <a:latin typeface="Slack-Lato"/>
+            </a:endParaRPr>
+          </a:p>
+          <a:p>
+            <a:endParaRPr lang="en-US">
+              <a:solidFill>
+                <a:srgbClr val="FFFFFF"/>
+              </a:solidFill>
+            </a:endParaRPr>
+          </a:p>
+        </p:txBody>
+      </p:sp>
+    </p:spTree>
+    <p:extLst>
+      <p:ext uri="{BB962C8B-B14F-4D97-AF65-F5344CB8AC3E}">
+        <p14:creationId xmlns:p14="http://schemas.microsoft.com/office/powerpoint/2010/main" val="1104817776"/>
+      </p:ext>
+    </p:extLst>
+  </p:cSld>
+  <p:clrMapOvr>
+    <a:overrideClrMapping bg1="dk1" tx1="lt1" bg2="dk2" tx2="lt2" accent1="accent1" accent2="accent2" accent3="accent3" accent4="accent4" accent5="accent5" accent6="accent6" hlink="hlink" folHlink="folHlink"/>
+  </p:clrMapOvr>
+</p:sld>
+</file>
+
+<file path=ppt/slides/slide8.xml><?xml version="1.0" encoding="utf-8"?>
 <p:sld xmlns:a="http://schemas.openxmlformats.org/drawingml/2006/main" xmlns:r="http://schemas.openxmlformats.org/officeDocument/2006/relationships" xmlns:p="http://schemas.openxmlformats.org/presentationml/2006/main">
   <p:cSld>
     <p:spTree>
@@ -4044,14 +5399,16 @@
         </p:nvSpPr>
         <p:spPr/>
         <p:txBody>
-          <a:bodyPr/>
+          <a:bodyPr>
+            <a:normAutofit/>
+          </a:bodyPr>
           <a:lstStyle/>
           <a:p>
             <a:pPr marL="0" indent="0">
               <a:buNone/>
             </a:pPr>
             <a:r>
-              <a:rPr lang="en-US" dirty="0"/>
+              <a:rPr lang="en-US" sz="2400" dirty="0"/>
               <a:t>Repo URL: https://github.com/Mattmoe1/Survive-2020.git</a:t>
             </a:r>
           </a:p>
@@ -4060,31 +5417,27 @@
               <a:buNone/>
             </a:pPr>
             <a:r>
-              <a:rPr lang="en-US" dirty="0"/>
+              <a:rPr lang="en-US" sz="2400" dirty="0"/>
               <a:t>SSH: </a:t>
             </a:r>
             <a:r>
-              <a:rPr lang="en-US" dirty="0">
+              <a:rPr lang="en-US" sz="2400" dirty="0">
                 <a:hlinkClick r:id="rId2"/>
               </a:rPr>
               <a:t>git@github.com:Mattmoe1/Survive-2020.git</a:t>
             </a:r>
-            <a:endParaRPr lang="en-US" dirty="0"/>
+            <a:endParaRPr lang="en-US" sz="2400" dirty="0"/>
           </a:p>
           <a:p>
             <a:pPr marL="0" indent="0">
               <a:buNone/>
             </a:pPr>
             <a:r>
-              <a:rPr lang="en-US"/>
-              <a:t>Website </a:t>
-            </a:r>
-            <a:r>
-              <a:rPr lang="en-US" dirty="0"/>
-              <a:t>URL: </a:t>
-            </a:r>
-            <a:r>
-              <a:rPr lang="en-US" b="0" i="0" u="sng" dirty="0">
+              <a:rPr lang="en-US" sz="2400" dirty="0"/>
+              <a:t>Website URL: </a:t>
+            </a:r>
+            <a:r>
+              <a:rPr lang="en-US" sz="2400" b="0" i="0" u="sng" dirty="0">
                 <a:solidFill>
                   <a:srgbClr val="0366D6"/>
                 </a:solidFill>
@@ -4094,7 +5447,7 @@
               </a:rPr>
               <a:t>https://mattmoe1.github.io/Survive-2020/</a:t>
             </a:r>
-            <a:endParaRPr lang="en-US" dirty="0"/>
+            <a:endParaRPr lang="en-US" sz="2400" dirty="0"/>
           </a:p>
         </p:txBody>
       </p:sp>
@@ -4112,108 +5465,58 @@
 </file>
 
 <file path=ppt/theme/theme1.xml><?xml version="1.0" encoding="utf-8"?>
-<a:theme xmlns:a="http://schemas.openxmlformats.org/drawingml/2006/main" name="Office Theme">
+<a:theme xmlns:a="http://schemas.openxmlformats.org/drawingml/2006/main" name="Parcel">
   <a:themeElements>
-    <a:clrScheme name="Office">
+    <a:clrScheme name="Parcel">
       <a:dk1>
-        <a:sysClr val="windowText" lastClr="000000"/>
+        <a:srgbClr val="000000"/>
       </a:dk1>
       <a:lt1>
-        <a:sysClr val="window" lastClr="FFFFFF"/>
+        <a:srgbClr val="FFFFFF"/>
       </a:lt1>
       <a:dk2>
-        <a:srgbClr val="44546A"/>
+        <a:srgbClr val="4A5356"/>
       </a:dk2>
       <a:lt2>
-        <a:srgbClr val="E7E6E6"/>
+        <a:srgbClr val="E8E3CE"/>
       </a:lt2>
       <a:accent1>
-        <a:srgbClr val="4472C4"/>
+        <a:srgbClr val="F6A21D"/>
       </a:accent1>
       <a:accent2>
-        <a:srgbClr val="ED7D31"/>
+        <a:srgbClr val="9BAFB5"/>
       </a:accent2>
       <a:accent3>
-        <a:srgbClr val="A5A5A5"/>
+        <a:srgbClr val="C96731"/>
       </a:accent3>
       <a:accent4>
-        <a:srgbClr val="FFC000"/>
+        <a:srgbClr val="9CA383"/>
       </a:accent4>
       <a:accent5>
-        <a:srgbClr val="5B9BD5"/>
+        <a:srgbClr val="87795D"/>
       </a:accent5>
       <a:accent6>
-        <a:srgbClr val="70AD47"/>
+        <a:srgbClr val="A0988C"/>
       </a:accent6>
       <a:hlink>
-        <a:srgbClr val="0563C1"/>
+        <a:srgbClr val="00B0F0"/>
       </a:hlink>
       <a:folHlink>
-        <a:srgbClr val="954F72"/>
+        <a:srgbClr val="738F97"/>
       </a:folHlink>
     </a:clrScheme>
-    <a:fontScheme name="Office">
+    <a:fontScheme name="Parcel">
       <a:majorFont>
-        <a:latin typeface="Calibri Light" panose="020F0302020204030204"/>
+        <a:latin typeface="Gill Sans MT" panose="020B0502020104020203"/>
         <a:ea typeface=""/>
         <a:cs typeface=""/>
-        <a:font script="Jpan" typeface="游ゴシック Light"/>
-        <a:font script="Hang" typeface="맑은 고딕"/>
-        <a:font script="Hans" typeface="等线 Light"/>
-        <a:font script="Hant" typeface="新細明體"/>
-        <a:font script="Arab" typeface="Times New Roman"/>
-        <a:font script="Hebr" typeface="Times New Roman"/>
-        <a:font script="Thai" typeface="Angsana New"/>
-        <a:font script="Ethi" typeface="Nyala"/>
-        <a:font script="Beng" typeface="Vrinda"/>
-        <a:font script="Gujr" typeface="Shruti"/>
-        <a:font script="Khmr" typeface="MoolBoran"/>
-        <a:font script="Knda" typeface="Tunga"/>
-        <a:font script="Guru" typeface="Raavi"/>
-        <a:font script="Cans" typeface="Euphemia"/>
-        <a:font script="Cher" typeface="Plantagenet Cherokee"/>
-        <a:font script="Yiii" typeface="Microsoft Yi Baiti"/>
-        <a:font script="Tibt" typeface="Microsoft Himalaya"/>
-        <a:font script="Thaa" typeface="MV Boli"/>
-        <a:font script="Deva" typeface="Mangal"/>
-        <a:font script="Telu" typeface="Gautami"/>
-        <a:font script="Taml" typeface="Latha"/>
-        <a:font script="Syrc" typeface="Estrangelo Edessa"/>
-        <a:font script="Orya" typeface="Kalinga"/>
-        <a:font script="Mlym" typeface="Kartika"/>
-        <a:font script="Laoo" typeface="DokChampa"/>
-        <a:font script="Sinh" typeface="Iskoola Pota"/>
-        <a:font script="Mong" typeface="Mongolian Baiti"/>
-        <a:font script="Viet" typeface="Times New Roman"/>
-        <a:font script="Uigh" typeface="Microsoft Uighur"/>
-        <a:font script="Geor" typeface="Sylfaen"/>
-        <a:font script="Armn" typeface="Arial"/>
-        <a:font script="Bugi" typeface="Leelawadee UI"/>
-        <a:font script="Bopo" typeface="Microsoft JhengHei"/>
-        <a:font script="Java" typeface="Javanese Text"/>
-        <a:font script="Lisu" typeface="Segoe UI"/>
-        <a:font script="Mymr" typeface="Myanmar Text"/>
-        <a:font script="Nkoo" typeface="Ebrima"/>
-        <a:font script="Olck" typeface="Nirmala UI"/>
-        <a:font script="Osma" typeface="Ebrima"/>
-        <a:font script="Phag" typeface="Phagspa"/>
-        <a:font script="Syrn" typeface="Estrangelo Edessa"/>
-        <a:font script="Syrj" typeface="Estrangelo Edessa"/>
-        <a:font script="Syre" typeface="Estrangelo Edessa"/>
-        <a:font script="Sora" typeface="Nirmala UI"/>
-        <a:font script="Tale" typeface="Microsoft Tai Le"/>
-        <a:font script="Talu" typeface="Microsoft New Tai Lue"/>
-        <a:font script="Tfng" typeface="Ebrima"/>
-      </a:majorFont>
-      <a:minorFont>
-        <a:latin typeface="Calibri" panose="020F0502020204030204"/>
-        <a:ea typeface=""/>
-        <a:cs typeface=""/>
-        <a:font script="Jpan" typeface="游ゴシック"/>
-        <a:font script="Hang" typeface="맑은 고딕"/>
-        <a:font script="Hans" typeface="等线"/>
-        <a:font script="Hant" typeface="新細明體"/>
-        <a:font script="Arab" typeface="Arial"/>
+        <a:font script="Grek" typeface="Corbel"/>
+        <a:font script="Cyrl" typeface="Corbel"/>
+        <a:font script="Jpan" typeface="HGｺﾞｼｯｸE"/>
+        <a:font script="Hang" typeface="휴먼매직체"/>
+        <a:font script="Hans" typeface="华文中宋"/>
+        <a:font script="Hant" typeface="微軟正黑體"/>
+        <a:font script="Arab" typeface="Majalla UI"/>
         <a:font script="Hebr" typeface="Arial"/>
         <a:font script="Thai" typeface="Cordia New"/>
         <a:font script="Ethi" typeface="Nyala"/>
@@ -4236,29 +5539,49 @@
         <a:font script="Laoo" typeface="DokChampa"/>
         <a:font script="Sinh" typeface="Iskoola Pota"/>
         <a:font script="Mong" typeface="Mongolian Baiti"/>
-        <a:font script="Viet" typeface="Arial"/>
+        <a:font script="Viet" typeface="Tahoma"/>
         <a:font script="Uigh" typeface="Microsoft Uighur"/>
         <a:font script="Geor" typeface="Sylfaen"/>
-        <a:font script="Armn" typeface="Arial"/>
-        <a:font script="Bugi" typeface="Leelawadee UI"/>
-        <a:font script="Bopo" typeface="Microsoft JhengHei"/>
-        <a:font script="Java" typeface="Javanese Text"/>
-        <a:font script="Lisu" typeface="Segoe UI"/>
-        <a:font script="Mymr" typeface="Myanmar Text"/>
-        <a:font script="Nkoo" typeface="Ebrima"/>
-        <a:font script="Olck" typeface="Nirmala UI"/>
-        <a:font script="Osma" typeface="Ebrima"/>
-        <a:font script="Phag" typeface="Phagspa"/>
-        <a:font script="Syrn" typeface="Estrangelo Edessa"/>
-        <a:font script="Syrj" typeface="Estrangelo Edessa"/>
-        <a:font script="Syre" typeface="Estrangelo Edessa"/>
-        <a:font script="Sora" typeface="Nirmala UI"/>
-        <a:font script="Tale" typeface="Microsoft Tai Le"/>
-        <a:font script="Talu" typeface="Microsoft New Tai Lue"/>
-        <a:font script="Tfng" typeface="Ebrima"/>
+      </a:majorFont>
+      <a:minorFont>
+        <a:latin typeface="Gill Sans MT" panose="020B0502020104020203"/>
+        <a:ea typeface=""/>
+        <a:cs typeface=""/>
+        <a:font script="Grek" typeface="Corbel"/>
+        <a:font script="Cyrl" typeface="Corbel"/>
+        <a:font script="Jpan" typeface="HGｺﾞｼｯｸE"/>
+        <a:font script="Hang" typeface="휴먼매직체"/>
+        <a:font script="Hans" typeface="华文中宋"/>
+        <a:font script="Hant" typeface="微軟正黑體"/>
+        <a:font script="Arab" typeface="Majalla UI"/>
+        <a:font script="Hebr" typeface="Arial"/>
+        <a:font script="Thai" typeface="Cordia New"/>
+        <a:font script="Ethi" typeface="Nyala"/>
+        <a:font script="Beng" typeface="Vrinda"/>
+        <a:font script="Gujr" typeface="Shruti"/>
+        <a:font script="Khmr" typeface="DaunPenh"/>
+        <a:font script="Knda" typeface="Tunga"/>
+        <a:font script="Guru" typeface="Raavi"/>
+        <a:font script="Cans" typeface="Euphemia"/>
+        <a:font script="Cher" typeface="Plantagenet Cherokee"/>
+        <a:font script="Yiii" typeface="Microsoft Yi Baiti"/>
+        <a:font script="Tibt" typeface="Microsoft Himalaya"/>
+        <a:font script="Thaa" typeface="MV Boli"/>
+        <a:font script="Deva" typeface="Mangal"/>
+        <a:font script="Telu" typeface="Gautami"/>
+        <a:font script="Taml" typeface="Latha"/>
+        <a:font script="Syrc" typeface="Estrangelo Edessa"/>
+        <a:font script="Orya" typeface="Kalinga"/>
+        <a:font script="Mlym" typeface="Kartika"/>
+        <a:font script="Laoo" typeface="DokChampa"/>
+        <a:font script="Sinh" typeface="Iskoola Pota"/>
+        <a:font script="Mong" typeface="Mongolian Baiti"/>
+        <a:font script="Viet" typeface="Tahoma"/>
+        <a:font script="Uigh" typeface="Microsoft Uighur"/>
+        <a:font script="Geor" typeface="Sylfaen"/>
       </a:minorFont>
     </a:fontScheme>
-    <a:fmtScheme name="Office">
+    <a:fmtScheme name="Parcel">
       <a:fillStyleLst>
         <a:solidFill>
           <a:schemeClr val="phClr"/>
@@ -4267,23 +5590,16 @@
           <a:gsLst>
             <a:gs pos="0">
               <a:schemeClr val="phClr">
-                <a:lumMod val="110000"/>
-                <a:satMod val="105000"/>
-                <a:tint val="67000"/>
-              </a:schemeClr>
-            </a:gs>
-            <a:gs pos="50000">
-              <a:schemeClr val="phClr">
-                <a:lumMod val="105000"/>
-                <a:satMod val="103000"/>
-                <a:tint val="73000"/>
+                <a:tint val="80000"/>
+                <a:satMod val="107000"/>
+                <a:lumMod val="103000"/>
               </a:schemeClr>
             </a:gs>
             <a:gs pos="100000">
               <a:schemeClr val="phClr">
-                <a:lumMod val="105000"/>
+                <a:tint val="82000"/>
                 <a:satMod val="109000"/>
-                <a:tint val="81000"/>
+                <a:lumMod val="103000"/>
               </a:schemeClr>
             </a:gs>
           </a:gsLst>
@@ -4293,23 +5609,23 @@
           <a:gsLst>
             <a:gs pos="0">
               <a:schemeClr val="phClr">
-                <a:satMod val="103000"/>
+                <a:tint val="97000"/>
+                <a:satMod val="100000"/>
                 <a:lumMod val="102000"/>
-                <a:tint val="94000"/>
               </a:schemeClr>
             </a:gs>
             <a:gs pos="50000">
               <a:schemeClr val="phClr">
-                <a:satMod val="110000"/>
+                <a:shade val="100000"/>
+                <a:satMod val="103000"/>
                 <a:lumMod val="100000"/>
-                <a:shade val="100000"/>
               </a:schemeClr>
             </a:gs>
             <a:gs pos="100000">
               <a:schemeClr val="phClr">
+                <a:shade val="93000"/>
+                <a:satMod val="110000"/>
                 <a:lumMod val="99000"/>
-                <a:satMod val="120000"/>
-                <a:shade val="78000"/>
               </a:schemeClr>
             </a:gs>
           </a:gsLst>
@@ -4322,21 +5638,18 @@
             <a:schemeClr val="phClr"/>
           </a:solidFill>
           <a:prstDash val="solid"/>
-          <a:miter lim="800000"/>
         </a:ln>
         <a:ln w="12700" cap="flat" cmpd="sng" algn="ctr">
           <a:solidFill>
             <a:schemeClr val="phClr"/>
           </a:solidFill>
           <a:prstDash val="solid"/>
-          <a:miter lim="800000"/>
         </a:ln>
-        <a:ln w="19050" cap="flat" cmpd="sng" algn="ctr">
+        <a:ln w="31750" cap="flat" cmpd="sng" algn="ctr">
           <a:solidFill>
             <a:schemeClr val="phClr"/>
           </a:solidFill>
           <a:prstDash val="solid"/>
-          <a:miter lim="800000"/>
         </a:ln>
       </a:lnStyleLst>
       <a:effectStyleLst>
@@ -4348,12 +5661,21 @@
         </a:effectStyle>
         <a:effectStyle>
           <a:effectLst>
-            <a:outerShdw blurRad="57150" dist="19050" dir="5400000" algn="ctr" rotWithShape="0">
+            <a:outerShdw blurRad="55880" dist="15240" dir="5400000" algn="ctr" rotWithShape="0">
               <a:srgbClr val="000000">
-                <a:alpha val="63000"/>
+                <a:alpha val="45000"/>
               </a:srgbClr>
             </a:outerShdw>
           </a:effectLst>
+          <a:scene3d>
+            <a:camera prst="orthographicFront">
+              <a:rot lat="0" lon="0" rev="0"/>
+            </a:camera>
+            <a:lightRig rig="brightRoom" dir="tl"/>
+          </a:scene3d>
+          <a:sp3d prstMaterial="dkEdge">
+            <a:bevelT w="0" h="0"/>
+          </a:sp3d>
         </a:effectStyle>
       </a:effectStyleLst>
       <a:bgFillStyleLst>
@@ -4370,28 +5692,24 @@
           <a:gsLst>
             <a:gs pos="0">
               <a:schemeClr val="phClr">
-                <a:tint val="93000"/>
-                <a:satMod val="150000"/>
-                <a:shade val="98000"/>
-                <a:lumMod val="102000"/>
-              </a:schemeClr>
-            </a:gs>
-            <a:gs pos="50000">
-              <a:schemeClr val="phClr">
-                <a:tint val="98000"/>
-                <a:satMod val="130000"/>
-                <a:shade val="90000"/>
-                <a:lumMod val="103000"/>
+                <a:tint val="97000"/>
+                <a:shade val="100000"/>
+                <a:satMod val="185000"/>
+                <a:lumMod val="120000"/>
               </a:schemeClr>
             </a:gs>
             <a:gs pos="100000">
               <a:schemeClr val="phClr">
-                <a:shade val="63000"/>
-                <a:satMod val="120000"/>
+                <a:tint val="96000"/>
+                <a:shade val="95000"/>
+                <a:satMod val="215000"/>
+                <a:lumMod val="80000"/>
               </a:schemeClr>
             </a:gs>
           </a:gsLst>
-          <a:lin ang="5400000" scaled="0"/>
+          <a:path path="circle">
+            <a:fillToRect l="50000" t="55000" r="125000" b="100000"/>
+          </a:path>
         </a:gradFill>
       </a:bgFillStyleLst>
     </a:fmtScheme>
@@ -4400,7 +5718,7 @@
   <a:extraClrSchemeLst/>
   <a:extLst>
     <a:ext uri="{05A4C25C-085E-4340-85A3-A5531E510DB2}">
-      <thm15:themeFamily xmlns:thm15="http://schemas.microsoft.com/office/thememl/2012/main" name="Office Theme" id="{62F939B6-93AF-4DB8-9C6B-D6C7DFDC589F}" vid="{4A3C46E8-61CC-4603-A589-7422A47A8E4A}"/>
+      <thm15:themeFamily xmlns:thm15="http://schemas.microsoft.com/office/thememl/2012/main" name="Parcel" id="{8BEC4385-4EB9-4D53-BFB5-0EA123736B6D}" vid="{4DB32801-28C0-48B0-8C1D-A9A58613615A}"/>
     </a:ext>
   </a:extLst>
 </a:theme>
